--- a/fundamentals/4-Conditionals, String.pptx
+++ b/fundamentals/4-Conditionals, String.pptx
@@ -5,24 +5,28 @@
     <p:sldMasterId id="2147483954" r:id="rId1"/>
   </p:sldMasterIdLst>
   <p:notesMasterIdLst>
-    <p:notesMasterId r:id="rId17"/>
+    <p:notesMasterId r:id="rId21"/>
   </p:notesMasterIdLst>
   <p:sldIdLst>
-    <p:sldId id="256" r:id="rId2"/>
-    <p:sldId id="277" r:id="rId3"/>
-    <p:sldId id="278" r:id="rId4"/>
-    <p:sldId id="286" r:id="rId5"/>
-    <p:sldId id="268" r:id="rId6"/>
-    <p:sldId id="287" r:id="rId7"/>
-    <p:sldId id="274" r:id="rId8"/>
-    <p:sldId id="283" r:id="rId9"/>
-    <p:sldId id="288" r:id="rId10"/>
-    <p:sldId id="284" r:id="rId11"/>
-    <p:sldId id="285" r:id="rId12"/>
-    <p:sldId id="271" r:id="rId13"/>
-    <p:sldId id="282" r:id="rId14"/>
-    <p:sldId id="270" r:id="rId15"/>
-    <p:sldId id="281" r:id="rId16"/>
+    <p:sldId id="277" r:id="rId2"/>
+    <p:sldId id="278" r:id="rId3"/>
+    <p:sldId id="286" r:id="rId4"/>
+    <p:sldId id="268" r:id="rId5"/>
+    <p:sldId id="287" r:id="rId6"/>
+    <p:sldId id="274" r:id="rId7"/>
+    <p:sldId id="289" r:id="rId8"/>
+    <p:sldId id="290" r:id="rId9"/>
+    <p:sldId id="256" r:id="rId10"/>
+    <p:sldId id="283" r:id="rId11"/>
+    <p:sldId id="275" r:id="rId12"/>
+    <p:sldId id="291" r:id="rId13"/>
+    <p:sldId id="288" r:id="rId14"/>
+    <p:sldId id="284" r:id="rId15"/>
+    <p:sldId id="285" r:id="rId16"/>
+    <p:sldId id="271" r:id="rId17"/>
+    <p:sldId id="282" r:id="rId18"/>
+    <p:sldId id="270" r:id="rId19"/>
+    <p:sldId id="281" r:id="rId20"/>
   </p:sldIdLst>
   <p:sldSz cx="12192000" cy="6858000"/>
   <p:notesSz cx="6858000" cy="9144000"/>
@@ -214,7 +218,7 @@
           <a:p>
             <a:fld id="{720C9186-47A3-C54A-A8AF-47B660C0099D}" type="datetimeFigureOut">
               <a:rPr lang="en-US" smtClean="0"/>
-              <a:t>6/16/20</a:t>
+              <a:t>6/18/20</a:t>
             </a:fld>
             <a:endParaRPr lang="en-US"/>
           </a:p>
@@ -547,7 +551,7 @@
           <a:p>
             <a:fld id="{7A1290A3-92E3-6F43-88C0-EE439678F7B9}" type="slidenum">
               <a:rPr lang="en-US" smtClean="0"/>
-              <a:t>3</a:t>
+              <a:t>2</a:t>
             </a:fld>
             <a:endParaRPr lang="en-US"/>
           </a:p>
@@ -715,7 +719,7 @@
           <a:p>
             <a:fld id="{4AAD347D-5ACD-4C99-B74B-A9C85AD731AF}" type="datetimeFigureOut">
               <a:rPr lang="en-US" smtClean="0"/>
-              <a:t>6/16/20</a:t>
+              <a:t>6/18/20</a:t>
             </a:fld>
             <a:endParaRPr lang="en-US" dirty="0"/>
           </a:p>
@@ -915,7 +919,7 @@
           <a:p>
             <a:fld id="{4AAD347D-5ACD-4C99-B74B-A9C85AD731AF}" type="datetimeFigureOut">
               <a:rPr lang="en-US" smtClean="0"/>
-              <a:t>6/16/20</a:t>
+              <a:t>6/18/20</a:t>
             </a:fld>
             <a:endParaRPr lang="en-US" dirty="0"/>
           </a:p>
@@ -1126,7 +1130,7 @@
           <a:p>
             <a:fld id="{4AAD347D-5ACD-4C99-B74B-A9C85AD731AF}" type="datetimeFigureOut">
               <a:rPr lang="en-US" smtClean="0"/>
-              <a:t>6/16/20</a:t>
+              <a:t>6/18/20</a:t>
             </a:fld>
             <a:endParaRPr lang="en-US" dirty="0"/>
           </a:p>
@@ -1327,7 +1331,7 @@
           <a:p>
             <a:fld id="{4AAD347D-5ACD-4C99-B74B-A9C85AD731AF}" type="datetimeFigureOut">
               <a:rPr lang="en-US" smtClean="0"/>
-              <a:t>6/16/20</a:t>
+              <a:t>6/18/20</a:t>
             </a:fld>
             <a:endParaRPr lang="en-US" dirty="0"/>
           </a:p>
@@ -1604,7 +1608,7 @@
           <a:p>
             <a:fld id="{9796027F-7875-4030-9381-8BD8C4F21935}" type="datetimeFigureOut">
               <a:rPr lang="en-US" smtClean="0"/>
-              <a:t>6/16/20</a:t>
+              <a:t>6/18/20</a:t>
             </a:fld>
             <a:endParaRPr lang="en-US" dirty="0"/>
           </a:p>
@@ -1872,7 +1876,7 @@
           <a:p>
             <a:fld id="{4AAD347D-5ACD-4C99-B74B-A9C85AD731AF}" type="datetimeFigureOut">
               <a:rPr lang="en-US" smtClean="0"/>
-              <a:t>6/16/20</a:t>
+              <a:t>6/18/20</a:t>
             </a:fld>
             <a:endParaRPr lang="en-US" dirty="0"/>
           </a:p>
@@ -2293,7 +2297,7 @@
           <a:p>
             <a:fld id="{4AAD347D-5ACD-4C99-B74B-A9C85AD731AF}" type="datetimeFigureOut">
               <a:rPr lang="en-US" smtClean="0"/>
-              <a:t>6/16/20</a:t>
+              <a:t>6/18/20</a:t>
             </a:fld>
             <a:endParaRPr lang="en-US" dirty="0"/>
           </a:p>
@@ -2436,7 +2440,7 @@
           <a:p>
             <a:fld id="{4509A250-FF31-4206-8172-F9D3106AACB1}" type="datetimeFigureOut">
               <a:rPr lang="en-US" smtClean="0"/>
-              <a:t>6/16/20</a:t>
+              <a:t>6/18/20</a:t>
             </a:fld>
             <a:endParaRPr lang="en-US" dirty="0"/>
           </a:p>
@@ -2549,7 +2553,7 @@
           <a:p>
             <a:fld id="{4509A250-FF31-4206-8172-F9D3106AACB1}" type="datetimeFigureOut">
               <a:rPr lang="en-US" smtClean="0"/>
-              <a:t>6/16/20</a:t>
+              <a:t>6/18/20</a:t>
             </a:fld>
             <a:endParaRPr lang="en-US" dirty="0"/>
           </a:p>
@@ -2862,7 +2866,7 @@
           <a:p>
             <a:fld id="{4AAD347D-5ACD-4C99-B74B-A9C85AD731AF}" type="datetimeFigureOut">
               <a:rPr lang="en-US" smtClean="0"/>
-              <a:t>6/16/20</a:t>
+              <a:t>6/18/20</a:t>
             </a:fld>
             <a:endParaRPr lang="en-US" dirty="0"/>
           </a:p>
@@ -3157,7 +3161,7 @@
           <a:p>
             <a:fld id="{4509A250-FF31-4206-8172-F9D3106AACB1}" type="datetimeFigureOut">
               <a:rPr lang="en-US" smtClean="0"/>
-              <a:t>6/16/20</a:t>
+              <a:t>6/18/20</a:t>
             </a:fld>
             <a:endParaRPr lang="en-US" dirty="0"/>
           </a:p>
@@ -3400,7 +3404,7 @@
           <a:p>
             <a:fld id="{4AAD347D-5ACD-4C99-B74B-A9C85AD731AF}" type="datetimeFigureOut">
               <a:rPr lang="en-US" smtClean="0"/>
-              <a:t>6/16/20</a:t>
+              <a:t>6/18/20</a:t>
             </a:fld>
             <a:endParaRPr lang="en-US" dirty="0"/>
           </a:p>
@@ -3824,7 +3828,7 @@
     <p:bg>
       <p:bgPr>
         <a:solidFill>
-          <a:schemeClr val="tx1"/>
+          <a:schemeClr val="bg1"/>
         </a:solidFill>
         <a:effectLst/>
       </p:bgPr>
@@ -3848,7 +3852,7 @@
           <p:cNvPr id="2" name="Title 1">
             <a:extLst>
               <a:ext uri="{FF2B5EF4-FFF2-40B4-BE49-F238E27FC236}">
-                <a16:creationId xmlns:a16="http://schemas.microsoft.com/office/drawing/2014/main" id="{43B35290-B2B6-324B-9349-4E6692E228FE}"/>
+                <a16:creationId xmlns:a16="http://schemas.microsoft.com/office/drawing/2014/main" id="{9E95490D-6DAA-284D-B023-120031A28F47}"/>
               </a:ext>
             </a:extLst>
           </p:cNvPr>
@@ -3856,10 +3860,15 @@
             <a:spLocks noGrp="1"/>
           </p:cNvSpPr>
           <p:nvPr>
-            <p:ph type="ctrTitle"/>
+            <p:ph type="title"/>
           </p:nvPr>
         </p:nvSpPr>
-        <p:spPr/>
+        <p:spPr>
+          <a:xfrm>
+            <a:off x="1175512" y="418357"/>
+            <a:ext cx="9792208" cy="1527078"/>
+          </a:xfrm>
+        </p:spPr>
         <p:txBody>
           <a:bodyPr>
             <a:normAutofit/>
@@ -3867,24 +3876,813 @@
           <a:lstStyle/>
           <a:p>
             <a:r>
-              <a:rPr lang="en-US" sz="5400" cap="none" dirty="0">
-                <a:solidFill>
-                  <a:schemeClr val="bg2">
-                    <a:lumMod val="75000"/>
-                  </a:schemeClr>
-                </a:solidFill>
-              </a:rPr>
-              <a:t>Introduction to programming  (Python)</a:t>
+              <a:rPr lang="en-US" dirty="0">
+                <a:solidFill>
+                  <a:schemeClr val="tx2"/>
+                </a:solidFill>
+              </a:rPr>
+              <a:t>Conditional statements</a:t>
             </a:r>
           </a:p>
         </p:txBody>
       </p:sp>
       <p:sp>
         <p:nvSpPr>
-          <p:cNvPr id="3" name="Subtitle 2">
+          <p:cNvPr id="4" name="Rounded Rectangle 3">
             <a:extLst>
               <a:ext uri="{FF2B5EF4-FFF2-40B4-BE49-F238E27FC236}">
-                <a16:creationId xmlns:a16="http://schemas.microsoft.com/office/drawing/2014/main" id="{E992A13E-D2BD-D347-B675-8C3054F4BE1E}"/>
+                <a16:creationId xmlns:a16="http://schemas.microsoft.com/office/drawing/2014/main" id="{A9194EA6-4EE4-E042-A4DA-4879C165CB4D}"/>
+              </a:ext>
+            </a:extLst>
+          </p:cNvPr>
+          <p:cNvSpPr/>
+          <p:nvPr/>
+        </p:nvSpPr>
+        <p:spPr>
+          <a:xfrm>
+            <a:off x="6096000" y="2552369"/>
+            <a:ext cx="4871720" cy="3435499"/>
+          </a:xfrm>
+          <a:prstGeom prst="roundRect">
+            <a:avLst/>
+          </a:prstGeom>
+        </p:spPr>
+        <p:style>
+          <a:lnRef idx="2">
+            <a:schemeClr val="accent1">
+              <a:shade val="50000"/>
+            </a:schemeClr>
+          </a:lnRef>
+          <a:fillRef idx="1">
+            <a:schemeClr val="accent1"/>
+          </a:fillRef>
+          <a:effectRef idx="0">
+            <a:schemeClr val="accent1"/>
+          </a:effectRef>
+          <a:fontRef idx="minor">
+            <a:schemeClr val="lt1"/>
+          </a:fontRef>
+        </p:style>
+        <p:txBody>
+          <a:bodyPr rtlCol="0" anchor="ctr"/>
+          <a:lstStyle/>
+          <a:p>
+            <a:pPr algn="ctr"/>
+            <a:endParaRPr lang="en-US" dirty="0"/>
+          </a:p>
+        </p:txBody>
+      </p:sp>
+      <p:sp>
+        <p:nvSpPr>
+          <p:cNvPr id="5" name="TextBox 4">
+            <a:extLst>
+              <a:ext uri="{FF2B5EF4-FFF2-40B4-BE49-F238E27FC236}">
+                <a16:creationId xmlns:a16="http://schemas.microsoft.com/office/drawing/2014/main" id="{3A491FEC-EAA1-334F-9C2E-4788D8E7B30E}"/>
+              </a:ext>
+            </a:extLst>
+          </p:cNvPr>
+          <p:cNvSpPr txBox="1"/>
+          <p:nvPr/>
+        </p:nvSpPr>
+        <p:spPr>
+          <a:xfrm>
+            <a:off x="6756649" y="2623875"/>
+            <a:ext cx="2893741" cy="646331"/>
+          </a:xfrm>
+          <a:prstGeom prst="rect">
+            <a:avLst/>
+          </a:prstGeom>
+          <a:noFill/>
+        </p:spPr>
+        <p:txBody>
+          <a:bodyPr wrap="none" rtlCol="0">
+            <a:spAutoFit/>
+          </a:bodyPr>
+          <a:lstStyle/>
+          <a:p>
+            <a:r>
+              <a:rPr lang="en-US" dirty="0"/>
+              <a:t>Universe: Set of all states</a:t>
+            </a:r>
+          </a:p>
+          <a:p>
+            <a:endParaRPr lang="en-US" dirty="0"/>
+          </a:p>
+        </p:txBody>
+      </p:sp>
+      <p:sp>
+        <p:nvSpPr>
+          <p:cNvPr id="6" name="Rounded Rectangle 5">
+            <a:extLst>
+              <a:ext uri="{FF2B5EF4-FFF2-40B4-BE49-F238E27FC236}">
+                <a16:creationId xmlns:a16="http://schemas.microsoft.com/office/drawing/2014/main" id="{2A5B29C7-77A5-BC42-B34C-29628CAC8B55}"/>
+              </a:ext>
+            </a:extLst>
+          </p:cNvPr>
+          <p:cNvSpPr/>
+          <p:nvPr/>
+        </p:nvSpPr>
+        <p:spPr>
+          <a:xfrm>
+            <a:off x="6376947" y="3183872"/>
+            <a:ext cx="1097280" cy="993913"/>
+          </a:xfrm>
+          <a:prstGeom prst="roundRect">
+            <a:avLst/>
+          </a:prstGeom>
+          <a:solidFill>
+            <a:schemeClr val="bg2">
+              <a:lumMod val="75000"/>
+            </a:schemeClr>
+          </a:solidFill>
+        </p:spPr>
+        <p:style>
+          <a:lnRef idx="2">
+            <a:schemeClr val="accent1">
+              <a:shade val="50000"/>
+            </a:schemeClr>
+          </a:lnRef>
+          <a:fillRef idx="1">
+            <a:schemeClr val="accent1"/>
+          </a:fillRef>
+          <a:effectRef idx="0">
+            <a:schemeClr val="accent1"/>
+          </a:effectRef>
+          <a:fontRef idx="minor">
+            <a:schemeClr val="lt1"/>
+          </a:fontRef>
+        </p:style>
+        <p:txBody>
+          <a:bodyPr rtlCol="0" anchor="ctr"/>
+          <a:lstStyle/>
+          <a:p>
+            <a:pPr algn="ctr"/>
+            <a:endParaRPr lang="en-US"/>
+          </a:p>
+        </p:txBody>
+      </p:sp>
+      <p:sp>
+        <p:nvSpPr>
+          <p:cNvPr id="9" name="TextBox 8">
+            <a:extLst>
+              <a:ext uri="{FF2B5EF4-FFF2-40B4-BE49-F238E27FC236}">
+                <a16:creationId xmlns:a16="http://schemas.microsoft.com/office/drawing/2014/main" id="{B6E6A084-9FB8-2C4A-AB94-5662E5F5645D}"/>
+              </a:ext>
+            </a:extLst>
+          </p:cNvPr>
+          <p:cNvSpPr txBox="1"/>
+          <p:nvPr/>
+        </p:nvSpPr>
+        <p:spPr>
+          <a:xfrm>
+            <a:off x="6324849" y="3442361"/>
+            <a:ext cx="1204177" cy="646331"/>
+          </a:xfrm>
+          <a:prstGeom prst="rect">
+            <a:avLst/>
+          </a:prstGeom>
+          <a:noFill/>
+        </p:spPr>
+        <p:txBody>
+          <a:bodyPr wrap="none" rtlCol="0">
+            <a:spAutoFit/>
+          </a:bodyPr>
+          <a:lstStyle/>
+          <a:p>
+            <a:pPr algn="ctr"/>
+            <a:r>
+              <a:rPr lang="en-US" sz="1200" dirty="0">
+                <a:latin typeface="Consolas" panose="020B0609020204030204" pitchFamily="49" charset="0"/>
+                <a:cs typeface="Consolas" panose="020B0609020204030204" pitchFamily="49" charset="0"/>
+              </a:rPr>
+              <a:t>condition_1 </a:t>
+            </a:r>
+          </a:p>
+          <a:p>
+            <a:pPr algn="ctr"/>
+            <a:r>
+              <a:rPr lang="en-US" sz="1200" dirty="0">
+                <a:latin typeface="Consolas" panose="020B0609020204030204" pitchFamily="49" charset="0"/>
+                <a:cs typeface="Consolas" panose="020B0609020204030204" pitchFamily="49" charset="0"/>
+              </a:rPr>
+              <a:t>== </a:t>
+            </a:r>
+          </a:p>
+          <a:p>
+            <a:pPr algn="ctr"/>
+            <a:r>
+              <a:rPr lang="en-US" sz="1200" dirty="0">
+                <a:latin typeface="Consolas" panose="020B0609020204030204" pitchFamily="49" charset="0"/>
+                <a:cs typeface="Consolas" panose="020B0609020204030204" pitchFamily="49" charset="0"/>
+              </a:rPr>
+              <a:t>True</a:t>
+            </a:r>
+          </a:p>
+        </p:txBody>
+      </p:sp>
+      <p:sp>
+        <p:nvSpPr>
+          <p:cNvPr id="11" name="Rounded Rectangle 10">
+            <a:extLst>
+              <a:ext uri="{FF2B5EF4-FFF2-40B4-BE49-F238E27FC236}">
+                <a16:creationId xmlns:a16="http://schemas.microsoft.com/office/drawing/2014/main" id="{FB7B1BEE-B809-5148-8457-404D4BAB32CA}"/>
+              </a:ext>
+            </a:extLst>
+          </p:cNvPr>
+          <p:cNvSpPr/>
+          <p:nvPr/>
+        </p:nvSpPr>
+        <p:spPr>
+          <a:xfrm>
+            <a:off x="9728889" y="4509834"/>
+            <a:ext cx="1097280" cy="993913"/>
+          </a:xfrm>
+          <a:prstGeom prst="roundRect">
+            <a:avLst/>
+          </a:prstGeom>
+          <a:solidFill>
+            <a:srgbClr val="92D050"/>
+          </a:solidFill>
+        </p:spPr>
+        <p:style>
+          <a:lnRef idx="2">
+            <a:schemeClr val="accent1">
+              <a:shade val="50000"/>
+            </a:schemeClr>
+          </a:lnRef>
+          <a:fillRef idx="1">
+            <a:schemeClr val="accent1"/>
+          </a:fillRef>
+          <a:effectRef idx="0">
+            <a:schemeClr val="accent1"/>
+          </a:effectRef>
+          <a:fontRef idx="minor">
+            <a:schemeClr val="lt1"/>
+          </a:fontRef>
+        </p:style>
+        <p:txBody>
+          <a:bodyPr rtlCol="0" anchor="ctr"/>
+          <a:lstStyle/>
+          <a:p>
+            <a:pPr algn="ctr"/>
+            <a:endParaRPr lang="en-US"/>
+          </a:p>
+        </p:txBody>
+      </p:sp>
+      <p:sp>
+        <p:nvSpPr>
+          <p:cNvPr id="12" name="TextBox 11">
+            <a:extLst>
+              <a:ext uri="{FF2B5EF4-FFF2-40B4-BE49-F238E27FC236}">
+                <a16:creationId xmlns:a16="http://schemas.microsoft.com/office/drawing/2014/main" id="{D3205C27-98C9-4940-9B52-6E97B1B9E07B}"/>
+              </a:ext>
+            </a:extLst>
+          </p:cNvPr>
+          <p:cNvSpPr txBox="1"/>
+          <p:nvPr/>
+        </p:nvSpPr>
+        <p:spPr>
+          <a:xfrm>
+            <a:off x="9676791" y="4683624"/>
+            <a:ext cx="1204177" cy="646331"/>
+          </a:xfrm>
+          <a:prstGeom prst="rect">
+            <a:avLst/>
+          </a:prstGeom>
+          <a:noFill/>
+        </p:spPr>
+        <p:txBody>
+          <a:bodyPr wrap="none" rtlCol="0">
+            <a:spAutoFit/>
+          </a:bodyPr>
+          <a:lstStyle/>
+          <a:p>
+            <a:pPr algn="ctr"/>
+            <a:r>
+              <a:rPr lang="en-US" sz="1200" dirty="0">
+                <a:latin typeface="Consolas" panose="020B0609020204030204" pitchFamily="49" charset="0"/>
+                <a:cs typeface="Consolas" panose="020B0609020204030204" pitchFamily="49" charset="0"/>
+              </a:rPr>
+              <a:t>condition_2 </a:t>
+            </a:r>
+          </a:p>
+          <a:p>
+            <a:pPr algn="ctr"/>
+            <a:r>
+              <a:rPr lang="en-US" sz="1200" dirty="0">
+                <a:latin typeface="Consolas" panose="020B0609020204030204" pitchFamily="49" charset="0"/>
+                <a:cs typeface="Consolas" panose="020B0609020204030204" pitchFamily="49" charset="0"/>
+              </a:rPr>
+              <a:t>== </a:t>
+            </a:r>
+          </a:p>
+          <a:p>
+            <a:pPr algn="ctr"/>
+            <a:r>
+              <a:rPr lang="en-US" sz="1200" dirty="0">
+                <a:latin typeface="Consolas" panose="020B0609020204030204" pitchFamily="49" charset="0"/>
+                <a:cs typeface="Consolas" panose="020B0609020204030204" pitchFamily="49" charset="0"/>
+              </a:rPr>
+              <a:t>True</a:t>
+            </a:r>
+          </a:p>
+        </p:txBody>
+      </p:sp>
+      <p:sp>
+        <p:nvSpPr>
+          <p:cNvPr id="13" name="Rounded Rectangle 12">
+            <a:extLst>
+              <a:ext uri="{FF2B5EF4-FFF2-40B4-BE49-F238E27FC236}">
+                <a16:creationId xmlns:a16="http://schemas.microsoft.com/office/drawing/2014/main" id="{87E5211E-CA6E-CE49-8B6F-3A10D95C1C2A}"/>
+              </a:ext>
+            </a:extLst>
+          </p:cNvPr>
+          <p:cNvSpPr/>
+          <p:nvPr/>
+        </p:nvSpPr>
+        <p:spPr>
+          <a:xfrm>
+            <a:off x="7833361" y="4807653"/>
+            <a:ext cx="1097280" cy="993913"/>
+          </a:xfrm>
+          <a:prstGeom prst="roundRect">
+            <a:avLst/>
+          </a:prstGeom>
+          <a:solidFill>
+            <a:srgbClr val="FFFF00"/>
+          </a:solidFill>
+        </p:spPr>
+        <p:style>
+          <a:lnRef idx="2">
+            <a:schemeClr val="accent1">
+              <a:shade val="50000"/>
+            </a:schemeClr>
+          </a:lnRef>
+          <a:fillRef idx="1">
+            <a:schemeClr val="accent1"/>
+          </a:fillRef>
+          <a:effectRef idx="0">
+            <a:schemeClr val="accent1"/>
+          </a:effectRef>
+          <a:fontRef idx="minor">
+            <a:schemeClr val="lt1"/>
+          </a:fontRef>
+        </p:style>
+        <p:txBody>
+          <a:bodyPr rtlCol="0" anchor="ctr"/>
+          <a:lstStyle/>
+          <a:p>
+            <a:pPr algn="ctr"/>
+            <a:endParaRPr lang="en-US"/>
+          </a:p>
+        </p:txBody>
+      </p:sp>
+      <p:sp>
+        <p:nvSpPr>
+          <p:cNvPr id="14" name="TextBox 13">
+            <a:extLst>
+              <a:ext uri="{FF2B5EF4-FFF2-40B4-BE49-F238E27FC236}">
+                <a16:creationId xmlns:a16="http://schemas.microsoft.com/office/drawing/2014/main" id="{ECD3F22E-5A64-4B46-8EBD-92A00F4262F6}"/>
+              </a:ext>
+            </a:extLst>
+          </p:cNvPr>
+          <p:cNvSpPr txBox="1"/>
+          <p:nvPr/>
+        </p:nvSpPr>
+        <p:spPr>
+          <a:xfrm>
+            <a:off x="7781263" y="5066142"/>
+            <a:ext cx="1204177" cy="646331"/>
+          </a:xfrm>
+          <a:prstGeom prst="rect">
+            <a:avLst/>
+          </a:prstGeom>
+          <a:noFill/>
+        </p:spPr>
+        <p:txBody>
+          <a:bodyPr wrap="none" rtlCol="0">
+            <a:spAutoFit/>
+          </a:bodyPr>
+          <a:lstStyle/>
+          <a:p>
+            <a:pPr algn="ctr"/>
+            <a:r>
+              <a:rPr lang="en-US" sz="1200" dirty="0">
+                <a:latin typeface="Consolas" panose="020B0609020204030204" pitchFamily="49" charset="0"/>
+                <a:cs typeface="Consolas" panose="020B0609020204030204" pitchFamily="49" charset="0"/>
+              </a:rPr>
+              <a:t>condition_3 </a:t>
+            </a:r>
+          </a:p>
+          <a:p>
+            <a:pPr algn="ctr"/>
+            <a:r>
+              <a:rPr lang="en-US" sz="1200" dirty="0">
+                <a:latin typeface="Consolas" panose="020B0609020204030204" pitchFamily="49" charset="0"/>
+                <a:cs typeface="Consolas" panose="020B0609020204030204" pitchFamily="49" charset="0"/>
+              </a:rPr>
+              <a:t>== </a:t>
+            </a:r>
+          </a:p>
+          <a:p>
+            <a:pPr algn="ctr"/>
+            <a:r>
+              <a:rPr lang="en-US" sz="1200" dirty="0">
+                <a:latin typeface="Consolas" panose="020B0609020204030204" pitchFamily="49" charset="0"/>
+                <a:cs typeface="Consolas" panose="020B0609020204030204" pitchFamily="49" charset="0"/>
+              </a:rPr>
+              <a:t>True</a:t>
+            </a:r>
+          </a:p>
+        </p:txBody>
+      </p:sp>
+      <p:sp>
+        <p:nvSpPr>
+          <p:cNvPr id="7" name="TextBox 6">
+            <a:extLst>
+              <a:ext uri="{FF2B5EF4-FFF2-40B4-BE49-F238E27FC236}">
+                <a16:creationId xmlns:a16="http://schemas.microsoft.com/office/drawing/2014/main" id="{9F7C2D59-A944-1348-A50D-E4B1D590106B}"/>
+              </a:ext>
+            </a:extLst>
+          </p:cNvPr>
+          <p:cNvSpPr txBox="1"/>
+          <p:nvPr/>
+        </p:nvSpPr>
+        <p:spPr>
+          <a:xfrm>
+            <a:off x="7648706" y="3063671"/>
+            <a:ext cx="3350597" cy="1200329"/>
+          </a:xfrm>
+          <a:prstGeom prst="rect">
+            <a:avLst/>
+          </a:prstGeom>
+          <a:noFill/>
+        </p:spPr>
+        <p:txBody>
+          <a:bodyPr wrap="none" rtlCol="0">
+            <a:spAutoFit/>
+          </a:bodyPr>
+          <a:lstStyle/>
+          <a:p>
+            <a:r>
+              <a:rPr lang="en-US" dirty="0"/>
+              <a:t>Here, </a:t>
+            </a:r>
+          </a:p>
+          <a:p>
+            <a:r>
+              <a:rPr lang="en-US" dirty="0">
+                <a:latin typeface="Consolas" panose="020B0609020204030204" pitchFamily="49" charset="0"/>
+                <a:cs typeface="Consolas" panose="020B0609020204030204" pitchFamily="49" charset="0"/>
+              </a:rPr>
+              <a:t>condition_1 == False </a:t>
+            </a:r>
+          </a:p>
+          <a:p>
+            <a:r>
+              <a:rPr lang="en-US" dirty="0">
+                <a:latin typeface="Consolas" panose="020B0609020204030204" pitchFamily="49" charset="0"/>
+                <a:cs typeface="Consolas" panose="020B0609020204030204" pitchFamily="49" charset="0"/>
+              </a:rPr>
+              <a:t>and condition_2 == False </a:t>
+            </a:r>
+          </a:p>
+          <a:p>
+            <a:r>
+              <a:rPr lang="en-US" dirty="0">
+                <a:latin typeface="Consolas" panose="020B0609020204030204" pitchFamily="49" charset="0"/>
+                <a:cs typeface="Consolas" panose="020B0609020204030204" pitchFamily="49" charset="0"/>
+              </a:rPr>
+              <a:t>and condition_3 == False</a:t>
+            </a:r>
+          </a:p>
+        </p:txBody>
+      </p:sp>
+      <p:sp>
+        <p:nvSpPr>
+          <p:cNvPr id="15" name="TextBox 14">
+            <a:extLst>
+              <a:ext uri="{FF2B5EF4-FFF2-40B4-BE49-F238E27FC236}">
+                <a16:creationId xmlns:a16="http://schemas.microsoft.com/office/drawing/2014/main" id="{7CE6CE9C-F282-0046-B314-689EFC9DE483}"/>
+              </a:ext>
+            </a:extLst>
+          </p:cNvPr>
+          <p:cNvSpPr txBox="1"/>
+          <p:nvPr/>
+        </p:nvSpPr>
+        <p:spPr>
+          <a:xfrm>
+            <a:off x="1310343" y="2034528"/>
+            <a:ext cx="3749274" cy="4278094"/>
+          </a:xfrm>
+          <a:prstGeom prst="rect">
+            <a:avLst/>
+          </a:prstGeom>
+          <a:solidFill>
+            <a:schemeClr val="tx1">
+              <a:lumMod val="85000"/>
+              <a:lumOff val="15000"/>
+            </a:schemeClr>
+          </a:solidFill>
+        </p:spPr>
+        <p:txBody>
+          <a:bodyPr wrap="square" rtlCol="0">
+            <a:spAutoFit/>
+          </a:bodyPr>
+          <a:lstStyle/>
+          <a:p>
+            <a:r>
+              <a:rPr lang="en-US" sz="1600" b="1" dirty="0">
+                <a:solidFill>
+                  <a:schemeClr val="bg2">
+                    <a:lumMod val="75000"/>
+                  </a:schemeClr>
+                </a:solidFill>
+                <a:latin typeface="Consolas" panose="020B0609020204030204" pitchFamily="49" charset="0"/>
+                <a:cs typeface="Consolas" panose="020B0609020204030204" pitchFamily="49" charset="0"/>
+              </a:rPr>
+              <a:t>If</a:t>
+            </a:r>
+            <a:r>
+              <a:rPr lang="en-US" sz="1600" dirty="0">
+                <a:solidFill>
+                  <a:schemeClr val="bg2">
+                    <a:lumMod val="75000"/>
+                  </a:schemeClr>
+                </a:solidFill>
+                <a:latin typeface="Consolas" panose="020B0609020204030204" pitchFamily="49" charset="0"/>
+                <a:cs typeface="Consolas" panose="020B0609020204030204" pitchFamily="49" charset="0"/>
+              </a:rPr>
+              <a:t> condition_1 == True:</a:t>
+            </a:r>
+          </a:p>
+          <a:p>
+            <a:pPr lvl="1"/>
+            <a:r>
+              <a:rPr lang="en-US" sz="1600" dirty="0">
+                <a:solidFill>
+                  <a:schemeClr val="bg2">
+                    <a:lumMod val="75000"/>
+                  </a:schemeClr>
+                </a:solidFill>
+                <a:latin typeface="Consolas" panose="020B0609020204030204" pitchFamily="49" charset="0"/>
+                <a:cs typeface="Consolas" panose="020B0609020204030204" pitchFamily="49" charset="0"/>
+              </a:rPr>
+              <a:t># do thing 1</a:t>
+            </a:r>
+          </a:p>
+          <a:p>
+            <a:pPr lvl="1"/>
+            <a:r>
+              <a:rPr lang="en-US" sz="1600" dirty="0">
+                <a:solidFill>
+                  <a:schemeClr val="bg2">
+                    <a:lumMod val="75000"/>
+                  </a:schemeClr>
+                </a:solidFill>
+                <a:latin typeface="Consolas" panose="020B0609020204030204" pitchFamily="49" charset="0"/>
+                <a:cs typeface="Consolas" panose="020B0609020204030204" pitchFamily="49" charset="0"/>
+              </a:rPr>
+              <a:t># do thing 2</a:t>
+            </a:r>
+          </a:p>
+          <a:p>
+            <a:pPr lvl="1"/>
+            <a:r>
+              <a:rPr lang="en-US" sz="1600" i="1" dirty="0">
+                <a:solidFill>
+                  <a:schemeClr val="bg2">
+                    <a:lumMod val="75000"/>
+                  </a:schemeClr>
+                </a:solidFill>
+                <a:latin typeface="Consolas" panose="020B0609020204030204" pitchFamily="49" charset="0"/>
+                <a:cs typeface="Consolas" panose="020B0609020204030204" pitchFamily="49" charset="0"/>
+              </a:rPr>
+              <a:t># notice the indentation</a:t>
+            </a:r>
+          </a:p>
+          <a:p>
+            <a:r>
+              <a:rPr lang="en-US" sz="1600" b="1" dirty="0">
+                <a:solidFill>
+                  <a:srgbClr val="92D050"/>
+                </a:solidFill>
+                <a:latin typeface="Consolas" panose="020B0609020204030204" pitchFamily="49" charset="0"/>
+                <a:cs typeface="Consolas" panose="020B0609020204030204" pitchFamily="49" charset="0"/>
+              </a:rPr>
+              <a:t>elif</a:t>
+            </a:r>
+            <a:r>
+              <a:rPr lang="en-US" sz="1600" dirty="0">
+                <a:solidFill>
+                  <a:srgbClr val="92D050"/>
+                </a:solidFill>
+                <a:latin typeface="Consolas" panose="020B0609020204030204" pitchFamily="49" charset="0"/>
+                <a:cs typeface="Consolas" panose="020B0609020204030204" pitchFamily="49" charset="0"/>
+              </a:rPr>
+              <a:t> condition_2 == True:</a:t>
+            </a:r>
+          </a:p>
+          <a:p>
+            <a:pPr lvl="1"/>
+            <a:r>
+              <a:rPr lang="en-US" sz="1600" dirty="0">
+                <a:solidFill>
+                  <a:srgbClr val="92D050"/>
+                </a:solidFill>
+                <a:latin typeface="Consolas" panose="020B0609020204030204" pitchFamily="49" charset="0"/>
+                <a:cs typeface="Consolas" panose="020B0609020204030204" pitchFamily="49" charset="0"/>
+              </a:rPr>
+              <a:t># do thing 3</a:t>
+            </a:r>
+          </a:p>
+          <a:p>
+            <a:pPr lvl="1"/>
+            <a:r>
+              <a:rPr lang="en-US" sz="1600" dirty="0">
+                <a:solidFill>
+                  <a:srgbClr val="92D050"/>
+                </a:solidFill>
+                <a:latin typeface="Consolas" panose="020B0609020204030204" pitchFamily="49" charset="0"/>
+                <a:cs typeface="Consolas" panose="020B0609020204030204" pitchFamily="49" charset="0"/>
+              </a:rPr>
+              <a:t># do thing 4</a:t>
+            </a:r>
+          </a:p>
+          <a:p>
+            <a:pPr lvl="1"/>
+            <a:r>
+              <a:rPr lang="en-US" sz="1600" i="1" dirty="0">
+                <a:solidFill>
+                  <a:srgbClr val="92D050"/>
+                </a:solidFill>
+                <a:latin typeface="Consolas" panose="020B0609020204030204" pitchFamily="49" charset="0"/>
+                <a:cs typeface="Consolas" panose="020B0609020204030204" pitchFamily="49" charset="0"/>
+              </a:rPr>
+              <a:t># notice the indentation</a:t>
+            </a:r>
+          </a:p>
+          <a:p>
+            <a:r>
+              <a:rPr lang="en-US" sz="1600" b="1" dirty="0">
+                <a:solidFill>
+                  <a:srgbClr val="FFFF00"/>
+                </a:solidFill>
+                <a:latin typeface="Consolas" panose="020B0609020204030204" pitchFamily="49" charset="0"/>
+                <a:cs typeface="Consolas" panose="020B0609020204030204" pitchFamily="49" charset="0"/>
+              </a:rPr>
+              <a:t>elif</a:t>
+            </a:r>
+            <a:r>
+              <a:rPr lang="en-US" sz="1600" dirty="0">
+                <a:solidFill>
+                  <a:srgbClr val="FFFF00"/>
+                </a:solidFill>
+                <a:latin typeface="Consolas" panose="020B0609020204030204" pitchFamily="49" charset="0"/>
+                <a:cs typeface="Consolas" panose="020B0609020204030204" pitchFamily="49" charset="0"/>
+              </a:rPr>
+              <a:t> condition_3 == True:</a:t>
+            </a:r>
+          </a:p>
+          <a:p>
+            <a:pPr lvl="1"/>
+            <a:r>
+              <a:rPr lang="en-US" sz="1600" dirty="0">
+                <a:solidFill>
+                  <a:srgbClr val="FFFF00"/>
+                </a:solidFill>
+                <a:latin typeface="Consolas" panose="020B0609020204030204" pitchFamily="49" charset="0"/>
+                <a:cs typeface="Consolas" panose="020B0609020204030204" pitchFamily="49" charset="0"/>
+              </a:rPr>
+              <a:t># do thing 5</a:t>
+            </a:r>
+          </a:p>
+          <a:p>
+            <a:pPr lvl="1"/>
+            <a:r>
+              <a:rPr lang="en-US" sz="1600" dirty="0">
+                <a:solidFill>
+                  <a:srgbClr val="FFFF00"/>
+                </a:solidFill>
+                <a:latin typeface="Consolas" panose="020B0609020204030204" pitchFamily="49" charset="0"/>
+                <a:cs typeface="Consolas" panose="020B0609020204030204" pitchFamily="49" charset="0"/>
+              </a:rPr>
+              <a:t># do thing 6</a:t>
+            </a:r>
+          </a:p>
+          <a:p>
+            <a:pPr lvl="1"/>
+            <a:r>
+              <a:rPr lang="en-US" sz="1600" i="1" dirty="0">
+                <a:solidFill>
+                  <a:srgbClr val="FFFF00"/>
+                </a:solidFill>
+                <a:latin typeface="Consolas" panose="020B0609020204030204" pitchFamily="49" charset="0"/>
+                <a:cs typeface="Consolas" panose="020B0609020204030204" pitchFamily="49" charset="0"/>
+              </a:rPr>
+              <a:t># notice the indentation</a:t>
+            </a:r>
+          </a:p>
+          <a:p>
+            <a:r>
+              <a:rPr lang="en-US" sz="1600" i="1" dirty="0">
+                <a:solidFill>
+                  <a:schemeClr val="accent1"/>
+                </a:solidFill>
+                <a:latin typeface="Consolas" panose="020B0609020204030204" pitchFamily="49" charset="0"/>
+                <a:cs typeface="Consolas" panose="020B0609020204030204" pitchFamily="49" charset="0"/>
+              </a:rPr>
+              <a:t>else:</a:t>
+            </a:r>
+          </a:p>
+          <a:p>
+            <a:pPr lvl="1"/>
+            <a:r>
+              <a:rPr lang="en-US" sz="1600" dirty="0">
+                <a:solidFill>
+                  <a:schemeClr val="accent1"/>
+                </a:solidFill>
+                <a:latin typeface="Consolas" panose="020B0609020204030204" pitchFamily="49" charset="0"/>
+                <a:cs typeface="Consolas" panose="020B0609020204030204" pitchFamily="49" charset="0"/>
+              </a:rPr>
+              <a:t># do thing 7</a:t>
+            </a:r>
+          </a:p>
+          <a:p>
+            <a:pPr lvl="1"/>
+            <a:r>
+              <a:rPr lang="en-US" sz="1600" dirty="0">
+                <a:solidFill>
+                  <a:schemeClr val="accent1"/>
+                </a:solidFill>
+                <a:latin typeface="Consolas" panose="020B0609020204030204" pitchFamily="49" charset="0"/>
+                <a:cs typeface="Consolas" panose="020B0609020204030204" pitchFamily="49" charset="0"/>
+              </a:rPr>
+              <a:t># do thing 8</a:t>
+            </a:r>
+          </a:p>
+          <a:p>
+            <a:pPr lvl="1"/>
+            <a:r>
+              <a:rPr lang="en-US" sz="1600" i="1" dirty="0">
+                <a:solidFill>
+                  <a:schemeClr val="accent1"/>
+                </a:solidFill>
+                <a:latin typeface="Consolas" panose="020B0609020204030204" pitchFamily="49" charset="0"/>
+                <a:cs typeface="Consolas" panose="020B0609020204030204" pitchFamily="49" charset="0"/>
+              </a:rPr>
+              <a:t># notice the indentation</a:t>
+            </a:r>
+          </a:p>
+          <a:p>
+            <a:endParaRPr lang="en-US" sz="1600" dirty="0"/>
+          </a:p>
+        </p:txBody>
+      </p:sp>
+    </p:spTree>
+    <p:extLst>
+      <p:ext uri="{BB962C8B-B14F-4D97-AF65-F5344CB8AC3E}">
+        <p14:creationId xmlns:p14="http://schemas.microsoft.com/office/powerpoint/2010/main" val="2318328884"/>
+      </p:ext>
+    </p:extLst>
+  </p:cSld>
+  <p:clrMapOvr>
+    <a:masterClrMapping/>
+  </p:clrMapOvr>
+</p:sld>
+</file>
+
+<file path=ppt/slides/slide10.xml><?xml version="1.0" encoding="utf-8"?>
+<p:sld xmlns:a="http://schemas.openxmlformats.org/drawingml/2006/main" xmlns:r="http://schemas.openxmlformats.org/officeDocument/2006/relationships" xmlns:p="http://schemas.openxmlformats.org/presentationml/2006/main">
+  <p:cSld>
+    <p:bg>
+      <p:bgPr>
+        <a:solidFill>
+          <a:schemeClr val="bg1"/>
+        </a:solidFill>
+        <a:effectLst/>
+      </p:bgPr>
+    </p:bg>
+    <p:spTree>
+      <p:nvGrpSpPr>
+        <p:cNvPr id="1" name=""/>
+        <p:cNvGrpSpPr/>
+        <p:nvPr/>
+      </p:nvGrpSpPr>
+      <p:grpSpPr>
+        <a:xfrm>
+          <a:off x="0" y="0"/>
+          <a:ext cx="0" cy="0"/>
+          <a:chOff x="0" y="0"/>
+          <a:chExt cx="0" cy="0"/>
+        </a:xfrm>
+      </p:grpSpPr>
+      <p:sp>
+        <p:nvSpPr>
+          <p:cNvPr id="2" name="Title 1">
+            <a:extLst>
+              <a:ext uri="{FF2B5EF4-FFF2-40B4-BE49-F238E27FC236}">
+                <a16:creationId xmlns:a16="http://schemas.microsoft.com/office/drawing/2014/main" id="{AA386915-DAD3-914F-BB74-D5B0A1CB8B1B}"/>
               </a:ext>
             </a:extLst>
           </p:cNvPr>
@@ -3892,92 +4690,3097 @@
             <a:spLocks noGrp="1"/>
           </p:cNvSpPr>
           <p:nvPr>
-            <p:ph type="subTitle" idx="1"/>
+            <p:ph type="title"/>
           </p:nvPr>
         </p:nvSpPr>
-        <p:spPr/>
+        <p:spPr>
+          <a:xfrm>
+            <a:off x="1175512" y="395104"/>
+            <a:ext cx="9792208" cy="1527078"/>
+          </a:xfrm>
+        </p:spPr>
         <p:txBody>
-          <a:bodyPr anchor="ctr">
+          <a:bodyPr>
             <a:normAutofit/>
           </a:bodyPr>
           <a:lstStyle/>
           <a:p>
-            <a:pPr>
-              <a:spcAft>
-                <a:spcPts val="600"/>
-              </a:spcAft>
-            </a:pPr>
-            <a:r>
-              <a:rPr lang="en-US" sz="2000" cap="none" dirty="0">
-                <a:solidFill>
-                  <a:schemeClr val="bg2">
-                    <a:lumMod val="75000"/>
-                  </a:schemeClr>
-                </a:solidFill>
-              </a:rPr>
-              <a:t>Session</a:t>
-            </a:r>
-            <a:r>
-              <a:rPr lang="en-US" sz="2000" dirty="0">
-                <a:solidFill>
-                  <a:schemeClr val="bg2">
-                    <a:lumMod val="75000"/>
-                  </a:schemeClr>
-                </a:solidFill>
-              </a:rPr>
-              <a:t> #4</a:t>
-            </a:r>
-          </a:p>
-          <a:p>
-            <a:pPr>
-              <a:spcAft>
-                <a:spcPts val="600"/>
-              </a:spcAft>
-            </a:pPr>
-            <a:r>
-              <a:rPr lang="en-US" sz="2000" dirty="0">
-                <a:solidFill>
-                  <a:schemeClr val="bg2">
-                    <a:lumMod val="75000"/>
-                  </a:schemeClr>
-                </a:solidFill>
-              </a:rPr>
-              <a:t>Conditionals</a:t>
-            </a:r>
-            <a:r>
-              <a:rPr lang="en-US" sz="2000">
-                <a:solidFill>
-                  <a:schemeClr val="bg2">
-                    <a:lumMod val="75000"/>
-                  </a:schemeClr>
-                </a:solidFill>
-              </a:rPr>
-              <a:t>, Character, String</a:t>
-            </a:r>
-            <a:endParaRPr lang="en-US" sz="2000" dirty="0">
+            <a:r>
+              <a:rPr lang="en-US" dirty="0">
+                <a:solidFill>
+                  <a:schemeClr val="tx2">
+                    <a:lumMod val="75000"/>
+                  </a:schemeClr>
+                </a:solidFill>
+              </a:rPr>
+              <a:t>Data type 6: String</a:t>
+            </a:r>
+            <a:br>
+              <a:rPr lang="en-US" dirty="0">
+                <a:solidFill>
+                  <a:schemeClr val="tx2">
+                    <a:lumMod val="75000"/>
+                  </a:schemeClr>
+                </a:solidFill>
+              </a:rPr>
+            </a:br>
+            <a:r>
+              <a:rPr lang="en-US" dirty="0">
+                <a:solidFill>
+                  <a:schemeClr val="tx2">
+                    <a:lumMod val="75000"/>
+                  </a:schemeClr>
+                </a:solidFill>
+              </a:rPr>
+              <a:t> A </a:t>
+            </a:r>
+            <a:r>
+              <a:rPr lang="en-US" b="1" i="1" dirty="0">
+                <a:solidFill>
+                  <a:schemeClr val="tx2">
+                    <a:lumMod val="75000"/>
+                  </a:schemeClr>
+                </a:solidFill>
+              </a:rPr>
+              <a:t>sequence</a:t>
+            </a:r>
+            <a:r>
+              <a:rPr lang="en-US" b="1" dirty="0">
+                <a:solidFill>
+                  <a:schemeClr val="tx2">
+                    <a:lumMod val="75000"/>
+                  </a:schemeClr>
+                </a:solidFill>
+              </a:rPr>
+              <a:t> </a:t>
+            </a:r>
+            <a:r>
+              <a:rPr lang="en-US" dirty="0">
+                <a:solidFill>
+                  <a:schemeClr val="tx2">
+                    <a:lumMod val="75000"/>
+                  </a:schemeClr>
+                </a:solidFill>
+              </a:rPr>
+              <a:t>of char</a:t>
+            </a:r>
+          </a:p>
+        </p:txBody>
+      </p:sp>
+      <p:sp>
+        <p:nvSpPr>
+          <p:cNvPr id="3" name="Content Placeholder 2">
+            <a:extLst>
+              <a:ext uri="{FF2B5EF4-FFF2-40B4-BE49-F238E27FC236}">
+                <a16:creationId xmlns:a16="http://schemas.microsoft.com/office/drawing/2014/main" id="{BA33774B-CF6F-2C46-A728-359159954B15}"/>
+              </a:ext>
+            </a:extLst>
+          </p:cNvPr>
+          <p:cNvSpPr>
+            <a:spLocks noGrp="1"/>
+          </p:cNvSpPr>
+          <p:nvPr>
+            <p:ph idx="1"/>
+          </p:nvPr>
+        </p:nvSpPr>
+        <p:spPr>
+          <a:xfrm>
+            <a:off x="1175512" y="3052117"/>
+            <a:ext cx="9792208" cy="3407862"/>
+          </a:xfrm>
+        </p:spPr>
+        <p:txBody>
+          <a:bodyPr>
+            <a:normAutofit/>
+          </a:bodyPr>
+          <a:lstStyle/>
+          <a:p>
+            <a:r>
+              <a:rPr lang="en-US" dirty="0">
+                <a:solidFill>
+                  <a:schemeClr val="tx2">
+                    <a:lumMod val="75000"/>
+                  </a:schemeClr>
+                </a:solidFill>
+              </a:rPr>
+              <a:t>Let us refer to the above string as </a:t>
+            </a:r>
+            <a:r>
+              <a:rPr lang="en-US" b="1" dirty="0">
+                <a:solidFill>
+                  <a:schemeClr val="tx2">
+                    <a:lumMod val="75000"/>
+                  </a:schemeClr>
+                </a:solidFill>
+                <a:latin typeface="Consolas" panose="020B0609020204030204" pitchFamily="49" charset="0"/>
+                <a:cs typeface="Consolas" panose="020B0609020204030204" pitchFamily="49" charset="0"/>
+              </a:rPr>
+              <a:t>word</a:t>
+            </a:r>
+          </a:p>
+          <a:p>
+            <a:r>
+              <a:rPr lang="en-US" dirty="0">
+                <a:solidFill>
+                  <a:schemeClr val="tx2">
+                    <a:lumMod val="75000"/>
+                  </a:schemeClr>
+                </a:solidFill>
+              </a:rPr>
+              <a:t>String is represented by the data type </a:t>
+            </a:r>
+            <a:r>
+              <a:rPr lang="en-US" b="1" dirty="0">
+                <a:solidFill>
+                  <a:schemeClr val="tx2">
+                    <a:lumMod val="75000"/>
+                  </a:schemeClr>
+                </a:solidFill>
+              </a:rPr>
+              <a:t>str</a:t>
+            </a:r>
+            <a:endParaRPr lang="en-US" dirty="0">
               <a:solidFill>
-                <a:schemeClr val="bg2">
+                <a:schemeClr val="tx2">
                   <a:lumMod val="75000"/>
                 </a:schemeClr>
               </a:solidFill>
             </a:endParaRPr>
+          </a:p>
+          <a:p>
+            <a:r>
+              <a:rPr lang="en-US" dirty="0">
+                <a:solidFill>
+                  <a:schemeClr val="tx2">
+                    <a:lumMod val="75000"/>
+                  </a:schemeClr>
+                </a:solidFill>
+              </a:rPr>
+              <a:t>Each of the items in the above sequence is a </a:t>
+            </a:r>
+            <a:r>
+              <a:rPr lang="en-US" b="1" dirty="0">
+                <a:solidFill>
+                  <a:schemeClr val="tx2">
+                    <a:lumMod val="75000"/>
+                  </a:schemeClr>
+                </a:solidFill>
+              </a:rPr>
+              <a:t>char </a:t>
+            </a:r>
+            <a:r>
+              <a:rPr lang="en-US" dirty="0">
+                <a:solidFill>
+                  <a:schemeClr val="tx2">
+                    <a:lumMod val="75000"/>
+                  </a:schemeClr>
+                </a:solidFill>
+              </a:rPr>
+              <a:t>and can be accessed individually using </a:t>
+            </a:r>
+            <a:r>
+              <a:rPr lang="en-US" b="1" dirty="0">
+                <a:solidFill>
+                  <a:schemeClr val="tx2">
+                    <a:lumMod val="75000"/>
+                  </a:schemeClr>
+                </a:solidFill>
+              </a:rPr>
+              <a:t>[ ] </a:t>
+            </a:r>
+            <a:r>
+              <a:rPr lang="en-US" dirty="0">
+                <a:solidFill>
+                  <a:schemeClr val="tx2">
+                    <a:lumMod val="75000"/>
+                  </a:schemeClr>
+                </a:solidFill>
+              </a:rPr>
+              <a:t>operator and the </a:t>
+            </a:r>
+            <a:r>
+              <a:rPr lang="en-US" b="1" dirty="0">
+                <a:solidFill>
+                  <a:schemeClr val="tx2">
+                    <a:lumMod val="75000"/>
+                  </a:schemeClr>
+                </a:solidFill>
+              </a:rPr>
+              <a:t>index</a:t>
+            </a:r>
+            <a:r>
+              <a:rPr lang="en-US" dirty="0">
+                <a:solidFill>
+                  <a:schemeClr val="tx2">
+                    <a:lumMod val="75000"/>
+                  </a:schemeClr>
+                </a:solidFill>
+              </a:rPr>
+              <a:t> of an item</a:t>
+            </a:r>
+          </a:p>
+          <a:p>
+            <a:endParaRPr lang="en-US" dirty="0">
+              <a:solidFill>
+                <a:schemeClr val="tx2">
+                  <a:lumMod val="75000"/>
+                </a:schemeClr>
+              </a:solidFill>
+            </a:endParaRPr>
+          </a:p>
+        </p:txBody>
+      </p:sp>
+      <p:graphicFrame>
+        <p:nvGraphicFramePr>
+          <p:cNvPr id="7" name="Table 6">
+            <a:extLst>
+              <a:ext uri="{FF2B5EF4-FFF2-40B4-BE49-F238E27FC236}">
+                <a16:creationId xmlns:a16="http://schemas.microsoft.com/office/drawing/2014/main" id="{2CF115D8-3BC2-2047-9F24-7A148833743E}"/>
+              </a:ext>
+            </a:extLst>
+          </p:cNvPr>
+          <p:cNvGraphicFramePr>
+            <a:graphicFrameLocks noGrp="1"/>
+          </p:cNvGraphicFramePr>
+          <p:nvPr>
+            <p:extLst>
+              <p:ext uri="{D42A27DB-BD31-4B8C-83A1-F6EECF244321}">
+                <p14:modId xmlns:p14="http://schemas.microsoft.com/office/powerpoint/2010/main" val="3185608142"/>
+              </p:ext>
+            </p:extLst>
+          </p:nvPr>
+        </p:nvGraphicFramePr>
+        <p:xfrm>
+          <a:off x="1175512" y="2150782"/>
+          <a:ext cx="6773335" cy="370840"/>
+        </p:xfrm>
+        <a:graphic>
+          <a:graphicData uri="http://schemas.openxmlformats.org/drawingml/2006/table">
+            <a:tbl>
+              <a:tblPr firstRow="1" bandRow="1">
+                <a:tableStyleId>{5C22544A-7EE6-4342-B048-85BDC9FD1C3A}</a:tableStyleId>
+              </a:tblPr>
+              <a:tblGrid>
+                <a:gridCol w="1354667">
+                  <a:extLst>
+                    <a:ext uri="{9D8B030D-6E8A-4147-A177-3AD203B41FA5}">
+                      <a16:colId xmlns:a16="http://schemas.microsoft.com/office/drawing/2014/main" val="915326900"/>
+                    </a:ext>
+                  </a:extLst>
+                </a:gridCol>
+                <a:gridCol w="1354667">
+                  <a:extLst>
+                    <a:ext uri="{9D8B030D-6E8A-4147-A177-3AD203B41FA5}">
+                      <a16:colId xmlns:a16="http://schemas.microsoft.com/office/drawing/2014/main" val="1524801931"/>
+                    </a:ext>
+                  </a:extLst>
+                </a:gridCol>
+                <a:gridCol w="1354667">
+                  <a:extLst>
+                    <a:ext uri="{9D8B030D-6E8A-4147-A177-3AD203B41FA5}">
+                      <a16:colId xmlns:a16="http://schemas.microsoft.com/office/drawing/2014/main" val="3483055955"/>
+                    </a:ext>
+                  </a:extLst>
+                </a:gridCol>
+                <a:gridCol w="1354667">
+                  <a:extLst>
+                    <a:ext uri="{9D8B030D-6E8A-4147-A177-3AD203B41FA5}">
+                      <a16:colId xmlns:a16="http://schemas.microsoft.com/office/drawing/2014/main" val="3188251622"/>
+                    </a:ext>
+                  </a:extLst>
+                </a:gridCol>
+                <a:gridCol w="1354667">
+                  <a:extLst>
+                    <a:ext uri="{9D8B030D-6E8A-4147-A177-3AD203B41FA5}">
+                      <a16:colId xmlns:a16="http://schemas.microsoft.com/office/drawing/2014/main" val="1827891742"/>
+                    </a:ext>
+                  </a:extLst>
+                </a:gridCol>
+              </a:tblGrid>
+              <a:tr h="370840">
+                <a:tc>
+                  <a:txBody>
+                    <a:bodyPr/>
+                    <a:lstStyle/>
+                    <a:p>
+                      <a:r>
+                        <a:rPr lang="en-US" dirty="0">
+                          <a:solidFill>
+                            <a:schemeClr val="tx2">
+                              <a:lumMod val="75000"/>
+                            </a:schemeClr>
+                          </a:solidFill>
+                        </a:rPr>
+                        <a:t>‘l’</a:t>
+                      </a:r>
+                    </a:p>
+                  </a:txBody>
+                  <a:tcPr>
+                    <a:solidFill>
+                      <a:schemeClr val="bg2"/>
+                    </a:solidFill>
+                  </a:tcPr>
+                </a:tc>
+                <a:tc>
+                  <a:txBody>
+                    <a:bodyPr/>
+                    <a:lstStyle/>
+                    <a:p>
+                      <a:r>
+                        <a:rPr lang="en-US" dirty="0">
+                          <a:solidFill>
+                            <a:schemeClr val="tx2">
+                              <a:lumMod val="75000"/>
+                            </a:schemeClr>
+                          </a:solidFill>
+                        </a:rPr>
+                        <a:t>‘e’</a:t>
+                      </a:r>
+                    </a:p>
+                  </a:txBody>
+                  <a:tcPr>
+                    <a:solidFill>
+                      <a:schemeClr val="bg2"/>
+                    </a:solidFill>
+                  </a:tcPr>
+                </a:tc>
+                <a:tc>
+                  <a:txBody>
+                    <a:bodyPr/>
+                    <a:lstStyle/>
+                    <a:p>
+                      <a:r>
+                        <a:rPr lang="en-US" dirty="0">
+                          <a:solidFill>
+                            <a:schemeClr val="tx2">
+                              <a:lumMod val="75000"/>
+                            </a:schemeClr>
+                          </a:solidFill>
+                        </a:rPr>
+                        <a:t>‘a’</a:t>
+                      </a:r>
+                    </a:p>
+                  </a:txBody>
+                  <a:tcPr>
+                    <a:solidFill>
+                      <a:schemeClr val="bg2"/>
+                    </a:solidFill>
+                  </a:tcPr>
+                </a:tc>
+                <a:tc>
+                  <a:txBody>
+                    <a:bodyPr/>
+                    <a:lstStyle/>
+                    <a:p>
+                      <a:r>
+                        <a:rPr lang="en-US" dirty="0">
+                          <a:solidFill>
+                            <a:schemeClr val="tx2">
+                              <a:lumMod val="75000"/>
+                            </a:schemeClr>
+                          </a:solidFill>
+                        </a:rPr>
+                        <a:t>‘r’</a:t>
+                      </a:r>
+                    </a:p>
+                  </a:txBody>
+                  <a:tcPr>
+                    <a:solidFill>
+                      <a:schemeClr val="bg2"/>
+                    </a:solidFill>
+                  </a:tcPr>
+                </a:tc>
+                <a:tc>
+                  <a:txBody>
+                    <a:bodyPr/>
+                    <a:lstStyle/>
+                    <a:p>
+                      <a:r>
+                        <a:rPr lang="en-US" dirty="0">
+                          <a:solidFill>
+                            <a:schemeClr val="tx2">
+                              <a:lumMod val="75000"/>
+                            </a:schemeClr>
+                          </a:solidFill>
+                        </a:rPr>
+                        <a:t>‘n’</a:t>
+                      </a:r>
+                    </a:p>
+                  </a:txBody>
+                  <a:tcPr>
+                    <a:solidFill>
+                      <a:schemeClr val="bg2"/>
+                    </a:solidFill>
+                  </a:tcPr>
+                </a:tc>
+                <a:extLst>
+                  <a:ext uri="{0D108BD9-81ED-4DB2-BD59-A6C34878D82A}">
+                    <a16:rowId xmlns:a16="http://schemas.microsoft.com/office/drawing/2014/main" val="2251342507"/>
+                  </a:ext>
+                </a:extLst>
+              </a:tr>
+            </a:tbl>
+          </a:graphicData>
+        </a:graphic>
+      </p:graphicFrame>
+      <p:sp>
+        <p:nvSpPr>
+          <p:cNvPr id="4" name="TextBox 3">
+            <a:extLst>
+              <a:ext uri="{FF2B5EF4-FFF2-40B4-BE49-F238E27FC236}">
+                <a16:creationId xmlns:a16="http://schemas.microsoft.com/office/drawing/2014/main" id="{6CB0AE6E-0E3A-F042-93C9-80A91E8FC865}"/>
+              </a:ext>
+            </a:extLst>
+          </p:cNvPr>
+          <p:cNvSpPr txBox="1"/>
+          <p:nvPr/>
+        </p:nvSpPr>
+        <p:spPr>
+          <a:xfrm>
+            <a:off x="9113178" y="2153464"/>
+            <a:ext cx="2590774" cy="369332"/>
+          </a:xfrm>
+          <a:prstGeom prst="rect">
+            <a:avLst/>
+          </a:prstGeom>
+        </p:spPr>
+        <p:style>
+          <a:lnRef idx="2">
+            <a:schemeClr val="accent2"/>
+          </a:lnRef>
+          <a:fillRef idx="1">
+            <a:schemeClr val="lt1"/>
+          </a:fillRef>
+          <a:effectRef idx="0">
+            <a:schemeClr val="accent2"/>
+          </a:effectRef>
+          <a:fontRef idx="minor">
+            <a:schemeClr val="dk1"/>
+          </a:fontRef>
+        </p:style>
+        <p:txBody>
+          <a:bodyPr wrap="none" rtlCol="0">
+            <a:spAutoFit/>
+          </a:bodyPr>
+          <a:lstStyle/>
+          <a:p>
+            <a:r>
+              <a:rPr lang="en-US" dirty="0">
+                <a:solidFill>
+                  <a:schemeClr val="tx2">
+                    <a:lumMod val="75000"/>
+                  </a:schemeClr>
+                </a:solidFill>
+                <a:latin typeface="Consolas" panose="020B0609020204030204" pitchFamily="49" charset="0"/>
+                <a:cs typeface="Consolas" panose="020B0609020204030204" pitchFamily="49" charset="0"/>
+              </a:rPr>
+              <a:t>word: str = “learn”</a:t>
+            </a:r>
           </a:p>
         </p:txBody>
       </p:sp>
     </p:spTree>
     <p:extLst>
       <p:ext uri="{BB962C8B-B14F-4D97-AF65-F5344CB8AC3E}">
-        <p14:creationId xmlns:p14="http://schemas.microsoft.com/office/powerpoint/2010/main" val="1904483027"/>
+        <p14:creationId xmlns:p14="http://schemas.microsoft.com/office/powerpoint/2010/main" val="1489366027"/>
       </p:ext>
     </p:extLst>
   </p:cSld>
   <p:clrMapOvr>
-    <a:overrideClrMapping bg1="dk1" tx1="lt1" bg2="dk2" tx2="lt2" accent1="accent1" accent2="accent2" accent3="accent3" accent4="accent4" accent5="accent5" accent6="accent6" hlink="hlink" folHlink="folHlink"/>
+    <a:masterClrMapping/>
   </p:clrMapOvr>
 </p:sld>
 </file>
 
-<file path=ppt/slides/slide10.xml><?xml version="1.0" encoding="utf-8"?>
+<file path=ppt/slides/slide11.xml><?xml version="1.0" encoding="utf-8"?>
+<p:sld xmlns:a="http://schemas.openxmlformats.org/drawingml/2006/main" xmlns:r="http://schemas.openxmlformats.org/officeDocument/2006/relationships" xmlns:p="http://schemas.openxmlformats.org/presentationml/2006/main">
+  <p:cSld>
+    <p:spTree>
+      <p:nvGrpSpPr>
+        <p:cNvPr id="1" name=""/>
+        <p:cNvGrpSpPr/>
+        <p:nvPr/>
+      </p:nvGrpSpPr>
+      <p:grpSpPr>
+        <a:xfrm>
+          <a:off x="0" y="0"/>
+          <a:ext cx="0" cy="0"/>
+          <a:chOff x="0" y="0"/>
+          <a:chExt cx="0" cy="0"/>
+        </a:xfrm>
+      </p:grpSpPr>
+      <p:sp>
+        <p:nvSpPr>
+          <p:cNvPr id="2" name="Title 1">
+            <a:extLst>
+              <a:ext uri="{FF2B5EF4-FFF2-40B4-BE49-F238E27FC236}">
+                <a16:creationId xmlns:a16="http://schemas.microsoft.com/office/drawing/2014/main" id="{3ED5C98F-E2CF-2243-8EC3-A13A59FD9151}"/>
+              </a:ext>
+            </a:extLst>
+          </p:cNvPr>
+          <p:cNvSpPr>
+            <a:spLocks noGrp="1"/>
+          </p:cNvSpPr>
+          <p:nvPr>
+            <p:ph type="title"/>
+          </p:nvPr>
+        </p:nvSpPr>
+        <p:spPr>
+          <a:xfrm>
+            <a:off x="1175512" y="870132"/>
+            <a:ext cx="9792208" cy="1527078"/>
+          </a:xfrm>
+        </p:spPr>
+        <p:txBody>
+          <a:bodyPr>
+            <a:normAutofit/>
+          </a:bodyPr>
+          <a:lstStyle/>
+          <a:p>
+            <a:r>
+              <a:rPr lang="en-US" dirty="0">
+                <a:solidFill>
+                  <a:schemeClr val="tx2">
+                    <a:lumMod val="75000"/>
+                  </a:schemeClr>
+                </a:solidFill>
+              </a:rPr>
+              <a:t>Indexing into a sequence</a:t>
+            </a:r>
+          </a:p>
+        </p:txBody>
+      </p:sp>
+      <p:sp>
+        <p:nvSpPr>
+          <p:cNvPr id="3" name="Content Placeholder 2">
+            <a:extLst>
+              <a:ext uri="{FF2B5EF4-FFF2-40B4-BE49-F238E27FC236}">
+                <a16:creationId xmlns:a16="http://schemas.microsoft.com/office/drawing/2014/main" id="{BE832D6C-4D5B-2249-A709-8F1960DAA5BA}"/>
+              </a:ext>
+            </a:extLst>
+          </p:cNvPr>
+          <p:cNvSpPr>
+            <a:spLocks noGrp="1"/>
+          </p:cNvSpPr>
+          <p:nvPr>
+            <p:ph idx="1"/>
+          </p:nvPr>
+        </p:nvSpPr>
+        <p:spPr>
+          <a:xfrm>
+            <a:off x="1175512" y="2557849"/>
+            <a:ext cx="9792208" cy="4048434"/>
+          </a:xfrm>
+        </p:spPr>
+        <p:txBody>
+          <a:bodyPr>
+            <a:normAutofit fontScale="70000" lnSpcReduction="20000"/>
+          </a:bodyPr>
+          <a:lstStyle/>
+          <a:p>
+            <a:r>
+              <a:rPr lang="en-US" b="1" dirty="0">
+                <a:solidFill>
+                  <a:schemeClr val="tx2">
+                    <a:lumMod val="75000"/>
+                  </a:schemeClr>
+                </a:solidFill>
+              </a:rPr>
+              <a:t>[ ]</a:t>
+            </a:r>
+            <a:r>
+              <a:rPr lang="en-US" dirty="0">
+                <a:solidFill>
+                  <a:schemeClr val="tx2">
+                    <a:lumMod val="75000"/>
+                  </a:schemeClr>
+                </a:solidFill>
+              </a:rPr>
+              <a:t> is an </a:t>
+            </a:r>
+            <a:r>
+              <a:rPr lang="en-US" b="1" dirty="0">
+                <a:solidFill>
+                  <a:schemeClr val="tx2">
+                    <a:lumMod val="75000"/>
+                  </a:schemeClr>
+                </a:solidFill>
+              </a:rPr>
+              <a:t>operator</a:t>
+            </a:r>
+            <a:r>
+              <a:rPr lang="en-US" dirty="0">
+                <a:solidFill>
+                  <a:schemeClr val="tx2">
+                    <a:lumMod val="75000"/>
+                  </a:schemeClr>
+                </a:solidFill>
+              </a:rPr>
+              <a:t> that is reserved by Python and many other programming languages to index into a sequence</a:t>
+            </a:r>
+          </a:p>
+          <a:p>
+            <a:r>
+              <a:rPr lang="en-US" dirty="0">
+                <a:solidFill>
+                  <a:schemeClr val="tx2">
+                    <a:lumMod val="75000"/>
+                  </a:schemeClr>
+                </a:solidFill>
+              </a:rPr>
+              <a:t>Index is used to access a specific element in a sequence</a:t>
+            </a:r>
+          </a:p>
+          <a:p>
+            <a:endParaRPr lang="en-US" dirty="0">
+              <a:solidFill>
+                <a:schemeClr val="tx2">
+                  <a:lumMod val="75000"/>
+                </a:schemeClr>
+              </a:solidFill>
+            </a:endParaRPr>
+          </a:p>
+          <a:p>
+            <a:endParaRPr lang="en-US" dirty="0">
+              <a:solidFill>
+                <a:schemeClr val="tx2">
+                  <a:lumMod val="75000"/>
+                </a:schemeClr>
+              </a:solidFill>
+            </a:endParaRPr>
+          </a:p>
+          <a:p>
+            <a:endParaRPr lang="en-US" dirty="0">
+              <a:solidFill>
+                <a:schemeClr val="tx2">
+                  <a:lumMod val="75000"/>
+                </a:schemeClr>
+              </a:solidFill>
+            </a:endParaRPr>
+          </a:p>
+          <a:p>
+            <a:r>
+              <a:rPr lang="en-US" dirty="0">
+                <a:solidFill>
+                  <a:schemeClr val="tx2">
+                    <a:lumMod val="75000"/>
+                  </a:schemeClr>
+                </a:solidFill>
+              </a:rPr>
+              <a:t>name[0] gives a reference to ‘m’</a:t>
+            </a:r>
+          </a:p>
+          <a:p>
+            <a:r>
+              <a:rPr lang="en-US" dirty="0"/>
+              <a:t>name[1] gives a reference to ‘a’</a:t>
+            </a:r>
+          </a:p>
+          <a:p>
+            <a:r>
+              <a:rPr lang="en-US" dirty="0"/>
+              <a:t>name[2] gives a reference to ‘s’</a:t>
+            </a:r>
+            <a:endParaRPr lang="en-US" dirty="0">
+              <a:solidFill>
+                <a:schemeClr val="tx2">
+                  <a:lumMod val="75000"/>
+                </a:schemeClr>
+              </a:solidFill>
+            </a:endParaRPr>
+          </a:p>
+          <a:p>
+            <a:r>
+              <a:rPr lang="en-US" dirty="0">
+                <a:solidFill>
+                  <a:schemeClr val="tx2">
+                    <a:lumMod val="75000"/>
+                  </a:schemeClr>
+                </a:solidFill>
+              </a:rPr>
+              <a:t>name[3] gives a reference to ‘k’</a:t>
+            </a:r>
+          </a:p>
+          <a:p>
+            <a:endParaRPr lang="en-US" b="1" dirty="0">
+              <a:solidFill>
+                <a:schemeClr val="tx2">
+                  <a:lumMod val="75000"/>
+                </a:schemeClr>
+              </a:solidFill>
+            </a:endParaRPr>
+          </a:p>
+          <a:p>
+            <a:r>
+              <a:rPr lang="en-US" b="1" dirty="0">
+                <a:solidFill>
+                  <a:schemeClr val="tx2">
+                    <a:lumMod val="75000"/>
+                  </a:schemeClr>
+                </a:solidFill>
+              </a:rPr>
+              <a:t>Index</a:t>
+            </a:r>
+            <a:r>
+              <a:rPr lang="en-US" dirty="0">
+                <a:solidFill>
+                  <a:schemeClr val="tx2">
+                    <a:lumMod val="75000"/>
+                  </a:schemeClr>
+                </a:solidFill>
+              </a:rPr>
+              <a:t> is always an </a:t>
+            </a:r>
+            <a:r>
+              <a:rPr lang="en-US" b="1" dirty="0">
+                <a:solidFill>
+                  <a:schemeClr val="tx2">
+                    <a:lumMod val="75000"/>
+                  </a:schemeClr>
+                </a:solidFill>
+              </a:rPr>
+              <a:t>integer</a:t>
+            </a:r>
+            <a:r>
+              <a:rPr lang="en-US" dirty="0">
+                <a:solidFill>
+                  <a:schemeClr val="tx2">
+                    <a:lumMod val="75000"/>
+                  </a:schemeClr>
+                </a:solidFill>
+              </a:rPr>
+              <a:t> </a:t>
+            </a:r>
+          </a:p>
+          <a:p>
+            <a:endParaRPr lang="en-US" b="1" dirty="0">
+              <a:solidFill>
+                <a:schemeClr val="tx2">
+                  <a:lumMod val="75000"/>
+                </a:schemeClr>
+              </a:solidFill>
+            </a:endParaRPr>
+          </a:p>
+        </p:txBody>
+      </p:sp>
+      <p:graphicFrame>
+        <p:nvGraphicFramePr>
+          <p:cNvPr id="5" name="Table 4">
+            <a:extLst>
+              <a:ext uri="{FF2B5EF4-FFF2-40B4-BE49-F238E27FC236}">
+                <a16:creationId xmlns:a16="http://schemas.microsoft.com/office/drawing/2014/main" id="{DDC97608-EA64-CD45-9392-311FD470A173}"/>
+              </a:ext>
+            </a:extLst>
+          </p:cNvPr>
+          <p:cNvGraphicFramePr>
+            <a:graphicFrameLocks noGrp="1"/>
+          </p:cNvGraphicFramePr>
+          <p:nvPr>
+            <p:extLst>
+              <p:ext uri="{D42A27DB-BD31-4B8C-83A1-F6EECF244321}">
+                <p14:modId xmlns:p14="http://schemas.microsoft.com/office/powerpoint/2010/main" val="2795577886"/>
+              </p:ext>
+            </p:extLst>
+          </p:nvPr>
+        </p:nvGraphicFramePr>
+        <p:xfrm>
+          <a:off x="1559389" y="3896020"/>
+          <a:ext cx="3649608" cy="365760"/>
+        </p:xfrm>
+        <a:graphic>
+          <a:graphicData uri="http://schemas.openxmlformats.org/drawingml/2006/table">
+            <a:tbl>
+              <a:tblPr firstRow="1" bandRow="1">
+                <a:tableStyleId>{0E3FDE45-AF77-4B5C-9715-49D594BDF05E}</a:tableStyleId>
+              </a:tblPr>
+              <a:tblGrid>
+                <a:gridCol w="912402">
+                  <a:extLst>
+                    <a:ext uri="{9D8B030D-6E8A-4147-A177-3AD203B41FA5}">
+                      <a16:colId xmlns:a16="http://schemas.microsoft.com/office/drawing/2014/main" val="2436577330"/>
+                    </a:ext>
+                  </a:extLst>
+                </a:gridCol>
+                <a:gridCol w="912402">
+                  <a:extLst>
+                    <a:ext uri="{9D8B030D-6E8A-4147-A177-3AD203B41FA5}">
+                      <a16:colId xmlns:a16="http://schemas.microsoft.com/office/drawing/2014/main" val="2570320897"/>
+                    </a:ext>
+                  </a:extLst>
+                </a:gridCol>
+                <a:gridCol w="912402">
+                  <a:extLst>
+                    <a:ext uri="{9D8B030D-6E8A-4147-A177-3AD203B41FA5}">
+                      <a16:colId xmlns:a16="http://schemas.microsoft.com/office/drawing/2014/main" val="334155643"/>
+                    </a:ext>
+                  </a:extLst>
+                </a:gridCol>
+                <a:gridCol w="912402">
+                  <a:extLst>
+                    <a:ext uri="{9D8B030D-6E8A-4147-A177-3AD203B41FA5}">
+                      <a16:colId xmlns:a16="http://schemas.microsoft.com/office/drawing/2014/main" val="485728694"/>
+                    </a:ext>
+                  </a:extLst>
+                </a:gridCol>
+              </a:tblGrid>
+              <a:tr h="359121">
+                <a:tc>
+                  <a:txBody>
+                    <a:bodyPr/>
+                    <a:lstStyle/>
+                    <a:p>
+                      <a:r>
+                        <a:rPr lang="en-US" dirty="0">
+                          <a:solidFill>
+                            <a:schemeClr val="tx2">
+                              <a:lumMod val="75000"/>
+                            </a:schemeClr>
+                          </a:solidFill>
+                        </a:rPr>
+                        <a:t>m</a:t>
+                      </a:r>
+                    </a:p>
+                  </a:txBody>
+                  <a:tcPr>
+                    <a:lnL w="12700" cap="flat" cmpd="sng" algn="ctr">
+                      <a:solidFill>
+                        <a:schemeClr val="tx1"/>
+                      </a:solidFill>
+                      <a:prstDash val="solid"/>
+                      <a:round/>
+                      <a:headEnd type="none" w="med" len="med"/>
+                      <a:tailEnd type="none" w="med" len="med"/>
+                    </a:lnL>
+                    <a:lnR w="12700" cap="flat" cmpd="sng" algn="ctr">
+                      <a:solidFill>
+                        <a:schemeClr val="tx1"/>
+                      </a:solidFill>
+                      <a:prstDash val="solid"/>
+                      <a:round/>
+                      <a:headEnd type="none" w="med" len="med"/>
+                      <a:tailEnd type="none" w="med" len="med"/>
+                    </a:lnR>
+                    <a:lnT w="12700" cap="flat" cmpd="sng" algn="ctr">
+                      <a:solidFill>
+                        <a:schemeClr val="tx1"/>
+                      </a:solidFill>
+                      <a:prstDash val="solid"/>
+                      <a:round/>
+                      <a:headEnd type="none" w="med" len="med"/>
+                      <a:tailEnd type="none" w="med" len="med"/>
+                    </a:lnT>
+                    <a:lnB w="12700" cap="flat" cmpd="sng" algn="ctr">
+                      <a:solidFill>
+                        <a:schemeClr val="tx1"/>
+                      </a:solidFill>
+                      <a:prstDash val="solid"/>
+                      <a:round/>
+                      <a:headEnd type="none" w="med" len="med"/>
+                      <a:tailEnd type="none" w="med" len="med"/>
+                    </a:lnB>
+                  </a:tcPr>
+                </a:tc>
+                <a:tc>
+                  <a:txBody>
+                    <a:bodyPr/>
+                    <a:lstStyle/>
+                    <a:p>
+                      <a:r>
+                        <a:rPr lang="en-US" dirty="0">
+                          <a:solidFill>
+                            <a:schemeClr val="tx2">
+                              <a:lumMod val="75000"/>
+                            </a:schemeClr>
+                          </a:solidFill>
+                        </a:rPr>
+                        <a:t>a</a:t>
+                      </a:r>
+                    </a:p>
+                  </a:txBody>
+                  <a:tcPr>
+                    <a:lnL w="12700" cap="flat" cmpd="sng" algn="ctr">
+                      <a:solidFill>
+                        <a:schemeClr val="tx1"/>
+                      </a:solidFill>
+                      <a:prstDash val="solid"/>
+                      <a:round/>
+                      <a:headEnd type="none" w="med" len="med"/>
+                      <a:tailEnd type="none" w="med" len="med"/>
+                    </a:lnL>
+                    <a:lnR w="12700" cap="flat" cmpd="sng" algn="ctr">
+                      <a:solidFill>
+                        <a:schemeClr val="tx1"/>
+                      </a:solidFill>
+                      <a:prstDash val="solid"/>
+                      <a:round/>
+                      <a:headEnd type="none" w="med" len="med"/>
+                      <a:tailEnd type="none" w="med" len="med"/>
+                    </a:lnR>
+                    <a:lnT w="12700" cap="flat" cmpd="sng" algn="ctr">
+                      <a:solidFill>
+                        <a:schemeClr val="tx1"/>
+                      </a:solidFill>
+                      <a:prstDash val="solid"/>
+                      <a:round/>
+                      <a:headEnd type="none" w="med" len="med"/>
+                      <a:tailEnd type="none" w="med" len="med"/>
+                    </a:lnT>
+                    <a:lnB w="12700" cap="flat" cmpd="sng" algn="ctr">
+                      <a:solidFill>
+                        <a:schemeClr val="tx1"/>
+                      </a:solidFill>
+                      <a:prstDash val="solid"/>
+                      <a:round/>
+                      <a:headEnd type="none" w="med" len="med"/>
+                      <a:tailEnd type="none" w="med" len="med"/>
+                    </a:lnB>
+                  </a:tcPr>
+                </a:tc>
+                <a:tc>
+                  <a:txBody>
+                    <a:bodyPr/>
+                    <a:lstStyle/>
+                    <a:p>
+                      <a:r>
+                        <a:rPr lang="en-US" dirty="0">
+                          <a:solidFill>
+                            <a:schemeClr val="tx2">
+                              <a:lumMod val="75000"/>
+                            </a:schemeClr>
+                          </a:solidFill>
+                        </a:rPr>
+                        <a:t>s</a:t>
+                      </a:r>
+                    </a:p>
+                  </a:txBody>
+                  <a:tcPr>
+                    <a:lnL w="12700" cap="flat" cmpd="sng" algn="ctr">
+                      <a:solidFill>
+                        <a:schemeClr val="tx1"/>
+                      </a:solidFill>
+                      <a:prstDash val="solid"/>
+                      <a:round/>
+                      <a:headEnd type="none" w="med" len="med"/>
+                      <a:tailEnd type="none" w="med" len="med"/>
+                    </a:lnL>
+                    <a:lnR w="12700" cap="flat" cmpd="sng" algn="ctr">
+                      <a:solidFill>
+                        <a:schemeClr val="tx1"/>
+                      </a:solidFill>
+                      <a:prstDash val="solid"/>
+                      <a:round/>
+                      <a:headEnd type="none" w="med" len="med"/>
+                      <a:tailEnd type="none" w="med" len="med"/>
+                    </a:lnR>
+                    <a:lnT w="12700" cap="flat" cmpd="sng" algn="ctr">
+                      <a:solidFill>
+                        <a:schemeClr val="tx1"/>
+                      </a:solidFill>
+                      <a:prstDash val="solid"/>
+                      <a:round/>
+                      <a:headEnd type="none" w="med" len="med"/>
+                      <a:tailEnd type="none" w="med" len="med"/>
+                    </a:lnT>
+                    <a:lnB w="12700" cap="flat" cmpd="sng" algn="ctr">
+                      <a:solidFill>
+                        <a:schemeClr val="tx1"/>
+                      </a:solidFill>
+                      <a:prstDash val="solid"/>
+                      <a:round/>
+                      <a:headEnd type="none" w="med" len="med"/>
+                      <a:tailEnd type="none" w="med" len="med"/>
+                    </a:lnB>
+                  </a:tcPr>
+                </a:tc>
+                <a:tc>
+                  <a:txBody>
+                    <a:bodyPr/>
+                    <a:lstStyle/>
+                    <a:p>
+                      <a:r>
+                        <a:rPr lang="en-US" dirty="0">
+                          <a:solidFill>
+                            <a:schemeClr val="tx2">
+                              <a:lumMod val="75000"/>
+                            </a:schemeClr>
+                          </a:solidFill>
+                        </a:rPr>
+                        <a:t>k</a:t>
+                      </a:r>
+                    </a:p>
+                  </a:txBody>
+                  <a:tcPr>
+                    <a:lnL w="12700" cap="flat" cmpd="sng" algn="ctr">
+                      <a:solidFill>
+                        <a:schemeClr val="tx1"/>
+                      </a:solidFill>
+                      <a:prstDash val="solid"/>
+                      <a:round/>
+                      <a:headEnd type="none" w="med" len="med"/>
+                      <a:tailEnd type="none" w="med" len="med"/>
+                    </a:lnL>
+                    <a:lnR w="12700" cap="flat" cmpd="sng" algn="ctr">
+                      <a:solidFill>
+                        <a:schemeClr val="tx1"/>
+                      </a:solidFill>
+                      <a:prstDash val="solid"/>
+                      <a:round/>
+                      <a:headEnd type="none" w="med" len="med"/>
+                      <a:tailEnd type="none" w="med" len="med"/>
+                    </a:lnR>
+                    <a:lnT w="12700" cap="flat" cmpd="sng" algn="ctr">
+                      <a:solidFill>
+                        <a:schemeClr val="tx1"/>
+                      </a:solidFill>
+                      <a:prstDash val="solid"/>
+                      <a:round/>
+                      <a:headEnd type="none" w="med" len="med"/>
+                      <a:tailEnd type="none" w="med" len="med"/>
+                    </a:lnT>
+                    <a:lnB w="12700" cap="flat" cmpd="sng" algn="ctr">
+                      <a:solidFill>
+                        <a:schemeClr val="tx1"/>
+                      </a:solidFill>
+                      <a:prstDash val="solid"/>
+                      <a:round/>
+                      <a:headEnd type="none" w="med" len="med"/>
+                      <a:tailEnd type="none" w="med" len="med"/>
+                    </a:lnB>
+                  </a:tcPr>
+                </a:tc>
+                <a:extLst>
+                  <a:ext uri="{0D108BD9-81ED-4DB2-BD59-A6C34878D82A}">
+                    <a16:rowId xmlns:a16="http://schemas.microsoft.com/office/drawing/2014/main" val="1812120123"/>
+                  </a:ext>
+                </a:extLst>
+              </a:tr>
+            </a:tbl>
+          </a:graphicData>
+        </a:graphic>
+      </p:graphicFrame>
+      <p:sp>
+        <p:nvSpPr>
+          <p:cNvPr id="6" name="TextBox 5">
+            <a:extLst>
+              <a:ext uri="{FF2B5EF4-FFF2-40B4-BE49-F238E27FC236}">
+                <a16:creationId xmlns:a16="http://schemas.microsoft.com/office/drawing/2014/main" id="{1F73F986-8967-7446-864D-8634EB4D43C2}"/>
+              </a:ext>
+            </a:extLst>
+          </p:cNvPr>
+          <p:cNvSpPr txBox="1"/>
+          <p:nvPr/>
+        </p:nvSpPr>
+        <p:spPr>
+          <a:xfrm>
+            <a:off x="6071616" y="3896020"/>
+            <a:ext cx="2970685" cy="369332"/>
+          </a:xfrm>
+          <a:prstGeom prst="rect">
+            <a:avLst/>
+          </a:prstGeom>
+          <a:noFill/>
+        </p:spPr>
+        <p:txBody>
+          <a:bodyPr wrap="none" rtlCol="0">
+            <a:spAutoFit/>
+          </a:bodyPr>
+          <a:lstStyle/>
+          <a:p>
+            <a:r>
+              <a:rPr lang="en-US" dirty="0">
+                <a:solidFill>
+                  <a:schemeClr val="tx2">
+                    <a:lumMod val="75000"/>
+                  </a:schemeClr>
+                </a:solidFill>
+                <a:latin typeface="Consolas" panose="020B0609020204030204" pitchFamily="49" charset="0"/>
+                <a:cs typeface="Consolas" panose="020B0609020204030204" pitchFamily="49" charset="0"/>
+              </a:rPr>
+              <a:t>&gt;&gt;&gt; name: str = “mask”</a:t>
+            </a:r>
+          </a:p>
+        </p:txBody>
+      </p:sp>
+    </p:spTree>
+    <p:extLst>
+      <p:ext uri="{BB962C8B-B14F-4D97-AF65-F5344CB8AC3E}">
+        <p14:creationId xmlns:p14="http://schemas.microsoft.com/office/powerpoint/2010/main" val="354264203"/>
+      </p:ext>
+    </p:extLst>
+  </p:cSld>
+  <p:clrMapOvr>
+    <a:masterClrMapping/>
+  </p:clrMapOvr>
+</p:sld>
+</file>
+
+<file path=ppt/slides/slide12.xml><?xml version="1.0" encoding="utf-8"?>
+<p:sld xmlns:a="http://schemas.openxmlformats.org/drawingml/2006/main" xmlns:r="http://schemas.openxmlformats.org/officeDocument/2006/relationships" xmlns:p="http://schemas.openxmlformats.org/presentationml/2006/main">
+  <p:cSld>
+    <p:spTree>
+      <p:nvGrpSpPr>
+        <p:cNvPr id="1" name=""/>
+        <p:cNvGrpSpPr/>
+        <p:nvPr/>
+      </p:nvGrpSpPr>
+      <p:grpSpPr>
+        <a:xfrm>
+          <a:off x="0" y="0"/>
+          <a:ext cx="0" cy="0"/>
+          <a:chOff x="0" y="0"/>
+          <a:chExt cx="0" cy="0"/>
+        </a:xfrm>
+      </p:grpSpPr>
+      <p:sp>
+        <p:nvSpPr>
+          <p:cNvPr id="2" name="Title 1">
+            <a:extLst>
+              <a:ext uri="{FF2B5EF4-FFF2-40B4-BE49-F238E27FC236}">
+                <a16:creationId xmlns:a16="http://schemas.microsoft.com/office/drawing/2014/main" id="{FD1BBEE7-EA5D-7B49-A874-6C516557F711}"/>
+              </a:ext>
+            </a:extLst>
+          </p:cNvPr>
+          <p:cNvSpPr>
+            <a:spLocks noGrp="1"/>
+          </p:cNvSpPr>
+          <p:nvPr>
+            <p:ph type="title"/>
+          </p:nvPr>
+        </p:nvSpPr>
+        <p:spPr/>
+        <p:txBody>
+          <a:bodyPr/>
+          <a:lstStyle/>
+          <a:p>
+            <a:r>
+              <a:rPr lang="en-US" dirty="0"/>
+              <a:t>Iteration </a:t>
+            </a:r>
+            <a:br>
+              <a:rPr lang="en-US" dirty="0"/>
+            </a:br>
+            <a:r>
+              <a:rPr lang="en-US" dirty="0"/>
+              <a:t>(Intuition for </a:t>
+            </a:r>
+            <a:r>
+              <a:rPr lang="en-US" i="1" dirty="0"/>
+              <a:t>for loops)</a:t>
+            </a:r>
+            <a:endParaRPr lang="en-US" dirty="0"/>
+          </a:p>
+        </p:txBody>
+      </p:sp>
+      <p:sp>
+        <p:nvSpPr>
+          <p:cNvPr id="3" name="Content Placeholder 2">
+            <a:extLst>
+              <a:ext uri="{FF2B5EF4-FFF2-40B4-BE49-F238E27FC236}">
+                <a16:creationId xmlns:a16="http://schemas.microsoft.com/office/drawing/2014/main" id="{E7DEA78E-F51C-ED45-892C-22ADFA35AE53}"/>
+              </a:ext>
+            </a:extLst>
+          </p:cNvPr>
+          <p:cNvSpPr>
+            <a:spLocks noGrp="1"/>
+          </p:cNvSpPr>
+          <p:nvPr>
+            <p:ph idx="1"/>
+          </p:nvPr>
+        </p:nvSpPr>
+        <p:spPr>
+          <a:xfrm>
+            <a:off x="698643" y="1825625"/>
+            <a:ext cx="11373492" cy="2006636"/>
+          </a:xfrm>
+        </p:spPr>
+        <p:txBody>
+          <a:bodyPr>
+            <a:normAutofit/>
+          </a:bodyPr>
+          <a:lstStyle/>
+          <a:p>
+            <a:pPr marL="0" indent="0">
+              <a:buNone/>
+            </a:pPr>
+            <a:r>
+              <a:rPr lang="en-US" dirty="0">
+                <a:latin typeface="Consolas" panose="020B0609020204030204" pitchFamily="49" charset="0"/>
+                <a:cs typeface="Consolas" panose="020B0609020204030204" pitchFamily="49" charset="0"/>
+              </a:rPr>
+              <a:t>name: str = “learn”</a:t>
+            </a:r>
+          </a:p>
+          <a:p>
+            <a:pPr marL="0" indent="0">
+              <a:buNone/>
+            </a:pPr>
+            <a:r>
+              <a:rPr lang="en-US" dirty="0">
+                <a:latin typeface="Consolas" panose="020B0609020204030204" pitchFamily="49" charset="0"/>
+                <a:cs typeface="Consolas" panose="020B0609020204030204" pitchFamily="49" charset="0"/>
+              </a:rPr>
+              <a:t>for letter in name:	</a:t>
+            </a:r>
+            <a:endParaRPr lang="en-US" sz="2400" dirty="0">
+              <a:solidFill>
+                <a:srgbClr val="D06A22"/>
+              </a:solidFill>
+              <a:latin typeface="Consolas" panose="020B0609020204030204" pitchFamily="49" charset="0"/>
+              <a:cs typeface="Consolas" panose="020B0609020204030204" pitchFamily="49" charset="0"/>
+            </a:endParaRPr>
+          </a:p>
+          <a:p>
+            <a:pPr marL="457200" lvl="1" indent="0">
+              <a:buNone/>
+            </a:pPr>
+            <a:r>
+              <a:rPr lang="en-US" sz="2800" dirty="0">
+                <a:latin typeface="Consolas" panose="020B0609020204030204" pitchFamily="49" charset="0"/>
+                <a:cs typeface="Consolas" panose="020B0609020204030204" pitchFamily="49" charset="0"/>
+              </a:rPr>
+              <a:t>print (letter)</a:t>
+            </a:r>
+          </a:p>
+          <a:p>
+            <a:pPr marL="457200" lvl="1" indent="0">
+              <a:buNone/>
+            </a:pPr>
+            <a:endParaRPr lang="en-US" dirty="0">
+              <a:latin typeface="Consolas" panose="020B0609020204030204" pitchFamily="49" charset="0"/>
+              <a:cs typeface="Consolas" panose="020B0609020204030204" pitchFamily="49" charset="0"/>
+            </a:endParaRPr>
+          </a:p>
+          <a:p>
+            <a:pPr marL="457200" lvl="1" indent="0">
+              <a:buNone/>
+            </a:pPr>
+            <a:endParaRPr lang="en-US" dirty="0">
+              <a:latin typeface="Consolas" panose="020B0609020204030204" pitchFamily="49" charset="0"/>
+              <a:cs typeface="Consolas" panose="020B0609020204030204" pitchFamily="49" charset="0"/>
+            </a:endParaRPr>
+          </a:p>
+        </p:txBody>
+      </p:sp>
+      <p:graphicFrame>
+        <p:nvGraphicFramePr>
+          <p:cNvPr id="4" name="Table 3">
+            <a:extLst>
+              <a:ext uri="{FF2B5EF4-FFF2-40B4-BE49-F238E27FC236}">
+                <a16:creationId xmlns:a16="http://schemas.microsoft.com/office/drawing/2014/main" id="{C1CBB48F-C998-9942-87CE-637B08F99344}"/>
+              </a:ext>
+            </a:extLst>
+          </p:cNvPr>
+          <p:cNvGraphicFramePr>
+            <a:graphicFrameLocks noGrp="1"/>
+          </p:cNvGraphicFramePr>
+          <p:nvPr>
+            <p:extLst>
+              <p:ext uri="{D42A27DB-BD31-4B8C-83A1-F6EECF244321}">
+                <p14:modId xmlns:p14="http://schemas.microsoft.com/office/powerpoint/2010/main" val="681988518"/>
+              </p:ext>
+            </p:extLst>
+          </p:nvPr>
+        </p:nvGraphicFramePr>
+        <p:xfrm>
+          <a:off x="1066229" y="5497149"/>
+          <a:ext cx="8128000" cy="640080"/>
+        </p:xfrm>
+        <a:graphic>
+          <a:graphicData uri="http://schemas.openxmlformats.org/drawingml/2006/table">
+            <a:tbl>
+              <a:tblPr firstRow="1" bandRow="1">
+                <a:tableStyleId>{0E3FDE45-AF77-4B5C-9715-49D594BDF05E}</a:tableStyleId>
+              </a:tblPr>
+              <a:tblGrid>
+                <a:gridCol w="1625600">
+                  <a:extLst>
+                    <a:ext uri="{9D8B030D-6E8A-4147-A177-3AD203B41FA5}">
+                      <a16:colId xmlns:a16="http://schemas.microsoft.com/office/drawing/2014/main" val="417629770"/>
+                    </a:ext>
+                  </a:extLst>
+                </a:gridCol>
+                <a:gridCol w="1625600">
+                  <a:extLst>
+                    <a:ext uri="{9D8B030D-6E8A-4147-A177-3AD203B41FA5}">
+                      <a16:colId xmlns:a16="http://schemas.microsoft.com/office/drawing/2014/main" val="1663139574"/>
+                    </a:ext>
+                  </a:extLst>
+                </a:gridCol>
+                <a:gridCol w="1625600">
+                  <a:extLst>
+                    <a:ext uri="{9D8B030D-6E8A-4147-A177-3AD203B41FA5}">
+                      <a16:colId xmlns:a16="http://schemas.microsoft.com/office/drawing/2014/main" val="3072220242"/>
+                    </a:ext>
+                  </a:extLst>
+                </a:gridCol>
+                <a:gridCol w="1625600">
+                  <a:extLst>
+                    <a:ext uri="{9D8B030D-6E8A-4147-A177-3AD203B41FA5}">
+                      <a16:colId xmlns:a16="http://schemas.microsoft.com/office/drawing/2014/main" val="2218642068"/>
+                    </a:ext>
+                  </a:extLst>
+                </a:gridCol>
+                <a:gridCol w="1625600">
+                  <a:extLst>
+                    <a:ext uri="{9D8B030D-6E8A-4147-A177-3AD203B41FA5}">
+                      <a16:colId xmlns:a16="http://schemas.microsoft.com/office/drawing/2014/main" val="510798716"/>
+                    </a:ext>
+                  </a:extLst>
+                </a:gridCol>
+              </a:tblGrid>
+              <a:tr h="370840">
+                <a:tc>
+                  <a:txBody>
+                    <a:bodyPr/>
+                    <a:lstStyle/>
+                    <a:p>
+                      <a:pPr algn="ctr"/>
+                      <a:r>
+                        <a:rPr lang="en-US" sz="3600" dirty="0">
+                          <a:solidFill>
+                            <a:schemeClr val="tx2">
+                              <a:lumMod val="75000"/>
+                            </a:schemeClr>
+                          </a:solidFill>
+                        </a:rPr>
+                        <a:t>‘l’</a:t>
+                      </a:r>
+                    </a:p>
+                  </a:txBody>
+                  <a:tcPr>
+                    <a:lnL w="12700" cap="flat" cmpd="sng" algn="ctr">
+                      <a:solidFill>
+                        <a:schemeClr val="tx1"/>
+                      </a:solidFill>
+                      <a:prstDash val="solid"/>
+                      <a:round/>
+                      <a:headEnd type="none" w="med" len="med"/>
+                      <a:tailEnd type="none" w="med" len="med"/>
+                    </a:lnL>
+                    <a:lnR w="12700" cap="flat" cmpd="sng" algn="ctr">
+                      <a:solidFill>
+                        <a:schemeClr val="tx1"/>
+                      </a:solidFill>
+                      <a:prstDash val="solid"/>
+                      <a:round/>
+                      <a:headEnd type="none" w="med" len="med"/>
+                      <a:tailEnd type="none" w="med" len="med"/>
+                    </a:lnR>
+                    <a:lnT w="12700" cap="flat" cmpd="sng" algn="ctr">
+                      <a:solidFill>
+                        <a:schemeClr val="tx1"/>
+                      </a:solidFill>
+                      <a:prstDash val="solid"/>
+                      <a:round/>
+                      <a:headEnd type="none" w="med" len="med"/>
+                      <a:tailEnd type="none" w="med" len="med"/>
+                    </a:lnT>
+                    <a:lnB w="12700" cap="flat" cmpd="sng" algn="ctr">
+                      <a:solidFill>
+                        <a:schemeClr val="tx1"/>
+                      </a:solidFill>
+                      <a:prstDash val="solid"/>
+                      <a:round/>
+                      <a:headEnd type="none" w="med" len="med"/>
+                      <a:tailEnd type="none" w="med" len="med"/>
+                    </a:lnB>
+                  </a:tcPr>
+                </a:tc>
+                <a:tc>
+                  <a:txBody>
+                    <a:bodyPr/>
+                    <a:lstStyle/>
+                    <a:p>
+                      <a:pPr algn="ctr"/>
+                      <a:r>
+                        <a:rPr lang="en-US" sz="3600" dirty="0">
+                          <a:solidFill>
+                            <a:schemeClr val="tx2">
+                              <a:lumMod val="75000"/>
+                            </a:schemeClr>
+                          </a:solidFill>
+                        </a:rPr>
+                        <a:t>‘e’</a:t>
+                      </a:r>
+                    </a:p>
+                  </a:txBody>
+                  <a:tcPr>
+                    <a:lnL w="12700" cap="flat" cmpd="sng" algn="ctr">
+                      <a:solidFill>
+                        <a:schemeClr val="tx1"/>
+                      </a:solidFill>
+                      <a:prstDash val="solid"/>
+                      <a:round/>
+                      <a:headEnd type="none" w="med" len="med"/>
+                      <a:tailEnd type="none" w="med" len="med"/>
+                    </a:lnL>
+                    <a:lnR w="12700" cap="flat" cmpd="sng" algn="ctr">
+                      <a:solidFill>
+                        <a:schemeClr val="tx1"/>
+                      </a:solidFill>
+                      <a:prstDash val="solid"/>
+                      <a:round/>
+                      <a:headEnd type="none" w="med" len="med"/>
+                      <a:tailEnd type="none" w="med" len="med"/>
+                    </a:lnR>
+                    <a:lnT w="12700" cap="flat" cmpd="sng" algn="ctr">
+                      <a:solidFill>
+                        <a:schemeClr val="tx1"/>
+                      </a:solidFill>
+                      <a:prstDash val="solid"/>
+                      <a:round/>
+                      <a:headEnd type="none" w="med" len="med"/>
+                      <a:tailEnd type="none" w="med" len="med"/>
+                    </a:lnT>
+                    <a:lnB w="12700" cap="flat" cmpd="sng" algn="ctr">
+                      <a:solidFill>
+                        <a:schemeClr val="tx1"/>
+                      </a:solidFill>
+                      <a:prstDash val="solid"/>
+                      <a:round/>
+                      <a:headEnd type="none" w="med" len="med"/>
+                      <a:tailEnd type="none" w="med" len="med"/>
+                    </a:lnB>
+                  </a:tcPr>
+                </a:tc>
+                <a:tc>
+                  <a:txBody>
+                    <a:bodyPr/>
+                    <a:lstStyle/>
+                    <a:p>
+                      <a:pPr algn="ctr"/>
+                      <a:r>
+                        <a:rPr lang="en-US" sz="3600" dirty="0">
+                          <a:solidFill>
+                            <a:schemeClr val="tx2">
+                              <a:lumMod val="75000"/>
+                            </a:schemeClr>
+                          </a:solidFill>
+                        </a:rPr>
+                        <a:t>‘a’</a:t>
+                      </a:r>
+                    </a:p>
+                  </a:txBody>
+                  <a:tcPr>
+                    <a:lnL w="12700" cap="flat" cmpd="sng" algn="ctr">
+                      <a:solidFill>
+                        <a:schemeClr val="tx1"/>
+                      </a:solidFill>
+                      <a:prstDash val="solid"/>
+                      <a:round/>
+                      <a:headEnd type="none" w="med" len="med"/>
+                      <a:tailEnd type="none" w="med" len="med"/>
+                    </a:lnL>
+                    <a:lnR w="12700" cap="flat" cmpd="sng" algn="ctr">
+                      <a:solidFill>
+                        <a:schemeClr val="tx1"/>
+                      </a:solidFill>
+                      <a:prstDash val="solid"/>
+                      <a:round/>
+                      <a:headEnd type="none" w="med" len="med"/>
+                      <a:tailEnd type="none" w="med" len="med"/>
+                    </a:lnR>
+                    <a:lnT w="12700" cap="flat" cmpd="sng" algn="ctr">
+                      <a:solidFill>
+                        <a:schemeClr val="tx1"/>
+                      </a:solidFill>
+                      <a:prstDash val="solid"/>
+                      <a:round/>
+                      <a:headEnd type="none" w="med" len="med"/>
+                      <a:tailEnd type="none" w="med" len="med"/>
+                    </a:lnT>
+                    <a:lnB w="12700" cap="flat" cmpd="sng" algn="ctr">
+                      <a:solidFill>
+                        <a:schemeClr val="tx1"/>
+                      </a:solidFill>
+                      <a:prstDash val="solid"/>
+                      <a:round/>
+                      <a:headEnd type="none" w="med" len="med"/>
+                      <a:tailEnd type="none" w="med" len="med"/>
+                    </a:lnB>
+                  </a:tcPr>
+                </a:tc>
+                <a:tc>
+                  <a:txBody>
+                    <a:bodyPr/>
+                    <a:lstStyle/>
+                    <a:p>
+                      <a:pPr algn="ctr"/>
+                      <a:r>
+                        <a:rPr lang="en-US" sz="3600" dirty="0">
+                          <a:solidFill>
+                            <a:schemeClr val="tx2">
+                              <a:lumMod val="75000"/>
+                            </a:schemeClr>
+                          </a:solidFill>
+                        </a:rPr>
+                        <a:t>‘r’</a:t>
+                      </a:r>
+                    </a:p>
+                  </a:txBody>
+                  <a:tcPr>
+                    <a:lnL w="12700" cap="flat" cmpd="sng" algn="ctr">
+                      <a:solidFill>
+                        <a:schemeClr val="tx1"/>
+                      </a:solidFill>
+                      <a:prstDash val="solid"/>
+                      <a:round/>
+                      <a:headEnd type="none" w="med" len="med"/>
+                      <a:tailEnd type="none" w="med" len="med"/>
+                    </a:lnL>
+                    <a:lnR w="12700" cap="flat" cmpd="sng" algn="ctr">
+                      <a:solidFill>
+                        <a:schemeClr val="tx1"/>
+                      </a:solidFill>
+                      <a:prstDash val="solid"/>
+                      <a:round/>
+                      <a:headEnd type="none" w="med" len="med"/>
+                      <a:tailEnd type="none" w="med" len="med"/>
+                    </a:lnR>
+                    <a:lnT w="12700" cap="flat" cmpd="sng" algn="ctr">
+                      <a:solidFill>
+                        <a:schemeClr val="tx1"/>
+                      </a:solidFill>
+                      <a:prstDash val="solid"/>
+                      <a:round/>
+                      <a:headEnd type="none" w="med" len="med"/>
+                      <a:tailEnd type="none" w="med" len="med"/>
+                    </a:lnT>
+                    <a:lnB w="12700" cap="flat" cmpd="sng" algn="ctr">
+                      <a:solidFill>
+                        <a:schemeClr val="tx1"/>
+                      </a:solidFill>
+                      <a:prstDash val="solid"/>
+                      <a:round/>
+                      <a:headEnd type="none" w="med" len="med"/>
+                      <a:tailEnd type="none" w="med" len="med"/>
+                    </a:lnB>
+                  </a:tcPr>
+                </a:tc>
+                <a:tc>
+                  <a:txBody>
+                    <a:bodyPr/>
+                    <a:lstStyle/>
+                    <a:p>
+                      <a:pPr algn="ctr"/>
+                      <a:r>
+                        <a:rPr lang="en-US" sz="3600" dirty="0">
+                          <a:solidFill>
+                            <a:schemeClr val="tx2">
+                              <a:lumMod val="75000"/>
+                            </a:schemeClr>
+                          </a:solidFill>
+                        </a:rPr>
+                        <a:t>‘n’</a:t>
+                      </a:r>
+                    </a:p>
+                  </a:txBody>
+                  <a:tcPr>
+                    <a:lnL w="12700" cap="flat" cmpd="sng" algn="ctr">
+                      <a:solidFill>
+                        <a:schemeClr val="tx1"/>
+                      </a:solidFill>
+                      <a:prstDash val="solid"/>
+                      <a:round/>
+                      <a:headEnd type="none" w="med" len="med"/>
+                      <a:tailEnd type="none" w="med" len="med"/>
+                    </a:lnL>
+                    <a:lnR w="12700" cap="flat" cmpd="sng" algn="ctr">
+                      <a:solidFill>
+                        <a:schemeClr val="tx1"/>
+                      </a:solidFill>
+                      <a:prstDash val="solid"/>
+                      <a:round/>
+                      <a:headEnd type="none" w="med" len="med"/>
+                      <a:tailEnd type="none" w="med" len="med"/>
+                    </a:lnR>
+                    <a:lnT w="12700" cap="flat" cmpd="sng" algn="ctr">
+                      <a:solidFill>
+                        <a:schemeClr val="tx1"/>
+                      </a:solidFill>
+                      <a:prstDash val="solid"/>
+                      <a:round/>
+                      <a:headEnd type="none" w="med" len="med"/>
+                      <a:tailEnd type="none" w="med" len="med"/>
+                    </a:lnT>
+                    <a:lnB w="12700" cap="flat" cmpd="sng" algn="ctr">
+                      <a:solidFill>
+                        <a:schemeClr val="tx1"/>
+                      </a:solidFill>
+                      <a:prstDash val="solid"/>
+                      <a:round/>
+                      <a:headEnd type="none" w="med" len="med"/>
+                      <a:tailEnd type="none" w="med" len="med"/>
+                    </a:lnB>
+                  </a:tcPr>
+                </a:tc>
+                <a:extLst>
+                  <a:ext uri="{0D108BD9-81ED-4DB2-BD59-A6C34878D82A}">
+                    <a16:rowId xmlns:a16="http://schemas.microsoft.com/office/drawing/2014/main" val="2226517348"/>
+                  </a:ext>
+                </a:extLst>
+              </a:tr>
+            </a:tbl>
+          </a:graphicData>
+        </a:graphic>
+      </p:graphicFrame>
+      <p:sp>
+        <p:nvSpPr>
+          <p:cNvPr id="5" name="TextBox 4">
+            <a:extLst>
+              <a:ext uri="{FF2B5EF4-FFF2-40B4-BE49-F238E27FC236}">
+                <a16:creationId xmlns:a16="http://schemas.microsoft.com/office/drawing/2014/main" id="{3D14E52B-C01F-954F-9160-41D2F3E17CDC}"/>
+              </a:ext>
+            </a:extLst>
+          </p:cNvPr>
+          <p:cNvSpPr txBox="1"/>
+          <p:nvPr/>
+        </p:nvSpPr>
+        <p:spPr>
+          <a:xfrm>
+            <a:off x="1335640" y="4036649"/>
+            <a:ext cx="1203022" cy="646331"/>
+          </a:xfrm>
+          <a:prstGeom prst="rect">
+            <a:avLst/>
+          </a:prstGeom>
+          <a:noFill/>
+        </p:spPr>
+        <p:txBody>
+          <a:bodyPr wrap="none" rtlCol="0">
+            <a:spAutoFit/>
+          </a:bodyPr>
+          <a:lstStyle/>
+          <a:p>
+            <a:r>
+              <a:rPr lang="en-US" sz="3600" dirty="0">
+                <a:solidFill>
+                  <a:schemeClr val="tx2">
+                    <a:lumMod val="75000"/>
+                  </a:schemeClr>
+                </a:solidFill>
+              </a:rPr>
+              <a:t>letter</a:t>
+            </a:r>
+          </a:p>
+        </p:txBody>
+      </p:sp>
+      <p:cxnSp>
+        <p:nvCxnSpPr>
+          <p:cNvPr id="7" name="Straight Arrow Connector 6">
+            <a:extLst>
+              <a:ext uri="{FF2B5EF4-FFF2-40B4-BE49-F238E27FC236}">
+                <a16:creationId xmlns:a16="http://schemas.microsoft.com/office/drawing/2014/main" id="{324E485D-DF6B-5E45-85AF-DE7F784B3E5B}"/>
+              </a:ext>
+            </a:extLst>
+          </p:cNvPr>
+          <p:cNvCxnSpPr>
+            <a:cxnSpLocks/>
+            <a:stCxn id="5" idx="2"/>
+          </p:cNvCxnSpPr>
+          <p:nvPr/>
+        </p:nvCxnSpPr>
+        <p:spPr>
+          <a:xfrm>
+            <a:off x="1937151" y="4682980"/>
+            <a:ext cx="0" cy="814169"/>
+          </a:xfrm>
+          <a:prstGeom prst="straightConnector1">
+            <a:avLst/>
+          </a:prstGeom>
+          <a:ln>
+            <a:tailEnd type="triangle"/>
+          </a:ln>
+        </p:spPr>
+        <p:style>
+          <a:lnRef idx="1">
+            <a:schemeClr val="accent1"/>
+          </a:lnRef>
+          <a:fillRef idx="0">
+            <a:schemeClr val="accent1"/>
+          </a:fillRef>
+          <a:effectRef idx="0">
+            <a:schemeClr val="accent1"/>
+          </a:effectRef>
+          <a:fontRef idx="minor">
+            <a:schemeClr val="tx1"/>
+          </a:fontRef>
+        </p:style>
+      </p:cxnSp>
+      <p:sp>
+        <p:nvSpPr>
+          <p:cNvPr id="9" name="TextBox 8">
+            <a:extLst>
+              <a:ext uri="{FF2B5EF4-FFF2-40B4-BE49-F238E27FC236}">
+                <a16:creationId xmlns:a16="http://schemas.microsoft.com/office/drawing/2014/main" id="{355D644B-2274-5849-8216-454BAE8BEFD9}"/>
+              </a:ext>
+            </a:extLst>
+          </p:cNvPr>
+          <p:cNvSpPr txBox="1"/>
+          <p:nvPr/>
+        </p:nvSpPr>
+        <p:spPr>
+          <a:xfrm>
+            <a:off x="2946971" y="4033241"/>
+            <a:ext cx="1203022" cy="646331"/>
+          </a:xfrm>
+          <a:prstGeom prst="rect">
+            <a:avLst/>
+          </a:prstGeom>
+          <a:noFill/>
+        </p:spPr>
+        <p:txBody>
+          <a:bodyPr wrap="none" rtlCol="0">
+            <a:spAutoFit/>
+          </a:bodyPr>
+          <a:lstStyle/>
+          <a:p>
+            <a:r>
+              <a:rPr lang="en-US" sz="3600" dirty="0">
+                <a:solidFill>
+                  <a:schemeClr val="tx2">
+                    <a:lumMod val="75000"/>
+                  </a:schemeClr>
+                </a:solidFill>
+              </a:rPr>
+              <a:t>letter</a:t>
+            </a:r>
+          </a:p>
+        </p:txBody>
+      </p:sp>
+      <p:cxnSp>
+        <p:nvCxnSpPr>
+          <p:cNvPr id="10" name="Straight Arrow Connector 9">
+            <a:extLst>
+              <a:ext uri="{FF2B5EF4-FFF2-40B4-BE49-F238E27FC236}">
+                <a16:creationId xmlns:a16="http://schemas.microsoft.com/office/drawing/2014/main" id="{FFA8E419-DDA8-5740-9AA0-505BE48633CF}"/>
+              </a:ext>
+            </a:extLst>
+          </p:cNvPr>
+          <p:cNvCxnSpPr>
+            <a:cxnSpLocks/>
+            <a:stCxn id="9" idx="2"/>
+          </p:cNvCxnSpPr>
+          <p:nvPr/>
+        </p:nvCxnSpPr>
+        <p:spPr>
+          <a:xfrm>
+            <a:off x="3548482" y="4679572"/>
+            <a:ext cx="0" cy="814169"/>
+          </a:xfrm>
+          <a:prstGeom prst="straightConnector1">
+            <a:avLst/>
+          </a:prstGeom>
+          <a:ln>
+            <a:tailEnd type="triangle"/>
+          </a:ln>
+        </p:spPr>
+        <p:style>
+          <a:lnRef idx="1">
+            <a:schemeClr val="accent1"/>
+          </a:lnRef>
+          <a:fillRef idx="0">
+            <a:schemeClr val="accent1"/>
+          </a:fillRef>
+          <a:effectRef idx="0">
+            <a:schemeClr val="accent1"/>
+          </a:effectRef>
+          <a:fontRef idx="minor">
+            <a:schemeClr val="tx1"/>
+          </a:fontRef>
+        </p:style>
+      </p:cxnSp>
+      <p:sp>
+        <p:nvSpPr>
+          <p:cNvPr id="11" name="TextBox 10">
+            <a:extLst>
+              <a:ext uri="{FF2B5EF4-FFF2-40B4-BE49-F238E27FC236}">
+                <a16:creationId xmlns:a16="http://schemas.microsoft.com/office/drawing/2014/main" id="{DFF08FBC-A632-BD46-B222-881A2FCF0A56}"/>
+              </a:ext>
+            </a:extLst>
+          </p:cNvPr>
+          <p:cNvSpPr txBox="1"/>
+          <p:nvPr/>
+        </p:nvSpPr>
+        <p:spPr>
+          <a:xfrm>
+            <a:off x="4673029" y="4033241"/>
+            <a:ext cx="1203022" cy="646331"/>
+          </a:xfrm>
+          <a:prstGeom prst="rect">
+            <a:avLst/>
+          </a:prstGeom>
+          <a:noFill/>
+        </p:spPr>
+        <p:txBody>
+          <a:bodyPr wrap="none" rtlCol="0">
+            <a:spAutoFit/>
+          </a:bodyPr>
+          <a:lstStyle/>
+          <a:p>
+            <a:r>
+              <a:rPr lang="en-US" sz="3600" dirty="0">
+                <a:solidFill>
+                  <a:schemeClr val="tx2">
+                    <a:lumMod val="75000"/>
+                  </a:schemeClr>
+                </a:solidFill>
+              </a:rPr>
+              <a:t>letter</a:t>
+            </a:r>
+          </a:p>
+        </p:txBody>
+      </p:sp>
+      <p:cxnSp>
+        <p:nvCxnSpPr>
+          <p:cNvPr id="12" name="Straight Arrow Connector 11">
+            <a:extLst>
+              <a:ext uri="{FF2B5EF4-FFF2-40B4-BE49-F238E27FC236}">
+                <a16:creationId xmlns:a16="http://schemas.microsoft.com/office/drawing/2014/main" id="{22509397-3617-E945-A29A-9E6459BBDF3B}"/>
+              </a:ext>
+            </a:extLst>
+          </p:cNvPr>
+          <p:cNvCxnSpPr>
+            <a:cxnSpLocks/>
+            <a:stCxn id="11" idx="2"/>
+          </p:cNvCxnSpPr>
+          <p:nvPr/>
+        </p:nvCxnSpPr>
+        <p:spPr>
+          <a:xfrm>
+            <a:off x="5274540" y="4679572"/>
+            <a:ext cx="0" cy="814169"/>
+          </a:xfrm>
+          <a:prstGeom prst="straightConnector1">
+            <a:avLst/>
+          </a:prstGeom>
+          <a:ln>
+            <a:tailEnd type="triangle"/>
+          </a:ln>
+        </p:spPr>
+        <p:style>
+          <a:lnRef idx="1">
+            <a:schemeClr val="accent1"/>
+          </a:lnRef>
+          <a:fillRef idx="0">
+            <a:schemeClr val="accent1"/>
+          </a:fillRef>
+          <a:effectRef idx="0">
+            <a:schemeClr val="accent1"/>
+          </a:effectRef>
+          <a:fontRef idx="minor">
+            <a:schemeClr val="tx1"/>
+          </a:fontRef>
+        </p:style>
+      </p:cxnSp>
+      <p:sp>
+        <p:nvSpPr>
+          <p:cNvPr id="13" name="TextBox 12">
+            <a:extLst>
+              <a:ext uri="{FF2B5EF4-FFF2-40B4-BE49-F238E27FC236}">
+                <a16:creationId xmlns:a16="http://schemas.microsoft.com/office/drawing/2014/main" id="{678346D7-3EFB-3042-834D-6333E09CD892}"/>
+              </a:ext>
+            </a:extLst>
+          </p:cNvPr>
+          <p:cNvSpPr txBox="1"/>
+          <p:nvPr/>
+        </p:nvSpPr>
+        <p:spPr>
+          <a:xfrm>
+            <a:off x="6302488" y="4033241"/>
+            <a:ext cx="1203022" cy="646331"/>
+          </a:xfrm>
+          <a:prstGeom prst="rect">
+            <a:avLst/>
+          </a:prstGeom>
+          <a:noFill/>
+        </p:spPr>
+        <p:txBody>
+          <a:bodyPr wrap="none" rtlCol="0">
+            <a:spAutoFit/>
+          </a:bodyPr>
+          <a:lstStyle/>
+          <a:p>
+            <a:r>
+              <a:rPr lang="en-US" sz="3600" dirty="0">
+                <a:solidFill>
+                  <a:schemeClr val="tx2">
+                    <a:lumMod val="75000"/>
+                  </a:schemeClr>
+                </a:solidFill>
+              </a:rPr>
+              <a:t>letter</a:t>
+            </a:r>
+          </a:p>
+        </p:txBody>
+      </p:sp>
+      <p:cxnSp>
+        <p:nvCxnSpPr>
+          <p:cNvPr id="14" name="Straight Arrow Connector 13">
+            <a:extLst>
+              <a:ext uri="{FF2B5EF4-FFF2-40B4-BE49-F238E27FC236}">
+                <a16:creationId xmlns:a16="http://schemas.microsoft.com/office/drawing/2014/main" id="{1A0B9998-95AC-604A-BBA0-75FB8C8132FF}"/>
+              </a:ext>
+            </a:extLst>
+          </p:cNvPr>
+          <p:cNvCxnSpPr>
+            <a:cxnSpLocks/>
+            <a:stCxn id="13" idx="2"/>
+          </p:cNvCxnSpPr>
+          <p:nvPr/>
+        </p:nvCxnSpPr>
+        <p:spPr>
+          <a:xfrm>
+            <a:off x="6903999" y="4679572"/>
+            <a:ext cx="0" cy="814169"/>
+          </a:xfrm>
+          <a:prstGeom prst="straightConnector1">
+            <a:avLst/>
+          </a:prstGeom>
+          <a:ln>
+            <a:tailEnd type="triangle"/>
+          </a:ln>
+        </p:spPr>
+        <p:style>
+          <a:lnRef idx="1">
+            <a:schemeClr val="accent1"/>
+          </a:lnRef>
+          <a:fillRef idx="0">
+            <a:schemeClr val="accent1"/>
+          </a:fillRef>
+          <a:effectRef idx="0">
+            <a:schemeClr val="accent1"/>
+          </a:effectRef>
+          <a:fontRef idx="minor">
+            <a:schemeClr val="tx1"/>
+          </a:fontRef>
+        </p:style>
+      </p:cxnSp>
+      <p:sp>
+        <p:nvSpPr>
+          <p:cNvPr id="15" name="TextBox 14">
+            <a:extLst>
+              <a:ext uri="{FF2B5EF4-FFF2-40B4-BE49-F238E27FC236}">
+                <a16:creationId xmlns:a16="http://schemas.microsoft.com/office/drawing/2014/main" id="{761595C1-0500-0447-864E-99DBF58444BA}"/>
+              </a:ext>
+            </a:extLst>
+          </p:cNvPr>
+          <p:cNvSpPr txBox="1"/>
+          <p:nvPr/>
+        </p:nvSpPr>
+        <p:spPr>
+          <a:xfrm>
+            <a:off x="7816920" y="4033241"/>
+            <a:ext cx="1203022" cy="646331"/>
+          </a:xfrm>
+          <a:prstGeom prst="rect">
+            <a:avLst/>
+          </a:prstGeom>
+          <a:noFill/>
+        </p:spPr>
+        <p:txBody>
+          <a:bodyPr wrap="none" rtlCol="0">
+            <a:spAutoFit/>
+          </a:bodyPr>
+          <a:lstStyle/>
+          <a:p>
+            <a:r>
+              <a:rPr lang="en-US" sz="3600" dirty="0">
+                <a:solidFill>
+                  <a:schemeClr val="tx2">
+                    <a:lumMod val="75000"/>
+                  </a:schemeClr>
+                </a:solidFill>
+              </a:rPr>
+              <a:t>letter</a:t>
+            </a:r>
+          </a:p>
+        </p:txBody>
+      </p:sp>
+      <p:cxnSp>
+        <p:nvCxnSpPr>
+          <p:cNvPr id="16" name="Straight Arrow Connector 15">
+            <a:extLst>
+              <a:ext uri="{FF2B5EF4-FFF2-40B4-BE49-F238E27FC236}">
+                <a16:creationId xmlns:a16="http://schemas.microsoft.com/office/drawing/2014/main" id="{94A10C5F-0DE8-D84A-B085-BC95676F0E95}"/>
+              </a:ext>
+            </a:extLst>
+          </p:cNvPr>
+          <p:cNvCxnSpPr>
+            <a:cxnSpLocks/>
+            <a:stCxn id="15" idx="2"/>
+          </p:cNvCxnSpPr>
+          <p:nvPr/>
+        </p:nvCxnSpPr>
+        <p:spPr>
+          <a:xfrm>
+            <a:off x="8418431" y="4679572"/>
+            <a:ext cx="0" cy="814169"/>
+          </a:xfrm>
+          <a:prstGeom prst="straightConnector1">
+            <a:avLst/>
+          </a:prstGeom>
+          <a:ln>
+            <a:tailEnd type="triangle"/>
+          </a:ln>
+        </p:spPr>
+        <p:style>
+          <a:lnRef idx="1">
+            <a:schemeClr val="accent1"/>
+          </a:lnRef>
+          <a:fillRef idx="0">
+            <a:schemeClr val="accent1"/>
+          </a:fillRef>
+          <a:effectRef idx="0">
+            <a:schemeClr val="accent1"/>
+          </a:effectRef>
+          <a:fontRef idx="minor">
+            <a:schemeClr val="tx1"/>
+          </a:fontRef>
+        </p:style>
+      </p:cxnSp>
+      <p:cxnSp>
+        <p:nvCxnSpPr>
+          <p:cNvPr id="18" name="Straight Connector 17">
+            <a:extLst>
+              <a:ext uri="{FF2B5EF4-FFF2-40B4-BE49-F238E27FC236}">
+                <a16:creationId xmlns:a16="http://schemas.microsoft.com/office/drawing/2014/main" id="{C87B805D-B268-3E40-B9B8-449AB7499C04}"/>
+              </a:ext>
+            </a:extLst>
+          </p:cNvPr>
+          <p:cNvCxnSpPr/>
+          <p:nvPr/>
+        </p:nvCxnSpPr>
+        <p:spPr>
+          <a:xfrm>
+            <a:off x="256854" y="3832261"/>
+            <a:ext cx="11424863" cy="0"/>
+          </a:xfrm>
+          <a:prstGeom prst="line">
+            <a:avLst/>
+          </a:prstGeom>
+        </p:spPr>
+        <p:style>
+          <a:lnRef idx="2">
+            <a:schemeClr val="accent2"/>
+          </a:lnRef>
+          <a:fillRef idx="0">
+            <a:schemeClr val="accent2"/>
+          </a:fillRef>
+          <a:effectRef idx="1">
+            <a:schemeClr val="accent2"/>
+          </a:effectRef>
+          <a:fontRef idx="minor">
+            <a:schemeClr val="tx1"/>
+          </a:fontRef>
+        </p:style>
+      </p:cxnSp>
+      <p:sp>
+        <p:nvSpPr>
+          <p:cNvPr id="19" name="TextBox 18">
+            <a:extLst>
+              <a:ext uri="{FF2B5EF4-FFF2-40B4-BE49-F238E27FC236}">
+                <a16:creationId xmlns:a16="http://schemas.microsoft.com/office/drawing/2014/main" id="{A4730E2D-9E35-F74A-869E-9DED6BE47A0E}"/>
+              </a:ext>
+            </a:extLst>
+          </p:cNvPr>
+          <p:cNvSpPr txBox="1"/>
+          <p:nvPr/>
+        </p:nvSpPr>
+        <p:spPr>
+          <a:xfrm>
+            <a:off x="5428180" y="2368353"/>
+            <a:ext cx="5123518" cy="646331"/>
+          </a:xfrm>
+          <a:prstGeom prst="rect">
+            <a:avLst/>
+          </a:prstGeom>
+          <a:noFill/>
+        </p:spPr>
+        <p:txBody>
+          <a:bodyPr wrap="none" rtlCol="0">
+            <a:spAutoFit/>
+          </a:bodyPr>
+          <a:lstStyle/>
+          <a:p>
+            <a:r>
+              <a:rPr lang="en-US" dirty="0">
+                <a:solidFill>
+                  <a:srgbClr val="D06A22"/>
+                </a:solidFill>
+                <a:latin typeface="Consolas" panose="020B0609020204030204" pitchFamily="49" charset="0"/>
+                <a:cs typeface="Consolas" panose="020B0609020204030204" pitchFamily="49" charset="0"/>
+              </a:rPr>
+              <a:t># A variable called </a:t>
+            </a:r>
+            <a:r>
+              <a:rPr lang="en-US" b="1" dirty="0">
+                <a:solidFill>
+                  <a:srgbClr val="D06A22"/>
+                </a:solidFill>
+                <a:latin typeface="Consolas" panose="020B0609020204030204" pitchFamily="49" charset="0"/>
+                <a:cs typeface="Consolas" panose="020B0609020204030204" pitchFamily="49" charset="0"/>
+              </a:rPr>
+              <a:t>letter </a:t>
+            </a:r>
+            <a:r>
+              <a:rPr lang="en-US" dirty="0">
+                <a:solidFill>
+                  <a:srgbClr val="D06A22"/>
+                </a:solidFill>
+                <a:latin typeface="Consolas" panose="020B0609020204030204" pitchFamily="49" charset="0"/>
+                <a:cs typeface="Consolas" panose="020B0609020204030204" pitchFamily="49" charset="0"/>
+              </a:rPr>
+              <a:t>is created </a:t>
+            </a:r>
+          </a:p>
+          <a:p>
+            <a:r>
+              <a:rPr lang="en-US" dirty="0">
+                <a:solidFill>
+                  <a:srgbClr val="D06A22"/>
+                </a:solidFill>
+                <a:latin typeface="Consolas" panose="020B0609020204030204" pitchFamily="49" charset="0"/>
+                <a:cs typeface="Consolas" panose="020B0609020204030204" pitchFamily="49" charset="0"/>
+              </a:rPr>
+              <a:t>which is valid </a:t>
+            </a:r>
+            <a:r>
+              <a:rPr lang="en-US" i="1" dirty="0">
+                <a:solidFill>
+                  <a:srgbClr val="D06A22"/>
+                </a:solidFill>
+                <a:latin typeface="Consolas" panose="020B0609020204030204" pitchFamily="49" charset="0"/>
+                <a:cs typeface="Consolas" panose="020B0609020204030204" pitchFamily="49" charset="0"/>
+              </a:rPr>
+              <a:t>only inside the for loop</a:t>
+            </a:r>
+            <a:endParaRPr lang="en-US" dirty="0"/>
+          </a:p>
+        </p:txBody>
+      </p:sp>
+    </p:spTree>
+    <p:extLst>
+      <p:ext uri="{BB962C8B-B14F-4D97-AF65-F5344CB8AC3E}">
+        <p14:creationId xmlns:p14="http://schemas.microsoft.com/office/powerpoint/2010/main" val="205491821"/>
+      </p:ext>
+    </p:extLst>
+  </p:cSld>
+  <p:clrMapOvr>
+    <a:masterClrMapping/>
+  </p:clrMapOvr>
+  <p:timing>
+    <p:tnLst>
+      <p:par>
+        <p:cTn id="1" dur="indefinite" restart="never" nodeType="tmRoot">
+          <p:childTnLst>
+            <p:seq concurrent="1" nextAc="seek">
+              <p:cTn id="2" dur="indefinite" nodeType="mainSeq">
+                <p:childTnLst>
+                  <p:par>
+                    <p:cTn id="3" fill="hold">
+                      <p:stCondLst>
+                        <p:cond delay="indefinite"/>
+                      </p:stCondLst>
+                      <p:childTnLst>
+                        <p:par>
+                          <p:cTn id="4" fill="hold">
+                            <p:stCondLst>
+                              <p:cond delay="0"/>
+                            </p:stCondLst>
+                            <p:childTnLst>
+                              <p:par>
+                                <p:cTn id="5" presetID="1" presetClass="entr" presetSubtype="0" fill="hold" grpId="0" nodeType="clickEffect">
+                                  <p:stCondLst>
+                                    <p:cond delay="0"/>
+                                  </p:stCondLst>
+                                  <p:childTnLst>
+                                    <p:set>
+                                      <p:cBhvr>
+                                        <p:cTn id="6" dur="1" fill="hold">
+                                          <p:stCondLst>
+                                            <p:cond delay="0"/>
+                                          </p:stCondLst>
+                                        </p:cTn>
+                                        <p:tgtEl>
+                                          <p:spTgt spid="5"/>
+                                        </p:tgtEl>
+                                        <p:attrNameLst>
+                                          <p:attrName>style.visibility</p:attrName>
+                                        </p:attrNameLst>
+                                      </p:cBhvr>
+                                      <p:to>
+                                        <p:strVal val="visible"/>
+                                      </p:to>
+                                    </p:set>
+                                  </p:childTnLst>
+                                </p:cTn>
+                              </p:par>
+                              <p:par>
+                                <p:cTn id="7" presetID="1" presetClass="entr" presetSubtype="0" fill="hold" nodeType="withEffect">
+                                  <p:stCondLst>
+                                    <p:cond delay="0"/>
+                                  </p:stCondLst>
+                                  <p:childTnLst>
+                                    <p:set>
+                                      <p:cBhvr>
+                                        <p:cTn id="8" dur="1" fill="hold">
+                                          <p:stCondLst>
+                                            <p:cond delay="0"/>
+                                          </p:stCondLst>
+                                        </p:cTn>
+                                        <p:tgtEl>
+                                          <p:spTgt spid="7"/>
+                                        </p:tgtEl>
+                                        <p:attrNameLst>
+                                          <p:attrName>style.visibility</p:attrName>
+                                        </p:attrNameLst>
+                                      </p:cBhvr>
+                                      <p:to>
+                                        <p:strVal val="visible"/>
+                                      </p:to>
+                                    </p:set>
+                                  </p:childTnLst>
+                                </p:cTn>
+                              </p:par>
+                            </p:childTnLst>
+                          </p:cTn>
+                        </p:par>
+                      </p:childTnLst>
+                    </p:cTn>
+                  </p:par>
+                  <p:par>
+                    <p:cTn id="9" fill="hold">
+                      <p:stCondLst>
+                        <p:cond delay="indefinite"/>
+                      </p:stCondLst>
+                      <p:childTnLst>
+                        <p:par>
+                          <p:cTn id="10" fill="hold">
+                            <p:stCondLst>
+                              <p:cond delay="0"/>
+                            </p:stCondLst>
+                            <p:childTnLst>
+                              <p:par>
+                                <p:cTn id="11" presetID="1" presetClass="exit" presetSubtype="0" fill="hold" grpId="1" nodeType="clickEffect">
+                                  <p:stCondLst>
+                                    <p:cond delay="0"/>
+                                  </p:stCondLst>
+                                  <p:childTnLst>
+                                    <p:set>
+                                      <p:cBhvr>
+                                        <p:cTn id="12" dur="1" fill="hold">
+                                          <p:stCondLst>
+                                            <p:cond delay="0"/>
+                                          </p:stCondLst>
+                                        </p:cTn>
+                                        <p:tgtEl>
+                                          <p:spTgt spid="5"/>
+                                        </p:tgtEl>
+                                        <p:attrNameLst>
+                                          <p:attrName>style.visibility</p:attrName>
+                                        </p:attrNameLst>
+                                      </p:cBhvr>
+                                      <p:to>
+                                        <p:strVal val="hidden"/>
+                                      </p:to>
+                                    </p:set>
+                                  </p:childTnLst>
+                                </p:cTn>
+                              </p:par>
+                              <p:par>
+                                <p:cTn id="13" presetID="1" presetClass="exit" presetSubtype="0" fill="hold" nodeType="withEffect">
+                                  <p:stCondLst>
+                                    <p:cond delay="0"/>
+                                  </p:stCondLst>
+                                  <p:childTnLst>
+                                    <p:set>
+                                      <p:cBhvr>
+                                        <p:cTn id="14" dur="1" fill="hold">
+                                          <p:stCondLst>
+                                            <p:cond delay="0"/>
+                                          </p:stCondLst>
+                                        </p:cTn>
+                                        <p:tgtEl>
+                                          <p:spTgt spid="7"/>
+                                        </p:tgtEl>
+                                        <p:attrNameLst>
+                                          <p:attrName>style.visibility</p:attrName>
+                                        </p:attrNameLst>
+                                      </p:cBhvr>
+                                      <p:to>
+                                        <p:strVal val="hidden"/>
+                                      </p:to>
+                                    </p:set>
+                                  </p:childTnLst>
+                                </p:cTn>
+                              </p:par>
+                            </p:childTnLst>
+                          </p:cTn>
+                        </p:par>
+                      </p:childTnLst>
+                    </p:cTn>
+                  </p:par>
+                  <p:par>
+                    <p:cTn id="15" fill="hold">
+                      <p:stCondLst>
+                        <p:cond delay="indefinite"/>
+                      </p:stCondLst>
+                      <p:childTnLst>
+                        <p:par>
+                          <p:cTn id="16" fill="hold">
+                            <p:stCondLst>
+                              <p:cond delay="0"/>
+                            </p:stCondLst>
+                            <p:childTnLst>
+                              <p:par>
+                                <p:cTn id="17" presetID="1" presetClass="entr" presetSubtype="0" fill="hold" grpId="0" nodeType="clickEffect">
+                                  <p:stCondLst>
+                                    <p:cond delay="0"/>
+                                  </p:stCondLst>
+                                  <p:childTnLst>
+                                    <p:set>
+                                      <p:cBhvr>
+                                        <p:cTn id="18" dur="1" fill="hold">
+                                          <p:stCondLst>
+                                            <p:cond delay="0"/>
+                                          </p:stCondLst>
+                                        </p:cTn>
+                                        <p:tgtEl>
+                                          <p:spTgt spid="9"/>
+                                        </p:tgtEl>
+                                        <p:attrNameLst>
+                                          <p:attrName>style.visibility</p:attrName>
+                                        </p:attrNameLst>
+                                      </p:cBhvr>
+                                      <p:to>
+                                        <p:strVal val="visible"/>
+                                      </p:to>
+                                    </p:set>
+                                  </p:childTnLst>
+                                </p:cTn>
+                              </p:par>
+                              <p:par>
+                                <p:cTn id="19" presetID="1" presetClass="entr" presetSubtype="0" fill="hold" nodeType="withEffect">
+                                  <p:stCondLst>
+                                    <p:cond delay="0"/>
+                                  </p:stCondLst>
+                                  <p:childTnLst>
+                                    <p:set>
+                                      <p:cBhvr>
+                                        <p:cTn id="20" dur="1" fill="hold">
+                                          <p:stCondLst>
+                                            <p:cond delay="0"/>
+                                          </p:stCondLst>
+                                        </p:cTn>
+                                        <p:tgtEl>
+                                          <p:spTgt spid="10"/>
+                                        </p:tgtEl>
+                                        <p:attrNameLst>
+                                          <p:attrName>style.visibility</p:attrName>
+                                        </p:attrNameLst>
+                                      </p:cBhvr>
+                                      <p:to>
+                                        <p:strVal val="visible"/>
+                                      </p:to>
+                                    </p:set>
+                                  </p:childTnLst>
+                                </p:cTn>
+                              </p:par>
+                            </p:childTnLst>
+                          </p:cTn>
+                        </p:par>
+                      </p:childTnLst>
+                    </p:cTn>
+                  </p:par>
+                  <p:par>
+                    <p:cTn id="21" fill="hold">
+                      <p:stCondLst>
+                        <p:cond delay="indefinite"/>
+                      </p:stCondLst>
+                      <p:childTnLst>
+                        <p:par>
+                          <p:cTn id="22" fill="hold">
+                            <p:stCondLst>
+                              <p:cond delay="0"/>
+                            </p:stCondLst>
+                            <p:childTnLst>
+                              <p:par>
+                                <p:cTn id="23" presetID="1" presetClass="exit" presetSubtype="0" fill="hold" grpId="1" nodeType="clickEffect">
+                                  <p:stCondLst>
+                                    <p:cond delay="0"/>
+                                  </p:stCondLst>
+                                  <p:childTnLst>
+                                    <p:set>
+                                      <p:cBhvr>
+                                        <p:cTn id="24" dur="1" fill="hold">
+                                          <p:stCondLst>
+                                            <p:cond delay="0"/>
+                                          </p:stCondLst>
+                                        </p:cTn>
+                                        <p:tgtEl>
+                                          <p:spTgt spid="9"/>
+                                        </p:tgtEl>
+                                        <p:attrNameLst>
+                                          <p:attrName>style.visibility</p:attrName>
+                                        </p:attrNameLst>
+                                      </p:cBhvr>
+                                      <p:to>
+                                        <p:strVal val="hidden"/>
+                                      </p:to>
+                                    </p:set>
+                                  </p:childTnLst>
+                                </p:cTn>
+                              </p:par>
+                              <p:par>
+                                <p:cTn id="25" presetID="1" presetClass="exit" presetSubtype="0" fill="hold" nodeType="withEffect">
+                                  <p:stCondLst>
+                                    <p:cond delay="0"/>
+                                  </p:stCondLst>
+                                  <p:childTnLst>
+                                    <p:set>
+                                      <p:cBhvr>
+                                        <p:cTn id="26" dur="1" fill="hold">
+                                          <p:stCondLst>
+                                            <p:cond delay="0"/>
+                                          </p:stCondLst>
+                                        </p:cTn>
+                                        <p:tgtEl>
+                                          <p:spTgt spid="10"/>
+                                        </p:tgtEl>
+                                        <p:attrNameLst>
+                                          <p:attrName>style.visibility</p:attrName>
+                                        </p:attrNameLst>
+                                      </p:cBhvr>
+                                      <p:to>
+                                        <p:strVal val="hidden"/>
+                                      </p:to>
+                                    </p:set>
+                                  </p:childTnLst>
+                                </p:cTn>
+                              </p:par>
+                            </p:childTnLst>
+                          </p:cTn>
+                        </p:par>
+                      </p:childTnLst>
+                    </p:cTn>
+                  </p:par>
+                  <p:par>
+                    <p:cTn id="27" fill="hold">
+                      <p:stCondLst>
+                        <p:cond delay="indefinite"/>
+                      </p:stCondLst>
+                      <p:childTnLst>
+                        <p:par>
+                          <p:cTn id="28" fill="hold">
+                            <p:stCondLst>
+                              <p:cond delay="0"/>
+                            </p:stCondLst>
+                            <p:childTnLst>
+                              <p:par>
+                                <p:cTn id="29" presetID="1" presetClass="entr" presetSubtype="0" fill="hold" grpId="0" nodeType="clickEffect">
+                                  <p:stCondLst>
+                                    <p:cond delay="0"/>
+                                  </p:stCondLst>
+                                  <p:childTnLst>
+                                    <p:set>
+                                      <p:cBhvr>
+                                        <p:cTn id="30" dur="1" fill="hold">
+                                          <p:stCondLst>
+                                            <p:cond delay="0"/>
+                                          </p:stCondLst>
+                                        </p:cTn>
+                                        <p:tgtEl>
+                                          <p:spTgt spid="11"/>
+                                        </p:tgtEl>
+                                        <p:attrNameLst>
+                                          <p:attrName>style.visibility</p:attrName>
+                                        </p:attrNameLst>
+                                      </p:cBhvr>
+                                      <p:to>
+                                        <p:strVal val="visible"/>
+                                      </p:to>
+                                    </p:set>
+                                  </p:childTnLst>
+                                </p:cTn>
+                              </p:par>
+                              <p:par>
+                                <p:cTn id="31" presetID="1" presetClass="entr" presetSubtype="0" fill="hold" nodeType="withEffect">
+                                  <p:stCondLst>
+                                    <p:cond delay="0"/>
+                                  </p:stCondLst>
+                                  <p:childTnLst>
+                                    <p:set>
+                                      <p:cBhvr>
+                                        <p:cTn id="32" dur="1" fill="hold">
+                                          <p:stCondLst>
+                                            <p:cond delay="0"/>
+                                          </p:stCondLst>
+                                        </p:cTn>
+                                        <p:tgtEl>
+                                          <p:spTgt spid="12"/>
+                                        </p:tgtEl>
+                                        <p:attrNameLst>
+                                          <p:attrName>style.visibility</p:attrName>
+                                        </p:attrNameLst>
+                                      </p:cBhvr>
+                                      <p:to>
+                                        <p:strVal val="visible"/>
+                                      </p:to>
+                                    </p:set>
+                                  </p:childTnLst>
+                                </p:cTn>
+                              </p:par>
+                            </p:childTnLst>
+                          </p:cTn>
+                        </p:par>
+                      </p:childTnLst>
+                    </p:cTn>
+                  </p:par>
+                  <p:par>
+                    <p:cTn id="33" fill="hold">
+                      <p:stCondLst>
+                        <p:cond delay="indefinite"/>
+                      </p:stCondLst>
+                      <p:childTnLst>
+                        <p:par>
+                          <p:cTn id="34" fill="hold">
+                            <p:stCondLst>
+                              <p:cond delay="0"/>
+                            </p:stCondLst>
+                            <p:childTnLst>
+                              <p:par>
+                                <p:cTn id="35" presetID="1" presetClass="exit" presetSubtype="0" fill="hold" grpId="1" nodeType="clickEffect">
+                                  <p:stCondLst>
+                                    <p:cond delay="0"/>
+                                  </p:stCondLst>
+                                  <p:childTnLst>
+                                    <p:set>
+                                      <p:cBhvr>
+                                        <p:cTn id="36" dur="1" fill="hold">
+                                          <p:stCondLst>
+                                            <p:cond delay="0"/>
+                                          </p:stCondLst>
+                                        </p:cTn>
+                                        <p:tgtEl>
+                                          <p:spTgt spid="11"/>
+                                        </p:tgtEl>
+                                        <p:attrNameLst>
+                                          <p:attrName>style.visibility</p:attrName>
+                                        </p:attrNameLst>
+                                      </p:cBhvr>
+                                      <p:to>
+                                        <p:strVal val="hidden"/>
+                                      </p:to>
+                                    </p:set>
+                                  </p:childTnLst>
+                                </p:cTn>
+                              </p:par>
+                              <p:par>
+                                <p:cTn id="37" presetID="1" presetClass="exit" presetSubtype="0" fill="hold" nodeType="withEffect">
+                                  <p:stCondLst>
+                                    <p:cond delay="0"/>
+                                  </p:stCondLst>
+                                  <p:childTnLst>
+                                    <p:set>
+                                      <p:cBhvr>
+                                        <p:cTn id="38" dur="1" fill="hold">
+                                          <p:stCondLst>
+                                            <p:cond delay="0"/>
+                                          </p:stCondLst>
+                                        </p:cTn>
+                                        <p:tgtEl>
+                                          <p:spTgt spid="12"/>
+                                        </p:tgtEl>
+                                        <p:attrNameLst>
+                                          <p:attrName>style.visibility</p:attrName>
+                                        </p:attrNameLst>
+                                      </p:cBhvr>
+                                      <p:to>
+                                        <p:strVal val="hidden"/>
+                                      </p:to>
+                                    </p:set>
+                                  </p:childTnLst>
+                                </p:cTn>
+                              </p:par>
+                            </p:childTnLst>
+                          </p:cTn>
+                        </p:par>
+                      </p:childTnLst>
+                    </p:cTn>
+                  </p:par>
+                  <p:par>
+                    <p:cTn id="39" fill="hold">
+                      <p:stCondLst>
+                        <p:cond delay="indefinite"/>
+                      </p:stCondLst>
+                      <p:childTnLst>
+                        <p:par>
+                          <p:cTn id="40" fill="hold">
+                            <p:stCondLst>
+                              <p:cond delay="0"/>
+                            </p:stCondLst>
+                            <p:childTnLst>
+                              <p:par>
+                                <p:cTn id="41" presetID="1" presetClass="entr" presetSubtype="0" fill="hold" grpId="0" nodeType="clickEffect">
+                                  <p:stCondLst>
+                                    <p:cond delay="0"/>
+                                  </p:stCondLst>
+                                  <p:childTnLst>
+                                    <p:set>
+                                      <p:cBhvr>
+                                        <p:cTn id="42" dur="1" fill="hold">
+                                          <p:stCondLst>
+                                            <p:cond delay="0"/>
+                                          </p:stCondLst>
+                                        </p:cTn>
+                                        <p:tgtEl>
+                                          <p:spTgt spid="13"/>
+                                        </p:tgtEl>
+                                        <p:attrNameLst>
+                                          <p:attrName>style.visibility</p:attrName>
+                                        </p:attrNameLst>
+                                      </p:cBhvr>
+                                      <p:to>
+                                        <p:strVal val="visible"/>
+                                      </p:to>
+                                    </p:set>
+                                  </p:childTnLst>
+                                </p:cTn>
+                              </p:par>
+                              <p:par>
+                                <p:cTn id="43" presetID="1" presetClass="entr" presetSubtype="0" fill="hold" nodeType="withEffect">
+                                  <p:stCondLst>
+                                    <p:cond delay="0"/>
+                                  </p:stCondLst>
+                                  <p:childTnLst>
+                                    <p:set>
+                                      <p:cBhvr>
+                                        <p:cTn id="44" dur="1" fill="hold">
+                                          <p:stCondLst>
+                                            <p:cond delay="0"/>
+                                          </p:stCondLst>
+                                        </p:cTn>
+                                        <p:tgtEl>
+                                          <p:spTgt spid="14"/>
+                                        </p:tgtEl>
+                                        <p:attrNameLst>
+                                          <p:attrName>style.visibility</p:attrName>
+                                        </p:attrNameLst>
+                                      </p:cBhvr>
+                                      <p:to>
+                                        <p:strVal val="visible"/>
+                                      </p:to>
+                                    </p:set>
+                                  </p:childTnLst>
+                                </p:cTn>
+                              </p:par>
+                            </p:childTnLst>
+                          </p:cTn>
+                        </p:par>
+                      </p:childTnLst>
+                    </p:cTn>
+                  </p:par>
+                  <p:par>
+                    <p:cTn id="45" fill="hold">
+                      <p:stCondLst>
+                        <p:cond delay="indefinite"/>
+                      </p:stCondLst>
+                      <p:childTnLst>
+                        <p:par>
+                          <p:cTn id="46" fill="hold">
+                            <p:stCondLst>
+                              <p:cond delay="0"/>
+                            </p:stCondLst>
+                            <p:childTnLst>
+                              <p:par>
+                                <p:cTn id="47" presetID="1" presetClass="exit" presetSubtype="0" fill="hold" grpId="1" nodeType="clickEffect">
+                                  <p:stCondLst>
+                                    <p:cond delay="0"/>
+                                  </p:stCondLst>
+                                  <p:childTnLst>
+                                    <p:set>
+                                      <p:cBhvr>
+                                        <p:cTn id="48" dur="1" fill="hold">
+                                          <p:stCondLst>
+                                            <p:cond delay="0"/>
+                                          </p:stCondLst>
+                                        </p:cTn>
+                                        <p:tgtEl>
+                                          <p:spTgt spid="13"/>
+                                        </p:tgtEl>
+                                        <p:attrNameLst>
+                                          <p:attrName>style.visibility</p:attrName>
+                                        </p:attrNameLst>
+                                      </p:cBhvr>
+                                      <p:to>
+                                        <p:strVal val="hidden"/>
+                                      </p:to>
+                                    </p:set>
+                                  </p:childTnLst>
+                                </p:cTn>
+                              </p:par>
+                              <p:par>
+                                <p:cTn id="49" presetID="1" presetClass="exit" presetSubtype="0" fill="hold" nodeType="withEffect">
+                                  <p:stCondLst>
+                                    <p:cond delay="0"/>
+                                  </p:stCondLst>
+                                  <p:childTnLst>
+                                    <p:set>
+                                      <p:cBhvr>
+                                        <p:cTn id="50" dur="1" fill="hold">
+                                          <p:stCondLst>
+                                            <p:cond delay="0"/>
+                                          </p:stCondLst>
+                                        </p:cTn>
+                                        <p:tgtEl>
+                                          <p:spTgt spid="14"/>
+                                        </p:tgtEl>
+                                        <p:attrNameLst>
+                                          <p:attrName>style.visibility</p:attrName>
+                                        </p:attrNameLst>
+                                      </p:cBhvr>
+                                      <p:to>
+                                        <p:strVal val="hidden"/>
+                                      </p:to>
+                                    </p:set>
+                                  </p:childTnLst>
+                                </p:cTn>
+                              </p:par>
+                            </p:childTnLst>
+                          </p:cTn>
+                        </p:par>
+                      </p:childTnLst>
+                    </p:cTn>
+                  </p:par>
+                  <p:par>
+                    <p:cTn id="51" fill="hold">
+                      <p:stCondLst>
+                        <p:cond delay="indefinite"/>
+                      </p:stCondLst>
+                      <p:childTnLst>
+                        <p:par>
+                          <p:cTn id="52" fill="hold">
+                            <p:stCondLst>
+                              <p:cond delay="0"/>
+                            </p:stCondLst>
+                            <p:childTnLst>
+                              <p:par>
+                                <p:cTn id="53" presetID="1" presetClass="entr" presetSubtype="0" fill="hold" grpId="0" nodeType="clickEffect">
+                                  <p:stCondLst>
+                                    <p:cond delay="0"/>
+                                  </p:stCondLst>
+                                  <p:childTnLst>
+                                    <p:set>
+                                      <p:cBhvr>
+                                        <p:cTn id="54" dur="1" fill="hold">
+                                          <p:stCondLst>
+                                            <p:cond delay="0"/>
+                                          </p:stCondLst>
+                                        </p:cTn>
+                                        <p:tgtEl>
+                                          <p:spTgt spid="15"/>
+                                        </p:tgtEl>
+                                        <p:attrNameLst>
+                                          <p:attrName>style.visibility</p:attrName>
+                                        </p:attrNameLst>
+                                      </p:cBhvr>
+                                      <p:to>
+                                        <p:strVal val="visible"/>
+                                      </p:to>
+                                    </p:set>
+                                  </p:childTnLst>
+                                </p:cTn>
+                              </p:par>
+                              <p:par>
+                                <p:cTn id="55" presetID="1" presetClass="entr" presetSubtype="0" fill="hold" nodeType="withEffect">
+                                  <p:stCondLst>
+                                    <p:cond delay="0"/>
+                                  </p:stCondLst>
+                                  <p:childTnLst>
+                                    <p:set>
+                                      <p:cBhvr>
+                                        <p:cTn id="56" dur="1" fill="hold">
+                                          <p:stCondLst>
+                                            <p:cond delay="0"/>
+                                          </p:stCondLst>
+                                        </p:cTn>
+                                        <p:tgtEl>
+                                          <p:spTgt spid="16"/>
+                                        </p:tgtEl>
+                                        <p:attrNameLst>
+                                          <p:attrName>style.visibility</p:attrName>
+                                        </p:attrNameLst>
+                                      </p:cBhvr>
+                                      <p:to>
+                                        <p:strVal val="visible"/>
+                                      </p:to>
+                                    </p:set>
+                                  </p:childTnLst>
+                                </p:cTn>
+                              </p:par>
+                            </p:childTnLst>
+                          </p:cTn>
+                        </p:par>
+                      </p:childTnLst>
+                    </p:cTn>
+                  </p:par>
+                  <p:par>
+                    <p:cTn id="57" fill="hold">
+                      <p:stCondLst>
+                        <p:cond delay="indefinite"/>
+                      </p:stCondLst>
+                      <p:childTnLst>
+                        <p:par>
+                          <p:cTn id="58" fill="hold">
+                            <p:stCondLst>
+                              <p:cond delay="0"/>
+                            </p:stCondLst>
+                            <p:childTnLst>
+                              <p:par>
+                                <p:cTn id="59" presetID="1" presetClass="exit" presetSubtype="0" fill="hold" grpId="1" nodeType="clickEffect">
+                                  <p:stCondLst>
+                                    <p:cond delay="0"/>
+                                  </p:stCondLst>
+                                  <p:childTnLst>
+                                    <p:set>
+                                      <p:cBhvr>
+                                        <p:cTn id="60" dur="1" fill="hold">
+                                          <p:stCondLst>
+                                            <p:cond delay="0"/>
+                                          </p:stCondLst>
+                                        </p:cTn>
+                                        <p:tgtEl>
+                                          <p:spTgt spid="15"/>
+                                        </p:tgtEl>
+                                        <p:attrNameLst>
+                                          <p:attrName>style.visibility</p:attrName>
+                                        </p:attrNameLst>
+                                      </p:cBhvr>
+                                      <p:to>
+                                        <p:strVal val="hidden"/>
+                                      </p:to>
+                                    </p:set>
+                                  </p:childTnLst>
+                                </p:cTn>
+                              </p:par>
+                              <p:par>
+                                <p:cTn id="61" presetID="1" presetClass="exit" presetSubtype="0" fill="hold" nodeType="withEffect">
+                                  <p:stCondLst>
+                                    <p:cond delay="0"/>
+                                  </p:stCondLst>
+                                  <p:childTnLst>
+                                    <p:set>
+                                      <p:cBhvr>
+                                        <p:cTn id="62" dur="1" fill="hold">
+                                          <p:stCondLst>
+                                            <p:cond delay="0"/>
+                                          </p:stCondLst>
+                                        </p:cTn>
+                                        <p:tgtEl>
+                                          <p:spTgt spid="16"/>
+                                        </p:tgtEl>
+                                        <p:attrNameLst>
+                                          <p:attrName>style.visibility</p:attrName>
+                                        </p:attrNameLst>
+                                      </p:cBhvr>
+                                      <p:to>
+                                        <p:strVal val="hidden"/>
+                                      </p:to>
+                                    </p:set>
+                                  </p:childTnLst>
+                                </p:cTn>
+                              </p:par>
+                            </p:childTnLst>
+                          </p:cTn>
+                        </p:par>
+                      </p:childTnLst>
+                    </p:cTn>
+                  </p:par>
+                </p:childTnLst>
+              </p:cTn>
+              <p:prevCondLst>
+                <p:cond evt="onPrev" delay="0">
+                  <p:tgtEl>
+                    <p:sldTgt/>
+                  </p:tgtEl>
+                </p:cond>
+              </p:prevCondLst>
+              <p:nextCondLst>
+                <p:cond evt="onNext" delay="0">
+                  <p:tgtEl>
+                    <p:sldTgt/>
+                  </p:tgtEl>
+                </p:cond>
+              </p:nextCondLst>
+            </p:seq>
+          </p:childTnLst>
+        </p:cTn>
+      </p:par>
+    </p:tnLst>
+    <p:bldLst>
+      <p:bldP spid="5" grpId="0"/>
+      <p:bldP spid="5" grpId="1"/>
+      <p:bldP spid="9" grpId="0"/>
+      <p:bldP spid="9" grpId="1"/>
+      <p:bldP spid="11" grpId="0"/>
+      <p:bldP spid="11" grpId="1"/>
+      <p:bldP spid="13" grpId="0"/>
+      <p:bldP spid="13" grpId="1"/>
+      <p:bldP spid="15" grpId="0"/>
+      <p:bldP spid="15" grpId="1"/>
+    </p:bldLst>
+  </p:timing>
+</p:sld>
+</file>
+
+<file path=ppt/slides/slide13.xml><?xml version="1.0" encoding="utf-8"?>
+<p:sld xmlns:a="http://schemas.openxmlformats.org/drawingml/2006/main" xmlns:r="http://schemas.openxmlformats.org/officeDocument/2006/relationships" xmlns:p="http://schemas.openxmlformats.org/presentationml/2006/main">
+  <p:cSld>
+    <p:spTree>
+      <p:nvGrpSpPr>
+        <p:cNvPr id="1" name=""/>
+        <p:cNvGrpSpPr/>
+        <p:nvPr/>
+      </p:nvGrpSpPr>
+      <p:grpSpPr>
+        <a:xfrm>
+          <a:off x="0" y="0"/>
+          <a:ext cx="0" cy="0"/>
+          <a:chOff x="0" y="0"/>
+          <a:chExt cx="0" cy="0"/>
+        </a:xfrm>
+      </p:grpSpPr>
+      <p:sp>
+        <p:nvSpPr>
+          <p:cNvPr id="2" name="Title 1">
+            <a:extLst>
+              <a:ext uri="{FF2B5EF4-FFF2-40B4-BE49-F238E27FC236}">
+                <a16:creationId xmlns:a16="http://schemas.microsoft.com/office/drawing/2014/main" id="{F5DC3CBF-9879-3E47-9D88-415D2594DEF8}"/>
+              </a:ext>
+            </a:extLst>
+          </p:cNvPr>
+          <p:cNvSpPr>
+            <a:spLocks noGrp="1"/>
+          </p:cNvSpPr>
+          <p:nvPr>
+            <p:ph type="title"/>
+          </p:nvPr>
+        </p:nvSpPr>
+        <p:spPr/>
+        <p:txBody>
+          <a:bodyPr/>
+          <a:lstStyle/>
+          <a:p>
+            <a:r>
+              <a:rPr lang="en-US" dirty="0"/>
+              <a:t>Representation</a:t>
+            </a:r>
+          </a:p>
+        </p:txBody>
+      </p:sp>
+      <p:sp>
+        <p:nvSpPr>
+          <p:cNvPr id="3" name="Content Placeholder 2">
+            <a:extLst>
+              <a:ext uri="{FF2B5EF4-FFF2-40B4-BE49-F238E27FC236}">
+                <a16:creationId xmlns:a16="http://schemas.microsoft.com/office/drawing/2014/main" id="{F299849A-14A5-4740-86AE-3A5B3C02BCA1}"/>
+              </a:ext>
+            </a:extLst>
+          </p:cNvPr>
+          <p:cNvSpPr>
+            <a:spLocks noGrp="1"/>
+          </p:cNvSpPr>
+          <p:nvPr>
+            <p:ph idx="1"/>
+          </p:nvPr>
+        </p:nvSpPr>
+        <p:spPr/>
+        <p:txBody>
+          <a:bodyPr/>
+          <a:lstStyle/>
+          <a:p>
+            <a:r>
+              <a:rPr lang="en-US" dirty="0"/>
+              <a:t>Strings are represented in Unicode* and by type str</a:t>
+            </a:r>
+          </a:p>
+          <a:p>
+            <a:r>
+              <a:rPr lang="en-US" dirty="0"/>
+              <a:t>Strings are sequence of character(s)</a:t>
+            </a:r>
+          </a:p>
+          <a:p>
+            <a:r>
+              <a:rPr lang="en-US" dirty="0"/>
+              <a:t>Keep sequence in mind, we’ll keep coming back to it</a:t>
+            </a:r>
+          </a:p>
+          <a:p>
+            <a:r>
+              <a:rPr lang="en-US" dirty="0"/>
+              <a:t>Strings can be literal** such as “Whatever appears inside quotes; single or double is a string literal”</a:t>
+            </a:r>
+          </a:p>
+          <a:p>
+            <a:endParaRPr lang="en-US" dirty="0"/>
+          </a:p>
+          <a:p>
+            <a:r>
+              <a:rPr lang="en-US" i="1" dirty="0">
+                <a:latin typeface="Consolas" panose="020B0609020204030204" pitchFamily="49" charset="0"/>
+                <a:cs typeface="Consolas" panose="020B0609020204030204" pitchFamily="49" charset="0"/>
+              </a:rPr>
+              <a:t>* </a:t>
+            </a:r>
+            <a:r>
+              <a:rPr lang="en-US" i="1" dirty="0">
+                <a:latin typeface="Consolas" panose="020B0609020204030204" pitchFamily="49" charset="0"/>
+                <a:cs typeface="Consolas" panose="020B0609020204030204" pitchFamily="49" charset="0"/>
+                <a:hlinkClick r:id="rId2">
+                  <a:extLst>
+                    <a:ext uri="{A12FA001-AC4F-418D-AE19-62706E023703}">
+                      <ahyp:hlinkClr xmlns:ahyp="http://schemas.microsoft.com/office/drawing/2018/hyperlinkcolor" val="tx"/>
+                    </a:ext>
+                  </a:extLst>
+                </a:hlinkClick>
+              </a:rPr>
+              <a:t>https://en.wikipedia.org/wiki/Unicode</a:t>
+            </a:r>
+            <a:endParaRPr lang="en-US" i="1" dirty="0">
+              <a:latin typeface="Consolas" panose="020B0609020204030204" pitchFamily="49" charset="0"/>
+              <a:cs typeface="Consolas" panose="020B0609020204030204" pitchFamily="49" charset="0"/>
+            </a:endParaRPr>
+          </a:p>
+          <a:p>
+            <a:r>
+              <a:rPr lang="en-US" i="1" dirty="0">
+                <a:latin typeface="Consolas" panose="020B0609020204030204" pitchFamily="49" charset="0"/>
+                <a:cs typeface="Consolas" panose="020B0609020204030204" pitchFamily="49" charset="0"/>
+              </a:rPr>
+              <a:t>** These are allocated efficiently in memory by compilers and users cannot modify them</a:t>
+            </a:r>
+          </a:p>
+          <a:p>
+            <a:endParaRPr lang="en-US" dirty="0"/>
+          </a:p>
+        </p:txBody>
+      </p:sp>
+    </p:spTree>
+    <p:extLst>
+      <p:ext uri="{BB962C8B-B14F-4D97-AF65-F5344CB8AC3E}">
+        <p14:creationId xmlns:p14="http://schemas.microsoft.com/office/powerpoint/2010/main" val="195550787"/>
+      </p:ext>
+    </p:extLst>
+  </p:cSld>
+  <p:clrMapOvr>
+    <a:masterClrMapping/>
+  </p:clrMapOvr>
+</p:sld>
+</file>
+
+<file path=ppt/slides/slide14.xml><?xml version="1.0" encoding="utf-8"?>
 <p:sld xmlns:a="http://schemas.openxmlformats.org/drawingml/2006/main" xmlns:r="http://schemas.openxmlformats.org/officeDocument/2006/relationships" xmlns:p="http://schemas.openxmlformats.org/presentationml/2006/main">
   <p:cSld>
     <p:bg>
@@ -4623,7 +8426,7 @@
 </p:sld>
 </file>
 
-<file path=ppt/slides/slide11.xml><?xml version="1.0" encoding="utf-8"?>
+<file path=ppt/slides/slide15.xml><?xml version="1.0" encoding="utf-8"?>
 <p:sld xmlns:a="http://schemas.openxmlformats.org/drawingml/2006/main" xmlns:r="http://schemas.openxmlformats.org/officeDocument/2006/relationships" xmlns:p="http://schemas.openxmlformats.org/presentationml/2006/main">
   <p:cSld>
     <p:bg>
@@ -5137,7 +8940,7 @@
 </p:sld>
 </file>
 
-<file path=ppt/slides/slide12.xml><?xml version="1.0" encoding="utf-8"?>
+<file path=ppt/slides/slide16.xml><?xml version="1.0" encoding="utf-8"?>
 <p:sld xmlns:a="http://schemas.openxmlformats.org/drawingml/2006/main" xmlns:r="http://schemas.openxmlformats.org/officeDocument/2006/relationships" xmlns:p="http://schemas.openxmlformats.org/presentationml/2006/main">
   <p:cSld>
     <p:bg>
@@ -5431,7 +9234,7 @@
 </p:sld>
 </file>
 
-<file path=ppt/slides/slide13.xml><?xml version="1.0" encoding="utf-8"?>
+<file path=ppt/slides/slide17.xml><?xml version="1.0" encoding="utf-8"?>
 <p:sld xmlns:a="http://schemas.openxmlformats.org/drawingml/2006/main" xmlns:r="http://schemas.openxmlformats.org/officeDocument/2006/relationships" xmlns:p="http://schemas.openxmlformats.org/presentationml/2006/main">
   <p:cSld>
     <p:bg>
@@ -5515,13 +9318,13 @@
         </p:nvSpPr>
         <p:spPr>
           <a:xfrm>
-            <a:off x="1175512" y="2557849"/>
-            <a:ext cx="9792208" cy="3407862"/>
+            <a:off x="1068512" y="2557848"/>
+            <a:ext cx="9899208" cy="4130627"/>
           </a:xfrm>
         </p:spPr>
         <p:txBody>
           <a:bodyPr>
-            <a:normAutofit fontScale="62500" lnSpcReduction="20000"/>
+            <a:normAutofit fontScale="70000" lnSpcReduction="20000"/>
           </a:bodyPr>
           <a:lstStyle/>
           <a:p>
@@ -5614,6 +9417,42 @@
                   </a:schemeClr>
                 </a:solidFill>
               </a:rPr>
+              <a:t>$ python3 prog.py		</a:t>
+            </a:r>
+            <a:r>
+              <a:rPr lang="en-US" dirty="0">
+                <a:solidFill>
+                  <a:srgbClr val="D06A22"/>
+                </a:solidFill>
+              </a:rPr>
+              <a:t># </a:t>
+            </a:r>
+            <a:r>
+              <a:rPr lang="en-US" dirty="0" err="1">
+                <a:solidFill>
+                  <a:srgbClr val="D06A22"/>
+                </a:solidFill>
+              </a:rPr>
+              <a:t>sys.argv</a:t>
+            </a:r>
+            <a:r>
+              <a:rPr lang="en-US" dirty="0">
+                <a:solidFill>
+                  <a:srgbClr val="D06A22"/>
+                </a:solidFill>
+              </a:rPr>
+              <a:t> is [‘prog.py’]</a:t>
+            </a:r>
+          </a:p>
+          <a:p>
+            <a:r>
+              <a:rPr lang="en-US" dirty="0">
+                <a:solidFill>
+                  <a:schemeClr val="tx2">
+                    <a:lumMod val="75000"/>
+                  </a:schemeClr>
+                </a:solidFill>
+              </a:rPr>
               <a:t>$ python3 </a:t>
             </a:r>
             <a:r>
@@ -5634,14 +9473,20 @@
                   </a:schemeClr>
                 </a:solidFill>
               </a:rPr>
-              <a:t>	# </a:t>
+              <a:t> arg_1 arg_2	</a:t>
+            </a:r>
+            <a:r>
+              <a:rPr lang="en-US" dirty="0">
+                <a:solidFill>
+                  <a:srgbClr val="D06A22"/>
+                </a:solidFill>
+              </a:rPr>
+              <a:t># </a:t>
             </a:r>
             <a:r>
               <a:rPr lang="en-US" dirty="0" err="1">
                 <a:solidFill>
-                  <a:schemeClr val="tx2">
-                    <a:lumMod val="75000"/>
-                  </a:schemeClr>
+                  <a:srgbClr val="D06A22"/>
                 </a:solidFill>
               </a:rPr>
               <a:t>sys.argv</a:t>
@@ -5649,9 +9494,7 @@
             <a:r>
               <a:rPr lang="en-US" dirty="0">
                 <a:solidFill>
-                  <a:schemeClr val="tx2">
-                    <a:lumMod val="75000"/>
-                  </a:schemeClr>
+                  <a:srgbClr val="D06A22"/>
                 </a:solidFill>
               </a:rPr>
               <a:t> is [‘</a:t>
@@ -5659,9 +9502,7 @@
             <a:r>
               <a:rPr lang="en-US" dirty="0" err="1">
                 <a:solidFill>
-                  <a:schemeClr val="tx2">
-                    <a:lumMod val="75000"/>
-                  </a:schemeClr>
+                  <a:srgbClr val="D06A22"/>
                 </a:solidFill>
               </a:rPr>
               <a:t>prog.py</a:t>
@@ -5669,81 +9510,7 @@
             <a:r>
               <a:rPr lang="en-US" dirty="0">
                 <a:solidFill>
-                  <a:schemeClr val="tx2">
-                    <a:lumMod val="75000"/>
-                  </a:schemeClr>
-                </a:solidFill>
-              </a:rPr>
-              <a:t>’]</a:t>
-            </a:r>
-          </a:p>
-          <a:p>
-            <a:r>
-              <a:rPr lang="en-US" dirty="0">
-                <a:solidFill>
-                  <a:schemeClr val="tx2">
-                    <a:lumMod val="75000"/>
-                  </a:schemeClr>
-                </a:solidFill>
-              </a:rPr>
-              <a:t>$ python3 </a:t>
-            </a:r>
-            <a:r>
-              <a:rPr lang="en-US" dirty="0" err="1">
-                <a:solidFill>
-                  <a:schemeClr val="tx2">
-                    <a:lumMod val="75000"/>
-                  </a:schemeClr>
-                </a:solidFill>
-              </a:rPr>
-              <a:t>prog.py</a:t>
-            </a:r>
-            <a:r>
-              <a:rPr lang="en-US" dirty="0">
-                <a:solidFill>
-                  <a:schemeClr val="tx2">
-                    <a:lumMod val="75000"/>
-                  </a:schemeClr>
-                </a:solidFill>
-              </a:rPr>
-              <a:t> arg_1 arg_2	# </a:t>
-            </a:r>
-            <a:r>
-              <a:rPr lang="en-US" dirty="0" err="1">
-                <a:solidFill>
-                  <a:schemeClr val="tx2">
-                    <a:lumMod val="75000"/>
-                  </a:schemeClr>
-                </a:solidFill>
-              </a:rPr>
-              <a:t>sys.argv</a:t>
-            </a:r>
-            <a:r>
-              <a:rPr lang="en-US" dirty="0">
-                <a:solidFill>
-                  <a:schemeClr val="tx2">
-                    <a:lumMod val="75000"/>
-                  </a:schemeClr>
-                </a:solidFill>
-              </a:rPr>
-              <a:t> is [‘</a:t>
-            </a:r>
-            <a:r>
-              <a:rPr lang="en-US" dirty="0" err="1">
-                <a:solidFill>
-                  <a:schemeClr val="tx2">
-                    <a:lumMod val="75000"/>
-                  </a:schemeClr>
-                </a:solidFill>
-              </a:rPr>
-              <a:t>prog.py</a:t>
-            </a:r>
-            <a:r>
-              <a:rPr lang="en-US" dirty="0">
-                <a:solidFill>
-                  <a:schemeClr val="tx2">
-                    <a:lumMod val="75000"/>
-                  </a:schemeClr>
+                  <a:srgbClr val="D06A22"/>
                 </a:solidFill>
               </a:rPr>
               <a:t>’, ‘arg_1’, ‘arg_2’]</a:t>
@@ -6042,7 +9809,7 @@
 </p:sld>
 </file>
 
-<file path=ppt/slides/slide14.xml><?xml version="1.0" encoding="utf-8"?>
+<file path=ppt/slides/slide18.xml><?xml version="1.0" encoding="utf-8"?>
 <p:sld xmlns:a="http://schemas.openxmlformats.org/drawingml/2006/main" xmlns:r="http://schemas.openxmlformats.org/officeDocument/2006/relationships" xmlns:p="http://schemas.openxmlformats.org/presentationml/2006/main">
   <p:cSld>
     <p:bg>
@@ -6335,7 +10102,7 @@
 </p:sld>
 </file>
 
-<file path=ppt/slides/slide15.xml><?xml version="1.0" encoding="utf-8"?>
+<file path=ppt/slides/slide19.xml><?xml version="1.0" encoding="utf-8"?>
 <p:sld xmlns:a="http://schemas.openxmlformats.org/drawingml/2006/main" xmlns:r="http://schemas.openxmlformats.org/officeDocument/2006/relationships" xmlns:p="http://schemas.openxmlformats.org/presentationml/2006/main">
   <p:cSld>
     <p:bg>
@@ -6581,836 +10348,6 @@
       </p:grpSpPr>
       <p:sp>
         <p:nvSpPr>
-          <p:cNvPr id="2" name="Title 1">
-            <a:extLst>
-              <a:ext uri="{FF2B5EF4-FFF2-40B4-BE49-F238E27FC236}">
-                <a16:creationId xmlns:a16="http://schemas.microsoft.com/office/drawing/2014/main" id="{9E95490D-6DAA-284D-B023-120031A28F47}"/>
-              </a:ext>
-            </a:extLst>
-          </p:cNvPr>
-          <p:cNvSpPr>
-            <a:spLocks noGrp="1"/>
-          </p:cNvSpPr>
-          <p:nvPr>
-            <p:ph type="title"/>
-          </p:nvPr>
-        </p:nvSpPr>
-        <p:spPr>
-          <a:xfrm>
-            <a:off x="1175512" y="418357"/>
-            <a:ext cx="9792208" cy="1527078"/>
-          </a:xfrm>
-        </p:spPr>
-        <p:txBody>
-          <a:bodyPr>
-            <a:normAutofit/>
-          </a:bodyPr>
-          <a:lstStyle/>
-          <a:p>
-            <a:r>
-              <a:rPr lang="en-US" dirty="0">
-                <a:solidFill>
-                  <a:schemeClr val="tx2"/>
-                </a:solidFill>
-              </a:rPr>
-              <a:t>Conditional statements</a:t>
-            </a:r>
-          </a:p>
-        </p:txBody>
-      </p:sp>
-      <p:sp>
-        <p:nvSpPr>
-          <p:cNvPr id="4" name="Rounded Rectangle 3">
-            <a:extLst>
-              <a:ext uri="{FF2B5EF4-FFF2-40B4-BE49-F238E27FC236}">
-                <a16:creationId xmlns:a16="http://schemas.microsoft.com/office/drawing/2014/main" id="{A9194EA6-4EE4-E042-A4DA-4879C165CB4D}"/>
-              </a:ext>
-            </a:extLst>
-          </p:cNvPr>
-          <p:cNvSpPr/>
-          <p:nvPr/>
-        </p:nvSpPr>
-        <p:spPr>
-          <a:xfrm>
-            <a:off x="6096000" y="2552369"/>
-            <a:ext cx="4871720" cy="3435499"/>
-          </a:xfrm>
-          <a:prstGeom prst="roundRect">
-            <a:avLst/>
-          </a:prstGeom>
-        </p:spPr>
-        <p:style>
-          <a:lnRef idx="2">
-            <a:schemeClr val="accent1">
-              <a:shade val="50000"/>
-            </a:schemeClr>
-          </a:lnRef>
-          <a:fillRef idx="1">
-            <a:schemeClr val="accent1"/>
-          </a:fillRef>
-          <a:effectRef idx="0">
-            <a:schemeClr val="accent1"/>
-          </a:effectRef>
-          <a:fontRef idx="minor">
-            <a:schemeClr val="lt1"/>
-          </a:fontRef>
-        </p:style>
-        <p:txBody>
-          <a:bodyPr rtlCol="0" anchor="ctr"/>
-          <a:lstStyle/>
-          <a:p>
-            <a:pPr algn="ctr"/>
-            <a:endParaRPr lang="en-US" dirty="0"/>
-          </a:p>
-        </p:txBody>
-      </p:sp>
-      <p:sp>
-        <p:nvSpPr>
-          <p:cNvPr id="5" name="TextBox 4">
-            <a:extLst>
-              <a:ext uri="{FF2B5EF4-FFF2-40B4-BE49-F238E27FC236}">
-                <a16:creationId xmlns:a16="http://schemas.microsoft.com/office/drawing/2014/main" id="{3A491FEC-EAA1-334F-9C2E-4788D8E7B30E}"/>
-              </a:ext>
-            </a:extLst>
-          </p:cNvPr>
-          <p:cNvSpPr txBox="1"/>
-          <p:nvPr/>
-        </p:nvSpPr>
-        <p:spPr>
-          <a:xfrm>
-            <a:off x="6756649" y="2623875"/>
-            <a:ext cx="2893741" cy="646331"/>
-          </a:xfrm>
-          <a:prstGeom prst="rect">
-            <a:avLst/>
-          </a:prstGeom>
-          <a:noFill/>
-        </p:spPr>
-        <p:txBody>
-          <a:bodyPr wrap="none" rtlCol="0">
-            <a:spAutoFit/>
-          </a:bodyPr>
-          <a:lstStyle/>
-          <a:p>
-            <a:r>
-              <a:rPr lang="en-US" dirty="0"/>
-              <a:t>Universe: Set of all states</a:t>
-            </a:r>
-          </a:p>
-          <a:p>
-            <a:endParaRPr lang="en-US" dirty="0"/>
-          </a:p>
-        </p:txBody>
-      </p:sp>
-      <p:sp>
-        <p:nvSpPr>
-          <p:cNvPr id="6" name="Rounded Rectangle 5">
-            <a:extLst>
-              <a:ext uri="{FF2B5EF4-FFF2-40B4-BE49-F238E27FC236}">
-                <a16:creationId xmlns:a16="http://schemas.microsoft.com/office/drawing/2014/main" id="{2A5B29C7-77A5-BC42-B34C-29628CAC8B55}"/>
-              </a:ext>
-            </a:extLst>
-          </p:cNvPr>
-          <p:cNvSpPr/>
-          <p:nvPr/>
-        </p:nvSpPr>
-        <p:spPr>
-          <a:xfrm>
-            <a:off x="6376947" y="3183872"/>
-            <a:ext cx="1097280" cy="993913"/>
-          </a:xfrm>
-          <a:prstGeom prst="roundRect">
-            <a:avLst/>
-          </a:prstGeom>
-          <a:solidFill>
-            <a:schemeClr val="bg2">
-              <a:lumMod val="75000"/>
-            </a:schemeClr>
-          </a:solidFill>
-        </p:spPr>
-        <p:style>
-          <a:lnRef idx="2">
-            <a:schemeClr val="accent1">
-              <a:shade val="50000"/>
-            </a:schemeClr>
-          </a:lnRef>
-          <a:fillRef idx="1">
-            <a:schemeClr val="accent1"/>
-          </a:fillRef>
-          <a:effectRef idx="0">
-            <a:schemeClr val="accent1"/>
-          </a:effectRef>
-          <a:fontRef idx="minor">
-            <a:schemeClr val="lt1"/>
-          </a:fontRef>
-        </p:style>
-        <p:txBody>
-          <a:bodyPr rtlCol="0" anchor="ctr"/>
-          <a:lstStyle/>
-          <a:p>
-            <a:pPr algn="ctr"/>
-            <a:endParaRPr lang="en-US"/>
-          </a:p>
-        </p:txBody>
-      </p:sp>
-      <p:sp>
-        <p:nvSpPr>
-          <p:cNvPr id="9" name="TextBox 8">
-            <a:extLst>
-              <a:ext uri="{FF2B5EF4-FFF2-40B4-BE49-F238E27FC236}">
-                <a16:creationId xmlns:a16="http://schemas.microsoft.com/office/drawing/2014/main" id="{B6E6A084-9FB8-2C4A-AB94-5662E5F5645D}"/>
-              </a:ext>
-            </a:extLst>
-          </p:cNvPr>
-          <p:cNvSpPr txBox="1"/>
-          <p:nvPr/>
-        </p:nvSpPr>
-        <p:spPr>
-          <a:xfrm>
-            <a:off x="6324849" y="3442361"/>
-            <a:ext cx="1204177" cy="646331"/>
-          </a:xfrm>
-          <a:prstGeom prst="rect">
-            <a:avLst/>
-          </a:prstGeom>
-          <a:noFill/>
-        </p:spPr>
-        <p:txBody>
-          <a:bodyPr wrap="none" rtlCol="0">
-            <a:spAutoFit/>
-          </a:bodyPr>
-          <a:lstStyle/>
-          <a:p>
-            <a:pPr algn="ctr"/>
-            <a:r>
-              <a:rPr lang="en-US" sz="1200" dirty="0">
-                <a:latin typeface="Consolas" panose="020B0609020204030204" pitchFamily="49" charset="0"/>
-                <a:cs typeface="Consolas" panose="020B0609020204030204" pitchFamily="49" charset="0"/>
-              </a:rPr>
-              <a:t>condition_1 </a:t>
-            </a:r>
-          </a:p>
-          <a:p>
-            <a:pPr algn="ctr"/>
-            <a:r>
-              <a:rPr lang="en-US" sz="1200" dirty="0">
-                <a:latin typeface="Consolas" panose="020B0609020204030204" pitchFamily="49" charset="0"/>
-                <a:cs typeface="Consolas" panose="020B0609020204030204" pitchFamily="49" charset="0"/>
-              </a:rPr>
-              <a:t>== </a:t>
-            </a:r>
-          </a:p>
-          <a:p>
-            <a:pPr algn="ctr"/>
-            <a:r>
-              <a:rPr lang="en-US" sz="1200" dirty="0">
-                <a:latin typeface="Consolas" panose="020B0609020204030204" pitchFamily="49" charset="0"/>
-                <a:cs typeface="Consolas" panose="020B0609020204030204" pitchFamily="49" charset="0"/>
-              </a:rPr>
-              <a:t>True</a:t>
-            </a:r>
-          </a:p>
-        </p:txBody>
-      </p:sp>
-      <p:sp>
-        <p:nvSpPr>
-          <p:cNvPr id="11" name="Rounded Rectangle 10">
-            <a:extLst>
-              <a:ext uri="{FF2B5EF4-FFF2-40B4-BE49-F238E27FC236}">
-                <a16:creationId xmlns:a16="http://schemas.microsoft.com/office/drawing/2014/main" id="{FB7B1BEE-B809-5148-8457-404D4BAB32CA}"/>
-              </a:ext>
-            </a:extLst>
-          </p:cNvPr>
-          <p:cNvSpPr/>
-          <p:nvPr/>
-        </p:nvSpPr>
-        <p:spPr>
-          <a:xfrm>
-            <a:off x="9728889" y="4509834"/>
-            <a:ext cx="1097280" cy="993913"/>
-          </a:xfrm>
-          <a:prstGeom prst="roundRect">
-            <a:avLst/>
-          </a:prstGeom>
-          <a:solidFill>
-            <a:srgbClr val="92D050"/>
-          </a:solidFill>
-        </p:spPr>
-        <p:style>
-          <a:lnRef idx="2">
-            <a:schemeClr val="accent1">
-              <a:shade val="50000"/>
-            </a:schemeClr>
-          </a:lnRef>
-          <a:fillRef idx="1">
-            <a:schemeClr val="accent1"/>
-          </a:fillRef>
-          <a:effectRef idx="0">
-            <a:schemeClr val="accent1"/>
-          </a:effectRef>
-          <a:fontRef idx="minor">
-            <a:schemeClr val="lt1"/>
-          </a:fontRef>
-        </p:style>
-        <p:txBody>
-          <a:bodyPr rtlCol="0" anchor="ctr"/>
-          <a:lstStyle/>
-          <a:p>
-            <a:pPr algn="ctr"/>
-            <a:endParaRPr lang="en-US"/>
-          </a:p>
-        </p:txBody>
-      </p:sp>
-      <p:sp>
-        <p:nvSpPr>
-          <p:cNvPr id="12" name="TextBox 11">
-            <a:extLst>
-              <a:ext uri="{FF2B5EF4-FFF2-40B4-BE49-F238E27FC236}">
-                <a16:creationId xmlns:a16="http://schemas.microsoft.com/office/drawing/2014/main" id="{D3205C27-98C9-4940-9B52-6E97B1B9E07B}"/>
-              </a:ext>
-            </a:extLst>
-          </p:cNvPr>
-          <p:cNvSpPr txBox="1"/>
-          <p:nvPr/>
-        </p:nvSpPr>
-        <p:spPr>
-          <a:xfrm>
-            <a:off x="9676791" y="4683624"/>
-            <a:ext cx="1204177" cy="646331"/>
-          </a:xfrm>
-          <a:prstGeom prst="rect">
-            <a:avLst/>
-          </a:prstGeom>
-          <a:noFill/>
-        </p:spPr>
-        <p:txBody>
-          <a:bodyPr wrap="none" rtlCol="0">
-            <a:spAutoFit/>
-          </a:bodyPr>
-          <a:lstStyle/>
-          <a:p>
-            <a:pPr algn="ctr"/>
-            <a:r>
-              <a:rPr lang="en-US" sz="1200" dirty="0">
-                <a:latin typeface="Consolas" panose="020B0609020204030204" pitchFamily="49" charset="0"/>
-                <a:cs typeface="Consolas" panose="020B0609020204030204" pitchFamily="49" charset="0"/>
-              </a:rPr>
-              <a:t>condition_2 </a:t>
-            </a:r>
-          </a:p>
-          <a:p>
-            <a:pPr algn="ctr"/>
-            <a:r>
-              <a:rPr lang="en-US" sz="1200" dirty="0">
-                <a:latin typeface="Consolas" panose="020B0609020204030204" pitchFamily="49" charset="0"/>
-                <a:cs typeface="Consolas" panose="020B0609020204030204" pitchFamily="49" charset="0"/>
-              </a:rPr>
-              <a:t>== </a:t>
-            </a:r>
-          </a:p>
-          <a:p>
-            <a:pPr algn="ctr"/>
-            <a:r>
-              <a:rPr lang="en-US" sz="1200" dirty="0">
-                <a:latin typeface="Consolas" panose="020B0609020204030204" pitchFamily="49" charset="0"/>
-                <a:cs typeface="Consolas" panose="020B0609020204030204" pitchFamily="49" charset="0"/>
-              </a:rPr>
-              <a:t>True</a:t>
-            </a:r>
-          </a:p>
-        </p:txBody>
-      </p:sp>
-      <p:sp>
-        <p:nvSpPr>
-          <p:cNvPr id="13" name="Rounded Rectangle 12">
-            <a:extLst>
-              <a:ext uri="{FF2B5EF4-FFF2-40B4-BE49-F238E27FC236}">
-                <a16:creationId xmlns:a16="http://schemas.microsoft.com/office/drawing/2014/main" id="{87E5211E-CA6E-CE49-8B6F-3A10D95C1C2A}"/>
-              </a:ext>
-            </a:extLst>
-          </p:cNvPr>
-          <p:cNvSpPr/>
-          <p:nvPr/>
-        </p:nvSpPr>
-        <p:spPr>
-          <a:xfrm>
-            <a:off x="7833361" y="4807653"/>
-            <a:ext cx="1097280" cy="993913"/>
-          </a:xfrm>
-          <a:prstGeom prst="roundRect">
-            <a:avLst/>
-          </a:prstGeom>
-          <a:solidFill>
-            <a:srgbClr val="FFFF00"/>
-          </a:solidFill>
-        </p:spPr>
-        <p:style>
-          <a:lnRef idx="2">
-            <a:schemeClr val="accent1">
-              <a:shade val="50000"/>
-            </a:schemeClr>
-          </a:lnRef>
-          <a:fillRef idx="1">
-            <a:schemeClr val="accent1"/>
-          </a:fillRef>
-          <a:effectRef idx="0">
-            <a:schemeClr val="accent1"/>
-          </a:effectRef>
-          <a:fontRef idx="minor">
-            <a:schemeClr val="lt1"/>
-          </a:fontRef>
-        </p:style>
-        <p:txBody>
-          <a:bodyPr rtlCol="0" anchor="ctr"/>
-          <a:lstStyle/>
-          <a:p>
-            <a:pPr algn="ctr"/>
-            <a:endParaRPr lang="en-US"/>
-          </a:p>
-        </p:txBody>
-      </p:sp>
-      <p:sp>
-        <p:nvSpPr>
-          <p:cNvPr id="14" name="TextBox 13">
-            <a:extLst>
-              <a:ext uri="{FF2B5EF4-FFF2-40B4-BE49-F238E27FC236}">
-                <a16:creationId xmlns:a16="http://schemas.microsoft.com/office/drawing/2014/main" id="{ECD3F22E-5A64-4B46-8EBD-92A00F4262F6}"/>
-              </a:ext>
-            </a:extLst>
-          </p:cNvPr>
-          <p:cNvSpPr txBox="1"/>
-          <p:nvPr/>
-        </p:nvSpPr>
-        <p:spPr>
-          <a:xfrm>
-            <a:off x="7781263" y="5066142"/>
-            <a:ext cx="1204177" cy="646331"/>
-          </a:xfrm>
-          <a:prstGeom prst="rect">
-            <a:avLst/>
-          </a:prstGeom>
-          <a:noFill/>
-        </p:spPr>
-        <p:txBody>
-          <a:bodyPr wrap="none" rtlCol="0">
-            <a:spAutoFit/>
-          </a:bodyPr>
-          <a:lstStyle/>
-          <a:p>
-            <a:pPr algn="ctr"/>
-            <a:r>
-              <a:rPr lang="en-US" sz="1200" dirty="0">
-                <a:latin typeface="Consolas" panose="020B0609020204030204" pitchFamily="49" charset="0"/>
-                <a:cs typeface="Consolas" panose="020B0609020204030204" pitchFamily="49" charset="0"/>
-              </a:rPr>
-              <a:t>condition_3 </a:t>
-            </a:r>
-          </a:p>
-          <a:p>
-            <a:pPr algn="ctr"/>
-            <a:r>
-              <a:rPr lang="en-US" sz="1200" dirty="0">
-                <a:latin typeface="Consolas" panose="020B0609020204030204" pitchFamily="49" charset="0"/>
-                <a:cs typeface="Consolas" panose="020B0609020204030204" pitchFamily="49" charset="0"/>
-              </a:rPr>
-              <a:t>== </a:t>
-            </a:r>
-          </a:p>
-          <a:p>
-            <a:pPr algn="ctr"/>
-            <a:r>
-              <a:rPr lang="en-US" sz="1200" dirty="0">
-                <a:latin typeface="Consolas" panose="020B0609020204030204" pitchFamily="49" charset="0"/>
-                <a:cs typeface="Consolas" panose="020B0609020204030204" pitchFamily="49" charset="0"/>
-              </a:rPr>
-              <a:t>True</a:t>
-            </a:r>
-          </a:p>
-        </p:txBody>
-      </p:sp>
-      <p:sp>
-        <p:nvSpPr>
-          <p:cNvPr id="7" name="TextBox 6">
-            <a:extLst>
-              <a:ext uri="{FF2B5EF4-FFF2-40B4-BE49-F238E27FC236}">
-                <a16:creationId xmlns:a16="http://schemas.microsoft.com/office/drawing/2014/main" id="{9F7C2D59-A944-1348-A50D-E4B1D590106B}"/>
-              </a:ext>
-            </a:extLst>
-          </p:cNvPr>
-          <p:cNvSpPr txBox="1"/>
-          <p:nvPr/>
-        </p:nvSpPr>
-        <p:spPr>
-          <a:xfrm>
-            <a:off x="7648706" y="3063671"/>
-            <a:ext cx="3350597" cy="1200329"/>
-          </a:xfrm>
-          <a:prstGeom prst="rect">
-            <a:avLst/>
-          </a:prstGeom>
-          <a:noFill/>
-        </p:spPr>
-        <p:txBody>
-          <a:bodyPr wrap="none" rtlCol="0">
-            <a:spAutoFit/>
-          </a:bodyPr>
-          <a:lstStyle/>
-          <a:p>
-            <a:r>
-              <a:rPr lang="en-US" dirty="0"/>
-              <a:t>Here, </a:t>
-            </a:r>
-          </a:p>
-          <a:p>
-            <a:r>
-              <a:rPr lang="en-US" dirty="0">
-                <a:latin typeface="Consolas" panose="020B0609020204030204" pitchFamily="49" charset="0"/>
-                <a:cs typeface="Consolas" panose="020B0609020204030204" pitchFamily="49" charset="0"/>
-              </a:rPr>
-              <a:t>condition_1 == False </a:t>
-            </a:r>
-          </a:p>
-          <a:p>
-            <a:r>
-              <a:rPr lang="en-US" dirty="0">
-                <a:latin typeface="Consolas" panose="020B0609020204030204" pitchFamily="49" charset="0"/>
-                <a:cs typeface="Consolas" panose="020B0609020204030204" pitchFamily="49" charset="0"/>
-              </a:rPr>
-              <a:t>and condition_2 == False </a:t>
-            </a:r>
-          </a:p>
-          <a:p>
-            <a:r>
-              <a:rPr lang="en-US" dirty="0">
-                <a:latin typeface="Consolas" panose="020B0609020204030204" pitchFamily="49" charset="0"/>
-                <a:cs typeface="Consolas" panose="020B0609020204030204" pitchFamily="49" charset="0"/>
-              </a:rPr>
-              <a:t>and condition_3 == False</a:t>
-            </a:r>
-          </a:p>
-        </p:txBody>
-      </p:sp>
-      <p:sp>
-        <p:nvSpPr>
-          <p:cNvPr id="15" name="TextBox 14">
-            <a:extLst>
-              <a:ext uri="{FF2B5EF4-FFF2-40B4-BE49-F238E27FC236}">
-                <a16:creationId xmlns:a16="http://schemas.microsoft.com/office/drawing/2014/main" id="{7CE6CE9C-F282-0046-B314-689EFC9DE483}"/>
-              </a:ext>
-            </a:extLst>
-          </p:cNvPr>
-          <p:cNvSpPr txBox="1"/>
-          <p:nvPr/>
-        </p:nvSpPr>
-        <p:spPr>
-          <a:xfrm>
-            <a:off x="1310343" y="2034528"/>
-            <a:ext cx="3749274" cy="4278094"/>
-          </a:xfrm>
-          <a:prstGeom prst="rect">
-            <a:avLst/>
-          </a:prstGeom>
-          <a:solidFill>
-            <a:schemeClr val="tx1">
-              <a:lumMod val="85000"/>
-              <a:lumOff val="15000"/>
-            </a:schemeClr>
-          </a:solidFill>
-        </p:spPr>
-        <p:txBody>
-          <a:bodyPr wrap="square" rtlCol="0">
-            <a:spAutoFit/>
-          </a:bodyPr>
-          <a:lstStyle/>
-          <a:p>
-            <a:r>
-              <a:rPr lang="en-US" sz="1600" b="1" dirty="0">
-                <a:solidFill>
-                  <a:schemeClr val="bg2">
-                    <a:lumMod val="75000"/>
-                  </a:schemeClr>
-                </a:solidFill>
-                <a:latin typeface="Consolas" panose="020B0609020204030204" pitchFamily="49" charset="0"/>
-                <a:cs typeface="Consolas" panose="020B0609020204030204" pitchFamily="49" charset="0"/>
-              </a:rPr>
-              <a:t>If</a:t>
-            </a:r>
-            <a:r>
-              <a:rPr lang="en-US" sz="1600" dirty="0">
-                <a:solidFill>
-                  <a:schemeClr val="bg2">
-                    <a:lumMod val="75000"/>
-                  </a:schemeClr>
-                </a:solidFill>
-                <a:latin typeface="Consolas" panose="020B0609020204030204" pitchFamily="49" charset="0"/>
-                <a:cs typeface="Consolas" panose="020B0609020204030204" pitchFamily="49" charset="0"/>
-              </a:rPr>
-              <a:t> condition_1 == True:</a:t>
-            </a:r>
-          </a:p>
-          <a:p>
-            <a:pPr lvl="1"/>
-            <a:r>
-              <a:rPr lang="en-US" sz="1600" dirty="0">
-                <a:solidFill>
-                  <a:schemeClr val="bg2">
-                    <a:lumMod val="75000"/>
-                  </a:schemeClr>
-                </a:solidFill>
-                <a:latin typeface="Consolas" panose="020B0609020204030204" pitchFamily="49" charset="0"/>
-                <a:cs typeface="Consolas" panose="020B0609020204030204" pitchFamily="49" charset="0"/>
-              </a:rPr>
-              <a:t># do thing 1</a:t>
-            </a:r>
-          </a:p>
-          <a:p>
-            <a:pPr lvl="1"/>
-            <a:r>
-              <a:rPr lang="en-US" sz="1600" dirty="0">
-                <a:solidFill>
-                  <a:schemeClr val="bg2">
-                    <a:lumMod val="75000"/>
-                  </a:schemeClr>
-                </a:solidFill>
-                <a:latin typeface="Consolas" panose="020B0609020204030204" pitchFamily="49" charset="0"/>
-                <a:cs typeface="Consolas" panose="020B0609020204030204" pitchFamily="49" charset="0"/>
-              </a:rPr>
-              <a:t># do thing 2</a:t>
-            </a:r>
-          </a:p>
-          <a:p>
-            <a:pPr lvl="1"/>
-            <a:r>
-              <a:rPr lang="en-US" sz="1600" i="1" dirty="0">
-                <a:solidFill>
-                  <a:schemeClr val="bg2">
-                    <a:lumMod val="75000"/>
-                  </a:schemeClr>
-                </a:solidFill>
-                <a:latin typeface="Consolas" panose="020B0609020204030204" pitchFamily="49" charset="0"/>
-                <a:cs typeface="Consolas" panose="020B0609020204030204" pitchFamily="49" charset="0"/>
-              </a:rPr>
-              <a:t># notice the indentation</a:t>
-            </a:r>
-          </a:p>
-          <a:p>
-            <a:r>
-              <a:rPr lang="en-US" sz="1600" b="1" dirty="0">
-                <a:solidFill>
-                  <a:srgbClr val="92D050"/>
-                </a:solidFill>
-                <a:latin typeface="Consolas" panose="020B0609020204030204" pitchFamily="49" charset="0"/>
-                <a:cs typeface="Consolas" panose="020B0609020204030204" pitchFamily="49" charset="0"/>
-              </a:rPr>
-              <a:t>elif</a:t>
-            </a:r>
-            <a:r>
-              <a:rPr lang="en-US" sz="1600" dirty="0">
-                <a:solidFill>
-                  <a:srgbClr val="92D050"/>
-                </a:solidFill>
-                <a:latin typeface="Consolas" panose="020B0609020204030204" pitchFamily="49" charset="0"/>
-                <a:cs typeface="Consolas" panose="020B0609020204030204" pitchFamily="49" charset="0"/>
-              </a:rPr>
-              <a:t> condition_2 == True:</a:t>
-            </a:r>
-          </a:p>
-          <a:p>
-            <a:pPr lvl="1"/>
-            <a:r>
-              <a:rPr lang="en-US" sz="1600" dirty="0">
-                <a:solidFill>
-                  <a:srgbClr val="92D050"/>
-                </a:solidFill>
-                <a:latin typeface="Consolas" panose="020B0609020204030204" pitchFamily="49" charset="0"/>
-                <a:cs typeface="Consolas" panose="020B0609020204030204" pitchFamily="49" charset="0"/>
-              </a:rPr>
-              <a:t># do thing 3</a:t>
-            </a:r>
-          </a:p>
-          <a:p>
-            <a:pPr lvl="1"/>
-            <a:r>
-              <a:rPr lang="en-US" sz="1600" dirty="0">
-                <a:solidFill>
-                  <a:srgbClr val="92D050"/>
-                </a:solidFill>
-                <a:latin typeface="Consolas" panose="020B0609020204030204" pitchFamily="49" charset="0"/>
-                <a:cs typeface="Consolas" panose="020B0609020204030204" pitchFamily="49" charset="0"/>
-              </a:rPr>
-              <a:t># do thing 4</a:t>
-            </a:r>
-          </a:p>
-          <a:p>
-            <a:pPr lvl="1"/>
-            <a:r>
-              <a:rPr lang="en-US" sz="1600" i="1" dirty="0">
-                <a:solidFill>
-                  <a:srgbClr val="92D050"/>
-                </a:solidFill>
-                <a:latin typeface="Consolas" panose="020B0609020204030204" pitchFamily="49" charset="0"/>
-                <a:cs typeface="Consolas" panose="020B0609020204030204" pitchFamily="49" charset="0"/>
-              </a:rPr>
-              <a:t># notice the indentation</a:t>
-            </a:r>
-          </a:p>
-          <a:p>
-            <a:r>
-              <a:rPr lang="en-US" sz="1600" b="1" dirty="0">
-                <a:solidFill>
-                  <a:srgbClr val="FFFF00"/>
-                </a:solidFill>
-                <a:latin typeface="Consolas" panose="020B0609020204030204" pitchFamily="49" charset="0"/>
-                <a:cs typeface="Consolas" panose="020B0609020204030204" pitchFamily="49" charset="0"/>
-              </a:rPr>
-              <a:t>elif</a:t>
-            </a:r>
-            <a:r>
-              <a:rPr lang="en-US" sz="1600" dirty="0">
-                <a:solidFill>
-                  <a:srgbClr val="FFFF00"/>
-                </a:solidFill>
-                <a:latin typeface="Consolas" panose="020B0609020204030204" pitchFamily="49" charset="0"/>
-                <a:cs typeface="Consolas" panose="020B0609020204030204" pitchFamily="49" charset="0"/>
-              </a:rPr>
-              <a:t> condition_3 == True:</a:t>
-            </a:r>
-          </a:p>
-          <a:p>
-            <a:pPr lvl="1"/>
-            <a:r>
-              <a:rPr lang="en-US" sz="1600" dirty="0">
-                <a:solidFill>
-                  <a:srgbClr val="FFFF00"/>
-                </a:solidFill>
-                <a:latin typeface="Consolas" panose="020B0609020204030204" pitchFamily="49" charset="0"/>
-                <a:cs typeface="Consolas" panose="020B0609020204030204" pitchFamily="49" charset="0"/>
-              </a:rPr>
-              <a:t># do thing 5</a:t>
-            </a:r>
-          </a:p>
-          <a:p>
-            <a:pPr lvl="1"/>
-            <a:r>
-              <a:rPr lang="en-US" sz="1600" dirty="0">
-                <a:solidFill>
-                  <a:srgbClr val="FFFF00"/>
-                </a:solidFill>
-                <a:latin typeface="Consolas" panose="020B0609020204030204" pitchFamily="49" charset="0"/>
-                <a:cs typeface="Consolas" panose="020B0609020204030204" pitchFamily="49" charset="0"/>
-              </a:rPr>
-              <a:t># do thing 6</a:t>
-            </a:r>
-          </a:p>
-          <a:p>
-            <a:pPr lvl="1"/>
-            <a:r>
-              <a:rPr lang="en-US" sz="1600" i="1" dirty="0">
-                <a:solidFill>
-                  <a:srgbClr val="FFFF00"/>
-                </a:solidFill>
-                <a:latin typeface="Consolas" panose="020B0609020204030204" pitchFamily="49" charset="0"/>
-                <a:cs typeface="Consolas" panose="020B0609020204030204" pitchFamily="49" charset="0"/>
-              </a:rPr>
-              <a:t># notice the indentation</a:t>
-            </a:r>
-          </a:p>
-          <a:p>
-            <a:r>
-              <a:rPr lang="en-US" sz="1600" i="1" dirty="0">
-                <a:solidFill>
-                  <a:schemeClr val="accent1"/>
-                </a:solidFill>
-                <a:latin typeface="Consolas" panose="020B0609020204030204" pitchFamily="49" charset="0"/>
-                <a:cs typeface="Consolas" panose="020B0609020204030204" pitchFamily="49" charset="0"/>
-              </a:rPr>
-              <a:t>else:</a:t>
-            </a:r>
-          </a:p>
-          <a:p>
-            <a:pPr lvl="1"/>
-            <a:r>
-              <a:rPr lang="en-US" sz="1600" dirty="0">
-                <a:solidFill>
-                  <a:schemeClr val="accent1"/>
-                </a:solidFill>
-                <a:latin typeface="Consolas" panose="020B0609020204030204" pitchFamily="49" charset="0"/>
-                <a:cs typeface="Consolas" panose="020B0609020204030204" pitchFamily="49" charset="0"/>
-              </a:rPr>
-              <a:t># do thing 7</a:t>
-            </a:r>
-          </a:p>
-          <a:p>
-            <a:pPr lvl="1"/>
-            <a:r>
-              <a:rPr lang="en-US" sz="1600" dirty="0">
-                <a:solidFill>
-                  <a:schemeClr val="accent1"/>
-                </a:solidFill>
-                <a:latin typeface="Consolas" panose="020B0609020204030204" pitchFamily="49" charset="0"/>
-                <a:cs typeface="Consolas" panose="020B0609020204030204" pitchFamily="49" charset="0"/>
-              </a:rPr>
-              <a:t># do thing 8</a:t>
-            </a:r>
-          </a:p>
-          <a:p>
-            <a:pPr lvl="1"/>
-            <a:r>
-              <a:rPr lang="en-US" sz="1600" i="1" dirty="0">
-                <a:solidFill>
-                  <a:schemeClr val="accent1"/>
-                </a:solidFill>
-                <a:latin typeface="Consolas" panose="020B0609020204030204" pitchFamily="49" charset="0"/>
-                <a:cs typeface="Consolas" panose="020B0609020204030204" pitchFamily="49" charset="0"/>
-              </a:rPr>
-              <a:t># notice the indentation</a:t>
-            </a:r>
-          </a:p>
-          <a:p>
-            <a:endParaRPr lang="en-US" sz="1600" dirty="0"/>
-          </a:p>
-        </p:txBody>
-      </p:sp>
-    </p:spTree>
-    <p:extLst>
-      <p:ext uri="{BB962C8B-B14F-4D97-AF65-F5344CB8AC3E}">
-        <p14:creationId xmlns:p14="http://schemas.microsoft.com/office/powerpoint/2010/main" val="2318328884"/>
-      </p:ext>
-    </p:extLst>
-  </p:cSld>
-  <p:clrMapOvr>
-    <a:masterClrMapping/>
-  </p:clrMapOvr>
-</p:sld>
-</file>
-
-<file path=ppt/slides/slide3.xml><?xml version="1.0" encoding="utf-8"?>
-<p:sld xmlns:a="http://schemas.openxmlformats.org/drawingml/2006/main" xmlns:r="http://schemas.openxmlformats.org/officeDocument/2006/relationships" xmlns:p="http://schemas.openxmlformats.org/presentationml/2006/main">
-  <p:cSld>
-    <p:bg>
-      <p:bgPr>
-        <a:solidFill>
-          <a:schemeClr val="bg1"/>
-        </a:solidFill>
-        <a:effectLst/>
-      </p:bgPr>
-    </p:bg>
-    <p:spTree>
-      <p:nvGrpSpPr>
-        <p:cNvPr id="1" name=""/>
-        <p:cNvGrpSpPr/>
-        <p:nvPr/>
-      </p:nvGrpSpPr>
-      <p:grpSpPr>
-        <a:xfrm>
-          <a:off x="0" y="0"/>
-          <a:ext cx="0" cy="0"/>
-          <a:chOff x="0" y="0"/>
-          <a:chExt cx="0" cy="0"/>
-        </a:xfrm>
-      </p:grpSpPr>
-      <p:sp>
-        <p:nvSpPr>
           <p:cNvPr id="3" name="Content Placeholder 2">
             <a:extLst>
               <a:ext uri="{FF2B5EF4-FFF2-40B4-BE49-F238E27FC236}">
@@ -7881,7 +10818,7 @@
 </p:sld>
 </file>
 
-<file path=ppt/slides/slide4.xml><?xml version="1.0" encoding="utf-8"?>
+<file path=ppt/slides/slide3.xml><?xml version="1.0" encoding="utf-8"?>
 <p:sld xmlns:a="http://schemas.openxmlformats.org/drawingml/2006/main" xmlns:r="http://schemas.openxmlformats.org/officeDocument/2006/relationships" xmlns:p="http://schemas.openxmlformats.org/presentationml/2006/main">
   <p:cSld>
     <p:spTree>
@@ -8056,7 +10993,7 @@
 </p:sld>
 </file>
 
-<file path=ppt/slides/slide5.xml><?xml version="1.0" encoding="utf-8"?>
+<file path=ppt/slides/slide4.xml><?xml version="1.0" encoding="utf-8"?>
 <p:sld xmlns:a="http://schemas.openxmlformats.org/drawingml/2006/main" xmlns:r="http://schemas.openxmlformats.org/officeDocument/2006/relationships" xmlns:p="http://schemas.openxmlformats.org/presentationml/2006/main">
   <p:cSld>
     <p:bg>
@@ -8161,7 +11098,7 @@
                 <a:latin typeface="Consolas" panose="020B0609020204030204" pitchFamily="49" charset="0"/>
                 <a:cs typeface="Consolas" panose="020B0609020204030204" pitchFamily="49" charset="0"/>
               </a:rPr>
-              <a:t>boolean	</a:t>
+              <a:t>bool	</a:t>
             </a:r>
           </a:p>
           <a:p>
@@ -8280,7 +11217,7 @@
 </p:sld>
 </file>
 
-<file path=ppt/slides/slide6.xml><?xml version="1.0" encoding="utf-8"?>
+<file path=ppt/slides/slide5.xml><?xml version="1.0" encoding="utf-8"?>
 <p:sld xmlns:a="http://schemas.openxmlformats.org/drawingml/2006/main" xmlns:r="http://schemas.openxmlformats.org/officeDocument/2006/relationships" xmlns:p="http://schemas.openxmlformats.org/presentationml/2006/main">
   <p:cSld>
     <p:spTree>
@@ -8401,7 +11338,7 @@
 </p:sld>
 </file>
 
-<file path=ppt/slides/slide7.xml><?xml version="1.0" encoding="utf-8"?>
+<file path=ppt/slides/slide6.xml><?xml version="1.0" encoding="utf-8"?>
 <p:sld xmlns:a="http://schemas.openxmlformats.org/drawingml/2006/main" xmlns:r="http://schemas.openxmlformats.org/officeDocument/2006/relationships" xmlns:p="http://schemas.openxmlformats.org/presentationml/2006/main">
   <p:cSld>
     <p:bg>
@@ -8559,13 +11496,352 @@
 </p:sld>
 </file>
 
+<file path=ppt/slides/slide7.xml><?xml version="1.0" encoding="utf-8"?>
+<p:sld xmlns:a="http://schemas.openxmlformats.org/drawingml/2006/main" xmlns:r="http://schemas.openxmlformats.org/officeDocument/2006/relationships" xmlns:p="http://schemas.openxmlformats.org/presentationml/2006/main">
+  <p:cSld>
+    <p:spTree>
+      <p:nvGrpSpPr>
+        <p:cNvPr id="1" name=""/>
+        <p:cNvGrpSpPr/>
+        <p:nvPr/>
+      </p:nvGrpSpPr>
+      <p:grpSpPr>
+        <a:xfrm>
+          <a:off x="0" y="0"/>
+          <a:ext cx="0" cy="0"/>
+          <a:chOff x="0" y="0"/>
+          <a:chExt cx="0" cy="0"/>
+        </a:xfrm>
+      </p:grpSpPr>
+      <p:sp>
+        <p:nvSpPr>
+          <p:cNvPr id="2" name="Title 1">
+            <a:extLst>
+              <a:ext uri="{FF2B5EF4-FFF2-40B4-BE49-F238E27FC236}">
+                <a16:creationId xmlns:a16="http://schemas.microsoft.com/office/drawing/2014/main" id="{2612BE47-61BF-3948-B6BB-BB76737D167C}"/>
+              </a:ext>
+            </a:extLst>
+          </p:cNvPr>
+          <p:cNvSpPr>
+            <a:spLocks noGrp="1"/>
+          </p:cNvSpPr>
+          <p:nvPr>
+            <p:ph type="title"/>
+          </p:nvPr>
+        </p:nvSpPr>
+        <p:spPr/>
+        <p:txBody>
+          <a:bodyPr/>
+          <a:lstStyle/>
+          <a:p>
+            <a:r>
+              <a:rPr lang="en-US" dirty="0"/>
+              <a:t>Data types so far</a:t>
+            </a:r>
+          </a:p>
+        </p:txBody>
+      </p:sp>
+      <p:sp>
+        <p:nvSpPr>
+          <p:cNvPr id="3" name="Content Placeholder 2">
+            <a:extLst>
+              <a:ext uri="{FF2B5EF4-FFF2-40B4-BE49-F238E27FC236}">
+                <a16:creationId xmlns:a16="http://schemas.microsoft.com/office/drawing/2014/main" id="{536D093B-C017-4442-A3D6-5994D07A9D2F}"/>
+              </a:ext>
+            </a:extLst>
+          </p:cNvPr>
+          <p:cNvSpPr>
+            <a:spLocks noGrp="1"/>
+          </p:cNvSpPr>
+          <p:nvPr>
+            <p:ph idx="1"/>
+          </p:nvPr>
+        </p:nvSpPr>
+        <p:spPr/>
+        <p:txBody>
+          <a:bodyPr/>
+          <a:lstStyle/>
+          <a:p>
+            <a:r>
+              <a:rPr lang="en-US" dirty="0">
+                <a:latin typeface="Consolas" panose="020B0609020204030204" pitchFamily="49" charset="0"/>
+                <a:cs typeface="Consolas" panose="020B0609020204030204" pitchFamily="49" charset="0"/>
+              </a:rPr>
+              <a:t>bool	</a:t>
+            </a:r>
+          </a:p>
+          <a:p>
+            <a:r>
+              <a:rPr lang="en-US" dirty="0">
+                <a:latin typeface="Consolas" panose="020B0609020204030204" pitchFamily="49" charset="0"/>
+                <a:cs typeface="Consolas" panose="020B0609020204030204" pitchFamily="49" charset="0"/>
+              </a:rPr>
+              <a:t>int		</a:t>
+            </a:r>
+            <a:endParaRPr lang="en-US" i="1" dirty="0">
+              <a:latin typeface="Consolas" panose="020B0609020204030204" pitchFamily="49" charset="0"/>
+              <a:cs typeface="Consolas" panose="020B0609020204030204" pitchFamily="49" charset="0"/>
+            </a:endParaRPr>
+          </a:p>
+          <a:p>
+            <a:r>
+              <a:rPr lang="en-US" i="1" dirty="0">
+                <a:latin typeface="Consolas" panose="020B0609020204030204" pitchFamily="49" charset="0"/>
+                <a:cs typeface="Consolas" panose="020B0609020204030204" pitchFamily="49" charset="0"/>
+              </a:rPr>
+              <a:t>float	</a:t>
+            </a:r>
+          </a:p>
+          <a:p>
+            <a:r>
+              <a:rPr lang="en-US" i="1" dirty="0">
+                <a:latin typeface="Consolas" panose="020B0609020204030204" pitchFamily="49" charset="0"/>
+                <a:cs typeface="Consolas" panose="020B0609020204030204" pitchFamily="49" charset="0"/>
+              </a:rPr>
+              <a:t>complex	</a:t>
+            </a:r>
+          </a:p>
+          <a:p>
+            <a:r>
+              <a:rPr lang="en-US" dirty="0"/>
+              <a:t>char</a:t>
+            </a:r>
+          </a:p>
+          <a:p>
+            <a:endParaRPr lang="en-US" dirty="0"/>
+          </a:p>
+          <a:p>
+            <a:pPr marL="0" indent="0">
+              <a:buNone/>
+            </a:pPr>
+            <a:r>
+              <a:rPr lang="en-US" dirty="0"/>
+              <a:t># All these types can hold </a:t>
+            </a:r>
+            <a:r>
+              <a:rPr lang="en-US" b="1" dirty="0"/>
+              <a:t>one</a:t>
+            </a:r>
+            <a:r>
+              <a:rPr lang="en-US" dirty="0"/>
+              <a:t> element of respective type</a:t>
+            </a:r>
+          </a:p>
+        </p:txBody>
+      </p:sp>
+    </p:spTree>
+    <p:extLst>
+      <p:ext uri="{BB962C8B-B14F-4D97-AF65-F5344CB8AC3E}">
+        <p14:creationId xmlns:p14="http://schemas.microsoft.com/office/powerpoint/2010/main" val="868415583"/>
+      </p:ext>
+    </p:extLst>
+  </p:cSld>
+  <p:clrMapOvr>
+    <a:masterClrMapping/>
+  </p:clrMapOvr>
+  <p:timing>
+    <p:tnLst>
+      <p:par>
+        <p:cTn id="1" dur="indefinite" restart="never" nodeType="tmRoot">
+          <p:childTnLst>
+            <p:seq concurrent="1" nextAc="seek">
+              <p:cTn id="2" dur="indefinite" nodeType="mainSeq">
+                <p:childTnLst>
+                  <p:par>
+                    <p:cTn id="3" fill="hold">
+                      <p:stCondLst>
+                        <p:cond delay="indefinite"/>
+                      </p:stCondLst>
+                      <p:childTnLst>
+                        <p:par>
+                          <p:cTn id="4" fill="hold">
+                            <p:stCondLst>
+                              <p:cond delay="0"/>
+                            </p:stCondLst>
+                            <p:childTnLst>
+                              <p:par>
+                                <p:cTn id="5" presetID="1" presetClass="entr" presetSubtype="0" fill="hold" nodeType="clickEffect">
+                                  <p:stCondLst>
+                                    <p:cond delay="0"/>
+                                  </p:stCondLst>
+                                  <p:childTnLst>
+                                    <p:set>
+                                      <p:cBhvr>
+                                        <p:cTn id="6" dur="1" fill="hold">
+                                          <p:stCondLst>
+                                            <p:cond delay="0"/>
+                                          </p:stCondLst>
+                                        </p:cTn>
+                                        <p:tgtEl>
+                                          <p:spTgt spid="3">
+                                            <p:txEl>
+                                              <p:pRg st="6" end="6"/>
+                                            </p:txEl>
+                                          </p:spTgt>
+                                        </p:tgtEl>
+                                        <p:attrNameLst>
+                                          <p:attrName>style.visibility</p:attrName>
+                                        </p:attrNameLst>
+                                      </p:cBhvr>
+                                      <p:to>
+                                        <p:strVal val="visible"/>
+                                      </p:to>
+                                    </p:set>
+                                  </p:childTnLst>
+                                </p:cTn>
+                              </p:par>
+                            </p:childTnLst>
+                          </p:cTn>
+                        </p:par>
+                      </p:childTnLst>
+                    </p:cTn>
+                  </p:par>
+                </p:childTnLst>
+              </p:cTn>
+              <p:prevCondLst>
+                <p:cond evt="onPrev" delay="0">
+                  <p:tgtEl>
+                    <p:sldTgt/>
+                  </p:tgtEl>
+                </p:cond>
+              </p:prevCondLst>
+              <p:nextCondLst>
+                <p:cond evt="onNext" delay="0">
+                  <p:tgtEl>
+                    <p:sldTgt/>
+                  </p:tgtEl>
+                </p:cond>
+              </p:nextCondLst>
+            </p:seq>
+          </p:childTnLst>
+        </p:cTn>
+      </p:par>
+    </p:tnLst>
+  </p:timing>
+</p:sld>
+</file>
+
 <file path=ppt/slides/slide8.xml><?xml version="1.0" encoding="utf-8"?>
+<p:sld xmlns:a="http://schemas.openxmlformats.org/drawingml/2006/main" xmlns:r="http://schemas.openxmlformats.org/officeDocument/2006/relationships" xmlns:p="http://schemas.openxmlformats.org/presentationml/2006/main">
+  <p:cSld>
+    <p:spTree>
+      <p:nvGrpSpPr>
+        <p:cNvPr id="1" name=""/>
+        <p:cNvGrpSpPr/>
+        <p:nvPr/>
+      </p:nvGrpSpPr>
+      <p:grpSpPr>
+        <a:xfrm>
+          <a:off x="0" y="0"/>
+          <a:ext cx="0" cy="0"/>
+          <a:chOff x="0" y="0"/>
+          <a:chExt cx="0" cy="0"/>
+        </a:xfrm>
+      </p:grpSpPr>
+      <p:sp>
+        <p:nvSpPr>
+          <p:cNvPr id="2" name="Title 1">
+            <a:extLst>
+              <a:ext uri="{FF2B5EF4-FFF2-40B4-BE49-F238E27FC236}">
+                <a16:creationId xmlns:a16="http://schemas.microsoft.com/office/drawing/2014/main" id="{BDFF811B-BD65-E74C-8ED0-C59765B61281}"/>
+              </a:ext>
+            </a:extLst>
+          </p:cNvPr>
+          <p:cNvSpPr>
+            <a:spLocks noGrp="1"/>
+          </p:cNvSpPr>
+          <p:nvPr>
+            <p:ph type="title"/>
+          </p:nvPr>
+        </p:nvSpPr>
+        <p:spPr/>
+        <p:txBody>
+          <a:bodyPr/>
+          <a:lstStyle/>
+          <a:p>
+            <a:r>
+              <a:rPr lang="en-US" b="1" dirty="0"/>
+              <a:t>Sequence</a:t>
+            </a:r>
+            <a:r>
+              <a:rPr lang="en-US" dirty="0"/>
+              <a:t> data types</a:t>
+            </a:r>
+          </a:p>
+        </p:txBody>
+      </p:sp>
+      <p:sp>
+        <p:nvSpPr>
+          <p:cNvPr id="3" name="Content Placeholder 2">
+            <a:extLst>
+              <a:ext uri="{FF2B5EF4-FFF2-40B4-BE49-F238E27FC236}">
+                <a16:creationId xmlns:a16="http://schemas.microsoft.com/office/drawing/2014/main" id="{5076F459-5DA9-7D4C-9610-FA44A88612B0}"/>
+              </a:ext>
+            </a:extLst>
+          </p:cNvPr>
+          <p:cNvSpPr>
+            <a:spLocks noGrp="1"/>
+          </p:cNvSpPr>
+          <p:nvPr>
+            <p:ph idx="1"/>
+          </p:nvPr>
+        </p:nvSpPr>
+        <p:spPr/>
+        <p:txBody>
+          <a:bodyPr/>
+          <a:lstStyle/>
+          <a:p>
+            <a:r>
+              <a:rPr lang="en-US" dirty="0"/>
+              <a:t>Can hold more than one element in a single type</a:t>
+            </a:r>
+          </a:p>
+          <a:p>
+            <a:pPr marL="0" indent="0">
+              <a:buNone/>
+            </a:pPr>
+            <a:endParaRPr lang="en-US" dirty="0"/>
+          </a:p>
+          <a:p>
+            <a:r>
+              <a:rPr lang="en-US" dirty="0"/>
+              <a:t>How to access each element within a sequence ?</a:t>
+            </a:r>
+          </a:p>
+          <a:p>
+            <a:r>
+              <a:rPr lang="en-US" dirty="0"/>
+              <a:t>Indexing</a:t>
+            </a:r>
+          </a:p>
+          <a:p>
+            <a:r>
+              <a:rPr lang="en-US" dirty="0"/>
+              <a:t>Iteration</a:t>
+            </a:r>
+          </a:p>
+        </p:txBody>
+      </p:sp>
+    </p:spTree>
+    <p:extLst>
+      <p:ext uri="{BB962C8B-B14F-4D97-AF65-F5344CB8AC3E}">
+        <p14:creationId xmlns:p14="http://schemas.microsoft.com/office/powerpoint/2010/main" val="3067624807"/>
+      </p:ext>
+    </p:extLst>
+  </p:cSld>
+  <p:clrMapOvr>
+    <a:masterClrMapping/>
+  </p:clrMapOvr>
+</p:sld>
+</file>
+
+<file path=ppt/slides/slide9.xml><?xml version="1.0" encoding="utf-8"?>
 <p:sld xmlns:a="http://schemas.openxmlformats.org/drawingml/2006/main" xmlns:r="http://schemas.openxmlformats.org/officeDocument/2006/relationships" xmlns:p="http://schemas.openxmlformats.org/presentationml/2006/main">
   <p:cSld>
     <p:bg>
       <p:bgPr>
         <a:solidFill>
-          <a:schemeClr val="bg1"/>
+          <a:schemeClr val="tx1"/>
         </a:solidFill>
         <a:effectLst/>
       </p:bgPr>
@@ -8589,7 +11865,7 @@
           <p:cNvPr id="2" name="Title 1">
             <a:extLst>
               <a:ext uri="{FF2B5EF4-FFF2-40B4-BE49-F238E27FC236}">
-                <a16:creationId xmlns:a16="http://schemas.microsoft.com/office/drawing/2014/main" id="{AA386915-DAD3-914F-BB74-D5B0A1CB8B1B}"/>
+                <a16:creationId xmlns:a16="http://schemas.microsoft.com/office/drawing/2014/main" id="{43B35290-B2B6-324B-9349-4E6692E228FE}"/>
               </a:ext>
             </a:extLst>
           </p:cNvPr>
@@ -8597,15 +11873,10 @@
             <a:spLocks noGrp="1"/>
           </p:cNvSpPr>
           <p:nvPr>
-            <p:ph type="title"/>
+            <p:ph type="ctrTitle"/>
           </p:nvPr>
         </p:nvSpPr>
-        <p:spPr>
-          <a:xfrm>
-            <a:off x="1175512" y="395104"/>
-            <a:ext cx="9792208" cy="1527078"/>
-          </a:xfrm>
-        </p:spPr>
+        <p:spPr/>
         <p:txBody>
           <a:bodyPr>
             <a:normAutofit/>
@@ -8613,73 +11884,24 @@
           <a:lstStyle/>
           <a:p>
             <a:r>
-              <a:rPr lang="en-US" dirty="0">
-                <a:solidFill>
-                  <a:schemeClr val="tx2">
-                    <a:lumMod val="75000"/>
-                  </a:schemeClr>
-                </a:solidFill>
-              </a:rPr>
-              <a:t>Data type 6: String</a:t>
-            </a:r>
-            <a:br>
-              <a:rPr lang="en-US" dirty="0">
-                <a:solidFill>
-                  <a:schemeClr val="tx2">
-                    <a:lumMod val="75000"/>
-                  </a:schemeClr>
-                </a:solidFill>
-              </a:rPr>
-            </a:br>
-            <a:r>
-              <a:rPr lang="en-US" dirty="0">
-                <a:solidFill>
-                  <a:schemeClr val="tx2">
-                    <a:lumMod val="75000"/>
-                  </a:schemeClr>
-                </a:solidFill>
-              </a:rPr>
-              <a:t> A </a:t>
-            </a:r>
-            <a:r>
-              <a:rPr lang="en-US" b="1" i="1" dirty="0">
-                <a:solidFill>
-                  <a:schemeClr val="tx2">
-                    <a:lumMod val="75000"/>
-                  </a:schemeClr>
-                </a:solidFill>
-              </a:rPr>
-              <a:t>sequence</a:t>
-            </a:r>
-            <a:r>
-              <a:rPr lang="en-US" b="1" dirty="0">
-                <a:solidFill>
-                  <a:schemeClr val="tx2">
-                    <a:lumMod val="75000"/>
-                  </a:schemeClr>
-                </a:solidFill>
-              </a:rPr>
-              <a:t> </a:t>
-            </a:r>
-            <a:r>
-              <a:rPr lang="en-US" dirty="0">
-                <a:solidFill>
-                  <a:schemeClr val="tx2">
-                    <a:lumMod val="75000"/>
-                  </a:schemeClr>
-                </a:solidFill>
-              </a:rPr>
-              <a:t>of char</a:t>
+              <a:rPr lang="en-US" sz="5400" cap="none" dirty="0">
+                <a:solidFill>
+                  <a:schemeClr val="bg2">
+                    <a:lumMod val="75000"/>
+                  </a:schemeClr>
+                </a:solidFill>
+              </a:rPr>
+              <a:t>Introduction to programming  (Python)</a:t>
             </a:r>
           </a:p>
         </p:txBody>
       </p:sp>
       <p:sp>
         <p:nvSpPr>
-          <p:cNvPr id="3" name="Content Placeholder 2">
+          <p:cNvPr id="3" name="Subtitle 2">
             <a:extLst>
               <a:ext uri="{FF2B5EF4-FFF2-40B4-BE49-F238E27FC236}">
-                <a16:creationId xmlns:a16="http://schemas.microsoft.com/office/drawing/2014/main" id="{BA33774B-CF6F-2C46-A728-359159954B15}"/>
+                <a16:creationId xmlns:a16="http://schemas.microsoft.com/office/drawing/2014/main" id="{E992A13E-D2BD-D347-B675-8C3054F4BE1E}"/>
               </a:ext>
             </a:extLst>
           </p:cNvPr>
@@ -8687,569 +11909,87 @@
             <a:spLocks noGrp="1"/>
           </p:cNvSpPr>
           <p:nvPr>
-            <p:ph idx="1"/>
+            <p:ph type="subTitle" idx="1"/>
           </p:nvPr>
         </p:nvSpPr>
-        <p:spPr>
-          <a:xfrm>
-            <a:off x="1175512" y="3052117"/>
-            <a:ext cx="9792208" cy="3407862"/>
-          </a:xfrm>
-        </p:spPr>
+        <p:spPr/>
         <p:txBody>
-          <a:bodyPr>
-            <a:normAutofit fontScale="92500" lnSpcReduction="10000"/>
+          <a:bodyPr anchor="ctr">
+            <a:normAutofit/>
           </a:bodyPr>
           <a:lstStyle/>
           <a:p>
-            <a:r>
-              <a:rPr lang="en-US" dirty="0">
-                <a:solidFill>
-                  <a:schemeClr val="tx2">
-                    <a:lumMod val="75000"/>
-                  </a:schemeClr>
-                </a:solidFill>
-              </a:rPr>
-              <a:t>Let us refer to the above string as </a:t>
-            </a:r>
-            <a:r>
-              <a:rPr lang="en-US" b="1" dirty="0">
-                <a:solidFill>
-                  <a:schemeClr val="tx2">
-                    <a:lumMod val="75000"/>
-                  </a:schemeClr>
-                </a:solidFill>
-                <a:latin typeface="Consolas" panose="020B0609020204030204" pitchFamily="49" charset="0"/>
-                <a:cs typeface="Consolas" panose="020B0609020204030204" pitchFamily="49" charset="0"/>
-              </a:rPr>
-              <a:t>word</a:t>
-            </a:r>
-          </a:p>
-          <a:p>
-            <a:r>
-              <a:rPr lang="en-US" dirty="0">
-                <a:solidFill>
-                  <a:schemeClr val="tx2">
-                    <a:lumMod val="75000"/>
-                  </a:schemeClr>
-                </a:solidFill>
-              </a:rPr>
-              <a:t>String is represented by the data type </a:t>
-            </a:r>
-            <a:r>
-              <a:rPr lang="en-US" b="1" dirty="0">
-                <a:solidFill>
-                  <a:schemeClr val="tx2">
-                    <a:lumMod val="75000"/>
-                  </a:schemeClr>
-                </a:solidFill>
-              </a:rPr>
-              <a:t>str</a:t>
-            </a:r>
-            <a:endParaRPr lang="en-US" dirty="0">
+            <a:pPr>
+              <a:spcAft>
+                <a:spcPts val="600"/>
+              </a:spcAft>
+            </a:pPr>
+            <a:r>
+              <a:rPr lang="en-US" sz="2000" cap="none" dirty="0">
+                <a:solidFill>
+                  <a:schemeClr val="bg2">
+                    <a:lumMod val="75000"/>
+                  </a:schemeClr>
+                </a:solidFill>
+              </a:rPr>
+              <a:t>Session</a:t>
+            </a:r>
+            <a:r>
+              <a:rPr lang="en-US" sz="2000" dirty="0">
+                <a:solidFill>
+                  <a:schemeClr val="bg2">
+                    <a:lumMod val="75000"/>
+                  </a:schemeClr>
+                </a:solidFill>
+              </a:rPr>
+              <a:t> #4</a:t>
+            </a:r>
+          </a:p>
+          <a:p>
+            <a:pPr>
+              <a:spcAft>
+                <a:spcPts val="600"/>
+              </a:spcAft>
+            </a:pPr>
+            <a:r>
+              <a:rPr lang="en-US" sz="2000" dirty="0">
+                <a:solidFill>
+                  <a:schemeClr val="bg2">
+                    <a:lumMod val="75000"/>
+                  </a:schemeClr>
+                </a:solidFill>
+              </a:rPr>
+              <a:t>Conditionals</a:t>
+            </a:r>
+            <a:r>
+              <a:rPr lang="en-US" sz="2000">
+                <a:solidFill>
+                  <a:schemeClr val="bg2">
+                    <a:lumMod val="75000"/>
+                  </a:schemeClr>
+                </a:solidFill>
+              </a:rPr>
+              <a:t>, Character, String</a:t>
+            </a:r>
+            <a:endParaRPr lang="en-US" sz="2000" dirty="0">
               <a:solidFill>
-                <a:schemeClr val="tx2">
+                <a:schemeClr val="bg2">
                   <a:lumMod val="75000"/>
                 </a:schemeClr>
               </a:solidFill>
             </a:endParaRPr>
-          </a:p>
-          <a:p>
-            <a:r>
-              <a:rPr lang="en-US" dirty="0">
-                <a:solidFill>
-                  <a:schemeClr val="tx2">
-                    <a:lumMod val="75000"/>
-                  </a:schemeClr>
-                </a:solidFill>
-              </a:rPr>
-              <a:t>Each of the items in the above sequence is a </a:t>
-            </a:r>
-            <a:r>
-              <a:rPr lang="en-US" b="1" dirty="0">
-                <a:solidFill>
-                  <a:schemeClr val="tx2">
-                    <a:lumMod val="75000"/>
-                  </a:schemeClr>
-                </a:solidFill>
-              </a:rPr>
-              <a:t>char </a:t>
-            </a:r>
-            <a:r>
-              <a:rPr lang="en-US" dirty="0">
-                <a:solidFill>
-                  <a:schemeClr val="tx2">
-                    <a:lumMod val="75000"/>
-                  </a:schemeClr>
-                </a:solidFill>
-              </a:rPr>
-              <a:t>and can be accessed individually using </a:t>
-            </a:r>
-            <a:r>
-              <a:rPr lang="en-US" b="1" dirty="0">
-                <a:solidFill>
-                  <a:schemeClr val="tx2">
-                    <a:lumMod val="75000"/>
-                  </a:schemeClr>
-                </a:solidFill>
-              </a:rPr>
-              <a:t>[ ] </a:t>
-            </a:r>
-            <a:r>
-              <a:rPr lang="en-US" dirty="0">
-                <a:solidFill>
-                  <a:schemeClr val="tx2">
-                    <a:lumMod val="75000"/>
-                  </a:schemeClr>
-                </a:solidFill>
-              </a:rPr>
-              <a:t>operator and the </a:t>
-            </a:r>
-            <a:r>
-              <a:rPr lang="en-US" b="1" dirty="0">
-                <a:solidFill>
-                  <a:schemeClr val="tx2">
-                    <a:lumMod val="75000"/>
-                  </a:schemeClr>
-                </a:solidFill>
-              </a:rPr>
-              <a:t>index</a:t>
-            </a:r>
-            <a:r>
-              <a:rPr lang="en-US" dirty="0">
-                <a:solidFill>
-                  <a:schemeClr val="tx2">
-                    <a:lumMod val="75000"/>
-                  </a:schemeClr>
-                </a:solidFill>
-              </a:rPr>
-              <a:t> of an item</a:t>
-            </a:r>
-          </a:p>
-          <a:p>
-            <a:r>
-              <a:rPr lang="en-US" dirty="0">
-                <a:solidFill>
-                  <a:schemeClr val="tx2">
-                    <a:lumMod val="75000"/>
-                  </a:schemeClr>
-                </a:solidFill>
-                <a:latin typeface="Consolas" panose="020B0609020204030204" pitchFamily="49" charset="0"/>
-                <a:cs typeface="Consolas" panose="020B0609020204030204" pitchFamily="49" charset="0"/>
-              </a:rPr>
-              <a:t>print (word[0])	# ‘l’, index = 0</a:t>
-            </a:r>
-          </a:p>
-          <a:p>
-            <a:r>
-              <a:rPr lang="en-US" dirty="0">
-                <a:solidFill>
-                  <a:schemeClr val="tx2">
-                    <a:lumMod val="75000"/>
-                  </a:schemeClr>
-                </a:solidFill>
-                <a:latin typeface="Consolas" panose="020B0609020204030204" pitchFamily="49" charset="0"/>
-                <a:cs typeface="Consolas" panose="020B0609020204030204" pitchFamily="49" charset="0"/>
-              </a:rPr>
-              <a:t>print (word[1])	# ‘e’</a:t>
-            </a:r>
-          </a:p>
-          <a:p>
-            <a:r>
-              <a:rPr lang="en-US" dirty="0">
-                <a:solidFill>
-                  <a:schemeClr val="tx2">
-                    <a:lumMod val="75000"/>
-                  </a:schemeClr>
-                </a:solidFill>
-                <a:latin typeface="Consolas" panose="020B0609020204030204" pitchFamily="49" charset="0"/>
-                <a:cs typeface="Consolas" panose="020B0609020204030204" pitchFamily="49" charset="0"/>
-              </a:rPr>
-              <a:t>print (word[4])	# ‘n’</a:t>
-            </a:r>
-          </a:p>
-          <a:p>
-            <a:r>
-              <a:rPr lang="en-US" dirty="0">
-                <a:solidFill>
-                  <a:schemeClr val="tx2">
-                    <a:lumMod val="75000"/>
-                  </a:schemeClr>
-                </a:solidFill>
-                <a:latin typeface="Consolas" panose="020B0609020204030204" pitchFamily="49" charset="0"/>
-                <a:cs typeface="Consolas" panose="020B0609020204030204" pitchFamily="49" charset="0"/>
-              </a:rPr>
-              <a:t>print (word[5])	# Error!</a:t>
-            </a:r>
-          </a:p>
-          <a:p>
-            <a:endParaRPr lang="en-US" dirty="0">
-              <a:solidFill>
-                <a:schemeClr val="tx2">
-                  <a:lumMod val="75000"/>
-                </a:schemeClr>
-              </a:solidFill>
-            </a:endParaRPr>
-          </a:p>
-          <a:p>
-            <a:endParaRPr lang="en-US" dirty="0">
-              <a:solidFill>
-                <a:schemeClr val="tx2">
-                  <a:lumMod val="75000"/>
-                </a:schemeClr>
-              </a:solidFill>
-            </a:endParaRPr>
-          </a:p>
-        </p:txBody>
-      </p:sp>
-      <p:graphicFrame>
-        <p:nvGraphicFramePr>
-          <p:cNvPr id="7" name="Table 6">
-            <a:extLst>
-              <a:ext uri="{FF2B5EF4-FFF2-40B4-BE49-F238E27FC236}">
-                <a16:creationId xmlns:a16="http://schemas.microsoft.com/office/drawing/2014/main" id="{2CF115D8-3BC2-2047-9F24-7A148833743E}"/>
-              </a:ext>
-            </a:extLst>
-          </p:cNvPr>
-          <p:cNvGraphicFramePr>
-            <a:graphicFrameLocks noGrp="1"/>
-          </p:cNvGraphicFramePr>
-          <p:nvPr>
-            <p:extLst>
-              <p:ext uri="{D42A27DB-BD31-4B8C-83A1-F6EECF244321}">
-                <p14:modId xmlns:p14="http://schemas.microsoft.com/office/powerpoint/2010/main" val="3185608142"/>
-              </p:ext>
-            </p:extLst>
-          </p:nvPr>
-        </p:nvGraphicFramePr>
-        <p:xfrm>
-          <a:off x="1175512" y="2150782"/>
-          <a:ext cx="6773335" cy="370840"/>
-        </p:xfrm>
-        <a:graphic>
-          <a:graphicData uri="http://schemas.openxmlformats.org/drawingml/2006/table">
-            <a:tbl>
-              <a:tblPr firstRow="1" bandRow="1">
-                <a:tableStyleId>{5C22544A-7EE6-4342-B048-85BDC9FD1C3A}</a:tableStyleId>
-              </a:tblPr>
-              <a:tblGrid>
-                <a:gridCol w="1354667">
-                  <a:extLst>
-                    <a:ext uri="{9D8B030D-6E8A-4147-A177-3AD203B41FA5}">
-                      <a16:colId xmlns:a16="http://schemas.microsoft.com/office/drawing/2014/main" val="915326900"/>
-                    </a:ext>
-                  </a:extLst>
-                </a:gridCol>
-                <a:gridCol w="1354667">
-                  <a:extLst>
-                    <a:ext uri="{9D8B030D-6E8A-4147-A177-3AD203B41FA5}">
-                      <a16:colId xmlns:a16="http://schemas.microsoft.com/office/drawing/2014/main" val="1524801931"/>
-                    </a:ext>
-                  </a:extLst>
-                </a:gridCol>
-                <a:gridCol w="1354667">
-                  <a:extLst>
-                    <a:ext uri="{9D8B030D-6E8A-4147-A177-3AD203B41FA5}">
-                      <a16:colId xmlns:a16="http://schemas.microsoft.com/office/drawing/2014/main" val="3483055955"/>
-                    </a:ext>
-                  </a:extLst>
-                </a:gridCol>
-                <a:gridCol w="1354667">
-                  <a:extLst>
-                    <a:ext uri="{9D8B030D-6E8A-4147-A177-3AD203B41FA5}">
-                      <a16:colId xmlns:a16="http://schemas.microsoft.com/office/drawing/2014/main" val="3188251622"/>
-                    </a:ext>
-                  </a:extLst>
-                </a:gridCol>
-                <a:gridCol w="1354667">
-                  <a:extLst>
-                    <a:ext uri="{9D8B030D-6E8A-4147-A177-3AD203B41FA5}">
-                      <a16:colId xmlns:a16="http://schemas.microsoft.com/office/drawing/2014/main" val="1827891742"/>
-                    </a:ext>
-                  </a:extLst>
-                </a:gridCol>
-              </a:tblGrid>
-              <a:tr h="370840">
-                <a:tc>
-                  <a:txBody>
-                    <a:bodyPr/>
-                    <a:lstStyle/>
-                    <a:p>
-                      <a:r>
-                        <a:rPr lang="en-US" dirty="0">
-                          <a:solidFill>
-                            <a:schemeClr val="tx2">
-                              <a:lumMod val="75000"/>
-                            </a:schemeClr>
-                          </a:solidFill>
-                        </a:rPr>
-                        <a:t>‘l’</a:t>
-                      </a:r>
-                    </a:p>
-                  </a:txBody>
-                  <a:tcPr>
-                    <a:solidFill>
-                      <a:schemeClr val="bg2"/>
-                    </a:solidFill>
-                  </a:tcPr>
-                </a:tc>
-                <a:tc>
-                  <a:txBody>
-                    <a:bodyPr/>
-                    <a:lstStyle/>
-                    <a:p>
-                      <a:r>
-                        <a:rPr lang="en-US" dirty="0">
-                          <a:solidFill>
-                            <a:schemeClr val="tx2">
-                              <a:lumMod val="75000"/>
-                            </a:schemeClr>
-                          </a:solidFill>
-                        </a:rPr>
-                        <a:t>‘e’</a:t>
-                      </a:r>
-                    </a:p>
-                  </a:txBody>
-                  <a:tcPr>
-                    <a:solidFill>
-                      <a:schemeClr val="bg2"/>
-                    </a:solidFill>
-                  </a:tcPr>
-                </a:tc>
-                <a:tc>
-                  <a:txBody>
-                    <a:bodyPr/>
-                    <a:lstStyle/>
-                    <a:p>
-                      <a:r>
-                        <a:rPr lang="en-US" dirty="0">
-                          <a:solidFill>
-                            <a:schemeClr val="tx2">
-                              <a:lumMod val="75000"/>
-                            </a:schemeClr>
-                          </a:solidFill>
-                        </a:rPr>
-                        <a:t>‘a’</a:t>
-                      </a:r>
-                    </a:p>
-                  </a:txBody>
-                  <a:tcPr>
-                    <a:solidFill>
-                      <a:schemeClr val="bg2"/>
-                    </a:solidFill>
-                  </a:tcPr>
-                </a:tc>
-                <a:tc>
-                  <a:txBody>
-                    <a:bodyPr/>
-                    <a:lstStyle/>
-                    <a:p>
-                      <a:r>
-                        <a:rPr lang="en-US" dirty="0">
-                          <a:solidFill>
-                            <a:schemeClr val="tx2">
-                              <a:lumMod val="75000"/>
-                            </a:schemeClr>
-                          </a:solidFill>
-                        </a:rPr>
-                        <a:t>‘r’</a:t>
-                      </a:r>
-                    </a:p>
-                  </a:txBody>
-                  <a:tcPr>
-                    <a:solidFill>
-                      <a:schemeClr val="bg2"/>
-                    </a:solidFill>
-                  </a:tcPr>
-                </a:tc>
-                <a:tc>
-                  <a:txBody>
-                    <a:bodyPr/>
-                    <a:lstStyle/>
-                    <a:p>
-                      <a:r>
-                        <a:rPr lang="en-US" dirty="0">
-                          <a:solidFill>
-                            <a:schemeClr val="tx2">
-                              <a:lumMod val="75000"/>
-                            </a:schemeClr>
-                          </a:solidFill>
-                        </a:rPr>
-                        <a:t>‘n’</a:t>
-                      </a:r>
-                    </a:p>
-                  </a:txBody>
-                  <a:tcPr>
-                    <a:solidFill>
-                      <a:schemeClr val="bg2"/>
-                    </a:solidFill>
-                  </a:tcPr>
-                </a:tc>
-                <a:extLst>
-                  <a:ext uri="{0D108BD9-81ED-4DB2-BD59-A6C34878D82A}">
-                    <a16:rowId xmlns:a16="http://schemas.microsoft.com/office/drawing/2014/main" val="2251342507"/>
-                  </a:ext>
-                </a:extLst>
-              </a:tr>
-            </a:tbl>
-          </a:graphicData>
-        </a:graphic>
-      </p:graphicFrame>
-    </p:spTree>
-    <p:extLst>
-      <p:ext uri="{BB962C8B-B14F-4D97-AF65-F5344CB8AC3E}">
-        <p14:creationId xmlns:p14="http://schemas.microsoft.com/office/powerpoint/2010/main" val="1489366027"/>
-      </p:ext>
-    </p:extLst>
-  </p:cSld>
-  <p:clrMapOvr>
-    <a:masterClrMapping/>
-  </p:clrMapOvr>
-</p:sld>
-</file>
-
-<file path=ppt/slides/slide9.xml><?xml version="1.0" encoding="utf-8"?>
-<p:sld xmlns:a="http://schemas.openxmlformats.org/drawingml/2006/main" xmlns:r="http://schemas.openxmlformats.org/officeDocument/2006/relationships" xmlns:p="http://schemas.openxmlformats.org/presentationml/2006/main">
-  <p:cSld>
-    <p:spTree>
-      <p:nvGrpSpPr>
-        <p:cNvPr id="1" name=""/>
-        <p:cNvGrpSpPr/>
-        <p:nvPr/>
-      </p:nvGrpSpPr>
-      <p:grpSpPr>
-        <a:xfrm>
-          <a:off x="0" y="0"/>
-          <a:ext cx="0" cy="0"/>
-          <a:chOff x="0" y="0"/>
-          <a:chExt cx="0" cy="0"/>
-        </a:xfrm>
-      </p:grpSpPr>
-      <p:sp>
-        <p:nvSpPr>
-          <p:cNvPr id="2" name="Title 1">
-            <a:extLst>
-              <a:ext uri="{FF2B5EF4-FFF2-40B4-BE49-F238E27FC236}">
-                <a16:creationId xmlns:a16="http://schemas.microsoft.com/office/drawing/2014/main" id="{F5DC3CBF-9879-3E47-9D88-415D2594DEF8}"/>
-              </a:ext>
-            </a:extLst>
-          </p:cNvPr>
-          <p:cNvSpPr>
-            <a:spLocks noGrp="1"/>
-          </p:cNvSpPr>
-          <p:nvPr>
-            <p:ph type="title"/>
-          </p:nvPr>
-        </p:nvSpPr>
-        <p:spPr/>
-        <p:txBody>
-          <a:bodyPr/>
-          <a:lstStyle/>
-          <a:p>
-            <a:r>
-              <a:rPr lang="en-US" dirty="0"/>
-              <a:t>Representation</a:t>
-            </a:r>
-          </a:p>
-        </p:txBody>
-      </p:sp>
-      <p:sp>
-        <p:nvSpPr>
-          <p:cNvPr id="3" name="Content Placeholder 2">
-            <a:extLst>
-              <a:ext uri="{FF2B5EF4-FFF2-40B4-BE49-F238E27FC236}">
-                <a16:creationId xmlns:a16="http://schemas.microsoft.com/office/drawing/2014/main" id="{F299849A-14A5-4740-86AE-3A5B3C02BCA1}"/>
-              </a:ext>
-            </a:extLst>
-          </p:cNvPr>
-          <p:cNvSpPr>
-            <a:spLocks noGrp="1"/>
-          </p:cNvSpPr>
-          <p:nvPr>
-            <p:ph idx="1"/>
-          </p:nvPr>
-        </p:nvSpPr>
-        <p:spPr/>
-        <p:txBody>
-          <a:bodyPr/>
-          <a:lstStyle/>
-          <a:p>
-            <a:r>
-              <a:rPr lang="en-US" dirty="0"/>
-              <a:t>Strings are represented in Unicode* and by type str</a:t>
-            </a:r>
-          </a:p>
-          <a:p>
-            <a:r>
-              <a:rPr lang="en-US" dirty="0"/>
-              <a:t>Strings are sequence of character(s)</a:t>
-            </a:r>
-          </a:p>
-          <a:p>
-            <a:r>
-              <a:rPr lang="en-US" dirty="0"/>
-              <a:t>Keep sequence in mind, we’ll keep coming back to it</a:t>
-            </a:r>
-          </a:p>
-          <a:p>
-            <a:r>
-              <a:rPr lang="en-US" dirty="0"/>
-              <a:t>Strings can be literal** such as “Whatever appears inside quotes; single or double is a string literal”</a:t>
-            </a:r>
-          </a:p>
-          <a:p>
-            <a:endParaRPr lang="en-US" dirty="0"/>
-          </a:p>
-          <a:p>
-            <a:r>
-              <a:rPr lang="en-US" i="1" dirty="0">
-                <a:latin typeface="Consolas" panose="020B0609020204030204" pitchFamily="49" charset="0"/>
-                <a:cs typeface="Consolas" panose="020B0609020204030204" pitchFamily="49" charset="0"/>
-              </a:rPr>
-              <a:t>* </a:t>
-            </a:r>
-            <a:r>
-              <a:rPr lang="en-US" i="1" dirty="0">
-                <a:latin typeface="Consolas" panose="020B0609020204030204" pitchFamily="49" charset="0"/>
-                <a:cs typeface="Consolas" panose="020B0609020204030204" pitchFamily="49" charset="0"/>
-                <a:hlinkClick r:id="rId2">
-                  <a:extLst>
-                    <a:ext uri="{A12FA001-AC4F-418D-AE19-62706E023703}">
-                      <ahyp:hlinkClr xmlns:ahyp="http://schemas.microsoft.com/office/drawing/2018/hyperlinkcolor" val="tx"/>
-                    </a:ext>
-                  </a:extLst>
-                </a:hlinkClick>
-              </a:rPr>
-              <a:t>https://en.wikipedia.org/wiki/Unicode</a:t>
-            </a:r>
-            <a:endParaRPr lang="en-US" i="1" dirty="0">
-              <a:latin typeface="Consolas" panose="020B0609020204030204" pitchFamily="49" charset="0"/>
-              <a:cs typeface="Consolas" panose="020B0609020204030204" pitchFamily="49" charset="0"/>
-            </a:endParaRPr>
-          </a:p>
-          <a:p>
-            <a:r>
-              <a:rPr lang="en-US" i="1" dirty="0">
-                <a:latin typeface="Consolas" panose="020B0609020204030204" pitchFamily="49" charset="0"/>
-                <a:cs typeface="Consolas" panose="020B0609020204030204" pitchFamily="49" charset="0"/>
-              </a:rPr>
-              <a:t>** These are allocated efficiently in memory by compilers and users cannot modify them</a:t>
-            </a:r>
-          </a:p>
-          <a:p>
-            <a:endParaRPr lang="en-US" dirty="0"/>
           </a:p>
         </p:txBody>
       </p:sp>
     </p:spTree>
     <p:extLst>
       <p:ext uri="{BB962C8B-B14F-4D97-AF65-F5344CB8AC3E}">
-        <p14:creationId xmlns:p14="http://schemas.microsoft.com/office/powerpoint/2010/main" val="195550787"/>
+        <p14:creationId xmlns:p14="http://schemas.microsoft.com/office/powerpoint/2010/main" val="1904483027"/>
       </p:ext>
     </p:extLst>
   </p:cSld>
   <p:clrMapOvr>
-    <a:masterClrMapping/>
+    <a:overrideClrMapping bg1="dk1" tx1="lt1" bg2="dk2" tx2="lt2" accent1="accent1" accent2="accent2" accent3="accent3" accent4="accent4" accent5="accent5" accent6="accent6" hlink="hlink" folHlink="folHlink"/>
   </p:clrMapOvr>
 </p:sld>
 </file>
